--- a/cluster_computing/figures/figures.pptx
+++ b/cluster_computing/figures/figures.pptx
@@ -9,6 +9,9 @@
     <p:sldId id="257" r:id="rId3"/>
     <p:sldId id="258" r:id="rId4"/>
     <p:sldId id="259" r:id="rId5"/>
+    <p:sldId id="260" r:id="rId6"/>
+    <p:sldId id="261" r:id="rId7"/>
+    <p:sldId id="262" r:id="rId8"/>
   </p:sldIdLst>
   <p:sldSz cx="12192000" cy="6858000"/>
   <p:notesSz cx="6858000" cy="9144000"/>
@@ -107,6 +110,11 @@
       </a:defRPr>
     </a:lvl9pPr>
   </p:defaultTextStyle>
+  <p:extLst>
+    <p:ext uri="{EFAFB233-063F-42B5-8137-9DF3F51BA10A}">
+      <p15:sldGuideLst xmlns:p15="http://schemas.microsoft.com/office/powerpoint/2012/main"/>
+    </p:ext>
+  </p:extLst>
 </p:presentation>
 </file>
 
@@ -257,7 +265,7 @@
           <a:p>
             <a:fld id="{B7BC47D5-11D3-41CE-A91C-521573FB6130}" type="datetimeFigureOut">
               <a:rPr lang="en-US" smtClean="0"/>
-              <a:t>2022-02-21</a:t>
+              <a:t>2022-02-22</a:t>
             </a:fld>
             <a:endParaRPr lang="en-US"/>
           </a:p>
@@ -455,7 +463,7 @@
           <a:p>
             <a:fld id="{B7BC47D5-11D3-41CE-A91C-521573FB6130}" type="datetimeFigureOut">
               <a:rPr lang="en-US" smtClean="0"/>
-              <a:t>2022-02-21</a:t>
+              <a:t>2022-02-22</a:t>
             </a:fld>
             <a:endParaRPr lang="en-US"/>
           </a:p>
@@ -663,7 +671,7 @@
           <a:p>
             <a:fld id="{B7BC47D5-11D3-41CE-A91C-521573FB6130}" type="datetimeFigureOut">
               <a:rPr lang="en-US" smtClean="0"/>
-              <a:t>2022-02-21</a:t>
+              <a:t>2022-02-22</a:t>
             </a:fld>
             <a:endParaRPr lang="en-US"/>
           </a:p>
@@ -861,7 +869,7 @@
           <a:p>
             <a:fld id="{B7BC47D5-11D3-41CE-A91C-521573FB6130}" type="datetimeFigureOut">
               <a:rPr lang="en-US" smtClean="0"/>
-              <a:t>2022-02-21</a:t>
+              <a:t>2022-02-22</a:t>
             </a:fld>
             <a:endParaRPr lang="en-US"/>
           </a:p>
@@ -1136,7 +1144,7 @@
           <a:p>
             <a:fld id="{B7BC47D5-11D3-41CE-A91C-521573FB6130}" type="datetimeFigureOut">
               <a:rPr lang="en-US" smtClean="0"/>
-              <a:t>2022-02-21</a:t>
+              <a:t>2022-02-22</a:t>
             </a:fld>
             <a:endParaRPr lang="en-US"/>
           </a:p>
@@ -1401,7 +1409,7 @@
           <a:p>
             <a:fld id="{B7BC47D5-11D3-41CE-A91C-521573FB6130}" type="datetimeFigureOut">
               <a:rPr lang="en-US" smtClean="0"/>
-              <a:t>2022-02-21</a:t>
+              <a:t>2022-02-22</a:t>
             </a:fld>
             <a:endParaRPr lang="en-US"/>
           </a:p>
@@ -1813,7 +1821,7 @@
           <a:p>
             <a:fld id="{B7BC47D5-11D3-41CE-A91C-521573FB6130}" type="datetimeFigureOut">
               <a:rPr lang="en-US" smtClean="0"/>
-              <a:t>2022-02-21</a:t>
+              <a:t>2022-02-22</a:t>
             </a:fld>
             <a:endParaRPr lang="en-US"/>
           </a:p>
@@ -1954,7 +1962,7 @@
           <a:p>
             <a:fld id="{B7BC47D5-11D3-41CE-A91C-521573FB6130}" type="datetimeFigureOut">
               <a:rPr lang="en-US" smtClean="0"/>
-              <a:t>2022-02-21</a:t>
+              <a:t>2022-02-22</a:t>
             </a:fld>
             <a:endParaRPr lang="en-US"/>
           </a:p>
@@ -2067,7 +2075,7 @@
           <a:p>
             <a:fld id="{B7BC47D5-11D3-41CE-A91C-521573FB6130}" type="datetimeFigureOut">
               <a:rPr lang="en-US" smtClean="0"/>
-              <a:t>2022-02-21</a:t>
+              <a:t>2022-02-22</a:t>
             </a:fld>
             <a:endParaRPr lang="en-US"/>
           </a:p>
@@ -2378,7 +2386,7 @@
           <a:p>
             <a:fld id="{B7BC47D5-11D3-41CE-A91C-521573FB6130}" type="datetimeFigureOut">
               <a:rPr lang="en-US" smtClean="0"/>
-              <a:t>2022-02-21</a:t>
+              <a:t>2022-02-22</a:t>
             </a:fld>
             <a:endParaRPr lang="en-US"/>
           </a:p>
@@ -2666,7 +2674,7 @@
           <a:p>
             <a:fld id="{B7BC47D5-11D3-41CE-A91C-521573FB6130}" type="datetimeFigureOut">
               <a:rPr lang="en-US" smtClean="0"/>
-              <a:t>2022-02-21</a:t>
+              <a:t>2022-02-22</a:t>
             </a:fld>
             <a:endParaRPr lang="en-US"/>
           </a:p>
@@ -2907,7 +2915,7 @@
           <a:p>
             <a:fld id="{B7BC47D5-11D3-41CE-A91C-521573FB6130}" type="datetimeFigureOut">
               <a:rPr lang="en-US" smtClean="0"/>
-              <a:t>2022-02-21</a:t>
+              <a:t>2022-02-22</a:t>
             </a:fld>
             <a:endParaRPr lang="en-US"/>
           </a:p>
@@ -6067,7 +6075,7 @@
         <p:spPr>
           <a:xfrm>
             <a:off x="2428631" y="698162"/>
-            <a:ext cx="1507079" cy="338554"/>
+            <a:ext cx="1702454" cy="338554"/>
           </a:xfrm>
           <a:prstGeom prst="rect">
             <a:avLst/>
@@ -6089,7 +6097,7 @@
                 </a:solidFill>
                 <a:latin typeface="Abadi Extra Light" panose="020B0204020104020204" pitchFamily="34" charset="0"/>
               </a:rPr>
-              <a:t>Blockchain node</a:t>
+              <a:t>Blockchain storage</a:t>
             </a:r>
             <a:endParaRPr lang="en-US" sz="1600" dirty="0">
               <a:solidFill>
@@ -6806,6 +6814,4245 @@
     <p:extLst>
       <p:ext uri="{BB962C8B-B14F-4D97-AF65-F5344CB8AC3E}">
         <p14:creationId xmlns:p14="http://schemas.microsoft.com/office/powerpoint/2010/main" val="3881223416"/>
+      </p:ext>
+    </p:extLst>
+  </p:cSld>
+  <p:clrMapOvr>
+    <a:masterClrMapping/>
+  </p:clrMapOvr>
+</p:sld>
+</file>
+
+<file path=ppt/slides/slide5.xml><?xml version="1.0" encoding="utf-8"?>
+<p:sld xmlns:a="http://schemas.openxmlformats.org/drawingml/2006/main" xmlns:r="http://schemas.openxmlformats.org/officeDocument/2006/relationships" xmlns:p="http://schemas.openxmlformats.org/presentationml/2006/main">
+  <p:cSld>
+    <p:spTree>
+      <p:nvGrpSpPr>
+        <p:cNvPr id="1" name=""/>
+        <p:cNvGrpSpPr/>
+        <p:nvPr/>
+      </p:nvGrpSpPr>
+      <p:grpSpPr>
+        <a:xfrm>
+          <a:off x="0" y="0"/>
+          <a:ext cx="0" cy="0"/>
+          <a:chOff x="0" y="0"/>
+          <a:chExt cx="0" cy="0"/>
+        </a:xfrm>
+      </p:grpSpPr>
+      <p:sp>
+        <p:nvSpPr>
+          <p:cNvPr id="3" name="Rectangle: Rounded Corners 2">
+            <a:extLst>
+              <a:ext uri="{FF2B5EF4-FFF2-40B4-BE49-F238E27FC236}">
+                <a16:creationId xmlns:a16="http://schemas.microsoft.com/office/drawing/2014/main" id="{DC8000E0-292C-44B2-84E7-68B940C37D65}"/>
+              </a:ext>
+            </a:extLst>
+          </p:cNvPr>
+          <p:cNvSpPr/>
+          <p:nvPr/>
+        </p:nvSpPr>
+        <p:spPr>
+          <a:xfrm>
+            <a:off x="7877700" y="818272"/>
+            <a:ext cx="3619187" cy="2996381"/>
+          </a:xfrm>
+          <a:prstGeom prst="roundRect">
+            <a:avLst/>
+          </a:prstGeom>
+          <a:noFill/>
+          <a:ln w="9525" cap="rnd" cmpd="sng" algn="ctr">
+            <a:solidFill>
+              <a:schemeClr val="accent2"/>
+            </a:solidFill>
+            <a:prstDash val="solid"/>
+            <a:round/>
+            <a:headEnd type="none" w="med" len="med"/>
+            <a:tailEnd type="none" w="med" len="med"/>
+          </a:ln>
+          <a:effectLst/>
+        </p:spPr>
+        <p:style>
+          <a:lnRef idx="0">
+            <a:scrgbClr r="0" g="0" b="0"/>
+          </a:lnRef>
+          <a:fillRef idx="0">
+            <a:scrgbClr r="0" g="0" b="0"/>
+          </a:fillRef>
+          <a:effectRef idx="0">
+            <a:scrgbClr r="0" g="0" b="0"/>
+          </a:effectRef>
+          <a:fontRef idx="minor">
+            <a:schemeClr val="accent2"/>
+          </a:fontRef>
+        </p:style>
+        <p:txBody>
+          <a:bodyPr rtlCol="0" anchor="ctr"/>
+          <a:lstStyle/>
+          <a:p>
+            <a:pPr algn="ctr"/>
+            <a:endParaRPr lang="en-US"/>
+          </a:p>
+        </p:txBody>
+      </p:sp>
+      <p:sp>
+        <p:nvSpPr>
+          <p:cNvPr id="32" name="TextBox 31">
+            <a:extLst>
+              <a:ext uri="{FF2B5EF4-FFF2-40B4-BE49-F238E27FC236}">
+                <a16:creationId xmlns:a16="http://schemas.microsoft.com/office/drawing/2014/main" id="{54BB9775-03D5-4805-82D9-B17831CDE3CE}"/>
+              </a:ext>
+            </a:extLst>
+          </p:cNvPr>
+          <p:cNvSpPr txBox="1"/>
+          <p:nvPr/>
+        </p:nvSpPr>
+        <p:spPr>
+          <a:xfrm>
+            <a:off x="7829367" y="415588"/>
+            <a:ext cx="1702454" cy="338554"/>
+          </a:xfrm>
+          <a:prstGeom prst="rect">
+            <a:avLst/>
+          </a:prstGeom>
+          <a:noFill/>
+        </p:spPr>
+        <p:txBody>
+          <a:bodyPr wrap="none" rtlCol="0">
+            <a:spAutoFit/>
+          </a:bodyPr>
+          <a:lstStyle/>
+          <a:p>
+            <a:r>
+              <a:rPr lang="en-US" sz="1600" dirty="0">
+                <a:solidFill>
+                  <a:schemeClr val="accent2">
+                    <a:lumMod val="75000"/>
+                  </a:schemeClr>
+                </a:solidFill>
+                <a:latin typeface="Abadi Extra Light" panose="020B0204020104020204" pitchFamily="34" charset="0"/>
+              </a:rPr>
+              <a:t>Blockchain storage</a:t>
+            </a:r>
+            <a:endParaRPr lang="en-US" sz="1600" dirty="0">
+              <a:solidFill>
+                <a:schemeClr val="accent2">
+                  <a:lumMod val="75000"/>
+                </a:schemeClr>
+              </a:solidFill>
+            </a:endParaRPr>
+          </a:p>
+        </p:txBody>
+      </p:sp>
+      <p:pic>
+        <p:nvPicPr>
+          <p:cNvPr id="39" name="Content Placeholder 7" descr="Contract with solid fill">
+            <a:extLst>
+              <a:ext uri="{FF2B5EF4-FFF2-40B4-BE49-F238E27FC236}">
+                <a16:creationId xmlns:a16="http://schemas.microsoft.com/office/drawing/2014/main" id="{364BE5B0-FA5E-4CA7-A2A8-BB89A56188DB}"/>
+              </a:ext>
+            </a:extLst>
+          </p:cNvPr>
+          <p:cNvPicPr>
+            <a:picLocks noChangeAspect="1"/>
+          </p:cNvPicPr>
+          <p:nvPr/>
+        </p:nvPicPr>
+        <p:blipFill>
+          <a:blip r:embed="rId2">
+            <a:extLst>
+              <a:ext uri="{96DAC541-7B7A-43D3-8B79-37D633B846F1}">
+                <asvg:svgBlip xmlns:asvg="http://schemas.microsoft.com/office/drawing/2016/SVG/main" r:embed="rId3"/>
+              </a:ext>
+            </a:extLst>
+          </a:blip>
+          <a:stretch>
+            <a:fillRect/>
+          </a:stretch>
+        </p:blipFill>
+        <p:spPr>
+          <a:xfrm>
+            <a:off x="7920077" y="2102848"/>
+            <a:ext cx="1224115" cy="1224115"/>
+          </a:xfrm>
+          <a:prstGeom prst="rect">
+            <a:avLst/>
+          </a:prstGeom>
+        </p:spPr>
+      </p:pic>
+      <p:sp>
+        <p:nvSpPr>
+          <p:cNvPr id="40" name="TextBox 39">
+            <a:extLst>
+              <a:ext uri="{FF2B5EF4-FFF2-40B4-BE49-F238E27FC236}">
+                <a16:creationId xmlns:a16="http://schemas.microsoft.com/office/drawing/2014/main" id="{CE4C9592-0541-46F1-8FB8-B47E019F6EDF}"/>
+              </a:ext>
+            </a:extLst>
+          </p:cNvPr>
+          <p:cNvSpPr txBox="1"/>
+          <p:nvPr/>
+        </p:nvSpPr>
+        <p:spPr>
+          <a:xfrm>
+            <a:off x="8206197" y="1847833"/>
+            <a:ext cx="1140569" cy="338554"/>
+          </a:xfrm>
+          <a:prstGeom prst="rect">
+            <a:avLst/>
+          </a:prstGeom>
+          <a:noFill/>
+        </p:spPr>
+        <p:txBody>
+          <a:bodyPr wrap="none" rtlCol="0">
+            <a:spAutoFit/>
+          </a:bodyPr>
+          <a:lstStyle/>
+          <a:p>
+            <a:pPr algn="ctr"/>
+            <a:r>
+              <a:rPr lang="en-US" sz="1600" dirty="0">
+                <a:solidFill>
+                  <a:srgbClr val="7030A0"/>
+                </a:solidFill>
+                <a:latin typeface="Abadi Extra Light" panose="020B0204020104020204" pitchFamily="34" charset="0"/>
+              </a:rPr>
+              <a:t>Shareholder</a:t>
+            </a:r>
+            <a:endParaRPr lang="en-US" sz="1600" dirty="0">
+              <a:solidFill>
+                <a:srgbClr val="7030A0"/>
+              </a:solidFill>
+            </a:endParaRPr>
+          </a:p>
+        </p:txBody>
+      </p:sp>
+      <p:sp>
+        <p:nvSpPr>
+          <p:cNvPr id="43" name="TextBox 42">
+            <a:extLst>
+              <a:ext uri="{FF2B5EF4-FFF2-40B4-BE49-F238E27FC236}">
+                <a16:creationId xmlns:a16="http://schemas.microsoft.com/office/drawing/2014/main" id="{10691D47-323E-4986-8147-CB7AAFD5E9CB}"/>
+              </a:ext>
+            </a:extLst>
+          </p:cNvPr>
+          <p:cNvSpPr txBox="1"/>
+          <p:nvPr/>
+        </p:nvSpPr>
+        <p:spPr>
+          <a:xfrm>
+            <a:off x="8017096" y="3326963"/>
+            <a:ext cx="1532599" cy="338554"/>
+          </a:xfrm>
+          <a:prstGeom prst="rect">
+            <a:avLst/>
+          </a:prstGeom>
+          <a:noFill/>
+        </p:spPr>
+        <p:txBody>
+          <a:bodyPr wrap="none" rtlCol="0">
+            <a:spAutoFit/>
+          </a:bodyPr>
+          <a:lstStyle/>
+          <a:p>
+            <a:r>
+              <a:rPr lang="en-US" sz="1600" dirty="0" err="1">
+                <a:solidFill>
+                  <a:srgbClr val="0070C0"/>
+                </a:solidFill>
+                <a:latin typeface="Abadi Extra Light" panose="020B0204020104020204" pitchFamily="34" charset="0"/>
+              </a:rPr>
+              <a:t>PayableContract</a:t>
+            </a:r>
+            <a:endParaRPr lang="en-US" sz="1600" dirty="0">
+              <a:solidFill>
+                <a:srgbClr val="0070C0"/>
+              </a:solidFill>
+            </a:endParaRPr>
+          </a:p>
+        </p:txBody>
+      </p:sp>
+      <p:sp>
+        <p:nvSpPr>
+          <p:cNvPr id="44" name="Rectangle 43">
+            <a:extLst>
+              <a:ext uri="{FF2B5EF4-FFF2-40B4-BE49-F238E27FC236}">
+                <a16:creationId xmlns:a16="http://schemas.microsoft.com/office/drawing/2014/main" id="{7D381BB5-40D1-4185-9C22-5BE52CC51EDD}"/>
+              </a:ext>
+            </a:extLst>
+          </p:cNvPr>
+          <p:cNvSpPr/>
+          <p:nvPr/>
+        </p:nvSpPr>
+        <p:spPr>
+          <a:xfrm>
+            <a:off x="10155105" y="1265415"/>
+            <a:ext cx="804836" cy="751290"/>
+          </a:xfrm>
+          <a:prstGeom prst="rect">
+            <a:avLst/>
+          </a:prstGeom>
+          <a:ln>
+            <a:solidFill>
+              <a:srgbClr val="00B050"/>
+            </a:solidFill>
+          </a:ln>
+        </p:spPr>
+        <p:style>
+          <a:lnRef idx="2">
+            <a:schemeClr val="accent6"/>
+          </a:lnRef>
+          <a:fillRef idx="1">
+            <a:schemeClr val="lt1"/>
+          </a:fillRef>
+          <a:effectRef idx="0">
+            <a:schemeClr val="accent6"/>
+          </a:effectRef>
+          <a:fontRef idx="minor">
+            <a:schemeClr val="dk1"/>
+          </a:fontRef>
+        </p:style>
+        <p:txBody>
+          <a:bodyPr rtlCol="0" anchor="ctr"/>
+          <a:lstStyle/>
+          <a:p>
+            <a:pPr algn="ctr"/>
+            <a:endParaRPr lang="en-US"/>
+          </a:p>
+        </p:txBody>
+      </p:sp>
+      <p:sp>
+        <p:nvSpPr>
+          <p:cNvPr id="45" name="TextBox 44">
+            <a:extLst>
+              <a:ext uri="{FF2B5EF4-FFF2-40B4-BE49-F238E27FC236}">
+                <a16:creationId xmlns:a16="http://schemas.microsoft.com/office/drawing/2014/main" id="{30B26456-6C5E-4922-B826-A56B7D1A0103}"/>
+              </a:ext>
+            </a:extLst>
+          </p:cNvPr>
+          <p:cNvSpPr txBox="1"/>
+          <p:nvPr/>
+        </p:nvSpPr>
+        <p:spPr>
+          <a:xfrm>
+            <a:off x="10155105" y="904074"/>
+            <a:ext cx="770658" cy="338554"/>
+          </a:xfrm>
+          <a:prstGeom prst="rect">
+            <a:avLst/>
+          </a:prstGeom>
+          <a:noFill/>
+        </p:spPr>
+        <p:txBody>
+          <a:bodyPr wrap="square" rtlCol="0">
+            <a:spAutoFit/>
+          </a:bodyPr>
+          <a:lstStyle/>
+          <a:p>
+            <a:pPr algn="ctr"/>
+            <a:r>
+              <a:rPr lang="en-US" sz="1600" dirty="0">
+                <a:solidFill>
+                  <a:srgbClr val="7030A0"/>
+                </a:solidFill>
+                <a:latin typeface="Abadi Extra Light" panose="020B0204020104020204" pitchFamily="34" charset="0"/>
+              </a:rPr>
+              <a:t>Offer</a:t>
+            </a:r>
+            <a:endParaRPr lang="en-US" sz="1600" dirty="0">
+              <a:solidFill>
+                <a:srgbClr val="7030A0"/>
+              </a:solidFill>
+            </a:endParaRPr>
+          </a:p>
+        </p:txBody>
+      </p:sp>
+      <p:sp>
+        <p:nvSpPr>
+          <p:cNvPr id="46" name="TextBox 45">
+            <a:extLst>
+              <a:ext uri="{FF2B5EF4-FFF2-40B4-BE49-F238E27FC236}">
+                <a16:creationId xmlns:a16="http://schemas.microsoft.com/office/drawing/2014/main" id="{52348AF9-03BA-48DB-975F-B48DEAC02648}"/>
+              </a:ext>
+            </a:extLst>
+          </p:cNvPr>
+          <p:cNvSpPr txBox="1"/>
+          <p:nvPr/>
+        </p:nvSpPr>
+        <p:spPr>
+          <a:xfrm>
+            <a:off x="10173764" y="1494245"/>
+            <a:ext cx="786177" cy="338554"/>
+          </a:xfrm>
+          <a:prstGeom prst="rect">
+            <a:avLst/>
+          </a:prstGeom>
+          <a:noFill/>
+        </p:spPr>
+        <p:txBody>
+          <a:bodyPr wrap="square" rtlCol="0">
+            <a:spAutoFit/>
+          </a:bodyPr>
+          <a:lstStyle/>
+          <a:p>
+            <a:pPr algn="ctr"/>
+            <a:r>
+              <a:rPr lang="en-US" sz="1600" b="1" dirty="0">
+                <a:solidFill>
+                  <a:srgbClr val="7030A0"/>
+                </a:solidFill>
+                <a:latin typeface="Abadi Extra Light" panose="020B0204020104020204" pitchFamily="34" charset="0"/>
+              </a:rPr>
+              <a:t>O</a:t>
+            </a:r>
+            <a:endParaRPr lang="en-US" sz="1600" b="1" dirty="0">
+              <a:solidFill>
+                <a:srgbClr val="7030A0"/>
+              </a:solidFill>
+            </a:endParaRPr>
+          </a:p>
+        </p:txBody>
+      </p:sp>
+      <p:pic>
+        <p:nvPicPr>
+          <p:cNvPr id="5" name="Graphic 4" descr="Male profile outline">
+            <a:extLst>
+              <a:ext uri="{FF2B5EF4-FFF2-40B4-BE49-F238E27FC236}">
+                <a16:creationId xmlns:a16="http://schemas.microsoft.com/office/drawing/2014/main" id="{47D57A09-74CC-46DC-B8AE-84DBBD2EEB3B}"/>
+              </a:ext>
+            </a:extLst>
+          </p:cNvPr>
+          <p:cNvPicPr>
+            <a:picLocks noChangeAspect="1"/>
+          </p:cNvPicPr>
+          <p:nvPr/>
+        </p:nvPicPr>
+        <p:blipFill>
+          <a:blip r:embed="rId4">
+            <a:extLst>
+              <a:ext uri="{28A0092B-C50C-407E-A947-70E740481C1C}">
+                <a14:useLocalDpi xmlns:a14="http://schemas.microsoft.com/office/drawing/2010/main" val="0"/>
+              </a:ext>
+              <a:ext uri="{96DAC541-7B7A-43D3-8B79-37D633B846F1}">
+                <asvg:svgBlip xmlns:asvg="http://schemas.microsoft.com/office/drawing/2016/SVG/main" r:embed="rId5"/>
+              </a:ext>
+            </a:extLst>
+          </a:blip>
+          <a:stretch>
+            <a:fillRect/>
+          </a:stretch>
+        </p:blipFill>
+        <p:spPr>
+          <a:xfrm>
+            <a:off x="8877465" y="2290308"/>
+            <a:ext cx="914400" cy="914400"/>
+          </a:xfrm>
+          <a:prstGeom prst="rect">
+            <a:avLst/>
+          </a:prstGeom>
+        </p:spPr>
+      </p:pic>
+      <p:pic>
+        <p:nvPicPr>
+          <p:cNvPr id="47" name="Graphic 46" descr="Coins with solid fill">
+            <a:extLst>
+              <a:ext uri="{FF2B5EF4-FFF2-40B4-BE49-F238E27FC236}">
+                <a16:creationId xmlns:a16="http://schemas.microsoft.com/office/drawing/2014/main" id="{E3B43388-1B49-4E11-869F-826F422D5D3B}"/>
+              </a:ext>
+            </a:extLst>
+          </p:cNvPr>
+          <p:cNvPicPr>
+            <a:picLocks noChangeAspect="1"/>
+          </p:cNvPicPr>
+          <p:nvPr/>
+        </p:nvPicPr>
+        <p:blipFill>
+          <a:blip r:embed="rId6">
+            <a:extLst>
+              <a:ext uri="{28A0092B-C50C-407E-A947-70E740481C1C}">
+                <a14:useLocalDpi xmlns:a14="http://schemas.microsoft.com/office/drawing/2010/main" val="0"/>
+              </a:ext>
+              <a:ext uri="{96DAC541-7B7A-43D3-8B79-37D633B846F1}">
+                <asvg:svgBlip xmlns:asvg="http://schemas.microsoft.com/office/drawing/2016/SVG/main" r:embed="rId7"/>
+              </a:ext>
+            </a:extLst>
+          </a:blip>
+          <a:stretch>
+            <a:fillRect/>
+          </a:stretch>
+        </p:blipFill>
+        <p:spPr>
+          <a:xfrm>
+            <a:off x="10728171" y="1049339"/>
+            <a:ext cx="667134" cy="667134"/>
+          </a:xfrm>
+          <a:prstGeom prst="rect">
+            <a:avLst/>
+          </a:prstGeom>
+        </p:spPr>
+      </p:pic>
+      <p:pic>
+        <p:nvPicPr>
+          <p:cNvPr id="9" name="Graphic 8" descr="Stopwatch with solid fill">
+            <a:extLst>
+              <a:ext uri="{FF2B5EF4-FFF2-40B4-BE49-F238E27FC236}">
+                <a16:creationId xmlns:a16="http://schemas.microsoft.com/office/drawing/2014/main" id="{2DB1B6D4-05D0-4852-8A7B-2398501171E4}"/>
+              </a:ext>
+            </a:extLst>
+          </p:cNvPr>
+          <p:cNvPicPr>
+            <a:picLocks noChangeAspect="1"/>
+          </p:cNvPicPr>
+          <p:nvPr/>
+        </p:nvPicPr>
+        <p:blipFill>
+          <a:blip r:embed="rId8">
+            <a:extLst>
+              <a:ext uri="{28A0092B-C50C-407E-A947-70E740481C1C}">
+                <a14:useLocalDpi xmlns:a14="http://schemas.microsoft.com/office/drawing/2010/main" val="0"/>
+              </a:ext>
+              <a:ext uri="{96DAC541-7B7A-43D3-8B79-37D633B846F1}">
+                <asvg:svgBlip xmlns:asvg="http://schemas.microsoft.com/office/drawing/2016/SVG/main" r:embed="rId9"/>
+              </a:ext>
+            </a:extLst>
+          </a:blip>
+          <a:stretch>
+            <a:fillRect/>
+          </a:stretch>
+        </p:blipFill>
+        <p:spPr>
+          <a:xfrm>
+            <a:off x="10741717" y="1633193"/>
+            <a:ext cx="667134" cy="667134"/>
+          </a:xfrm>
+          <a:prstGeom prst="rect">
+            <a:avLst/>
+          </a:prstGeom>
+        </p:spPr>
+      </p:pic>
+      <p:pic>
+        <p:nvPicPr>
+          <p:cNvPr id="50" name="Graphic 49" descr="Male profile outline">
+            <a:extLst>
+              <a:ext uri="{FF2B5EF4-FFF2-40B4-BE49-F238E27FC236}">
+                <a16:creationId xmlns:a16="http://schemas.microsoft.com/office/drawing/2014/main" id="{4A65E409-3854-4D34-A971-CF70829EC6E3}"/>
+              </a:ext>
+            </a:extLst>
+          </p:cNvPr>
+          <p:cNvPicPr>
+            <a:picLocks noChangeAspect="1"/>
+          </p:cNvPicPr>
+          <p:nvPr/>
+        </p:nvPicPr>
+        <p:blipFill>
+          <a:blip r:embed="rId10">
+            <a:extLst>
+              <a:ext uri="{28A0092B-C50C-407E-A947-70E740481C1C}">
+                <a14:useLocalDpi xmlns:a14="http://schemas.microsoft.com/office/drawing/2010/main" val="0"/>
+              </a:ext>
+              <a:ext uri="{96DAC541-7B7A-43D3-8B79-37D633B846F1}">
+                <asvg:svgBlip xmlns:asvg="http://schemas.microsoft.com/office/drawing/2016/SVG/main" r:embed="rId11"/>
+              </a:ext>
+            </a:extLst>
+          </a:blip>
+          <a:stretch>
+            <a:fillRect/>
+          </a:stretch>
+        </p:blipFill>
+        <p:spPr>
+          <a:xfrm>
+            <a:off x="9716873" y="1241333"/>
+            <a:ext cx="724765" cy="724765"/>
+          </a:xfrm>
+          <a:prstGeom prst="rect">
+            <a:avLst/>
+          </a:prstGeom>
+        </p:spPr>
+      </p:pic>
+      <p:pic>
+        <p:nvPicPr>
+          <p:cNvPr id="52" name="Content Placeholder 7" descr="Pie chart with solid fill">
+            <a:extLst>
+              <a:ext uri="{FF2B5EF4-FFF2-40B4-BE49-F238E27FC236}">
+                <a16:creationId xmlns:a16="http://schemas.microsoft.com/office/drawing/2014/main" id="{FF4BBBD9-70F8-42BF-87B7-7F43F8DA1A96}"/>
+              </a:ext>
+            </a:extLst>
+          </p:cNvPr>
+          <p:cNvPicPr>
+            <a:picLocks noGrp="1" noChangeAspect="1"/>
+          </p:cNvPicPr>
+          <p:nvPr>
+            <p:ph idx="1"/>
+          </p:nvPr>
+        </p:nvPicPr>
+        <p:blipFill>
+          <a:blip r:embed="rId12">
+            <a:extLst>
+              <a:ext uri="{96DAC541-7B7A-43D3-8B79-37D633B846F1}">
+                <asvg:svgBlip xmlns:asvg="http://schemas.microsoft.com/office/drawing/2016/SVG/main" r:embed="rId13"/>
+              </a:ext>
+            </a:extLst>
+          </a:blip>
+          <a:stretch>
+            <a:fillRect/>
+          </a:stretch>
+        </p:blipFill>
+        <p:spPr>
+          <a:xfrm>
+            <a:off x="3615404" y="1914742"/>
+            <a:ext cx="1397794" cy="1397794"/>
+          </a:xfrm>
+        </p:spPr>
+      </p:pic>
+      <p:sp>
+        <p:nvSpPr>
+          <p:cNvPr id="53" name="TextBox 52">
+            <a:extLst>
+              <a:ext uri="{FF2B5EF4-FFF2-40B4-BE49-F238E27FC236}">
+                <a16:creationId xmlns:a16="http://schemas.microsoft.com/office/drawing/2014/main" id="{9B72A276-131A-4F53-9E11-3F58FD8ED892}"/>
+              </a:ext>
+            </a:extLst>
+          </p:cNvPr>
+          <p:cNvSpPr txBox="1"/>
+          <p:nvPr/>
+        </p:nvSpPr>
+        <p:spPr>
+          <a:xfrm>
+            <a:off x="3615404" y="3263023"/>
+            <a:ext cx="2064924" cy="369332"/>
+          </a:xfrm>
+          <a:prstGeom prst="rect">
+            <a:avLst/>
+          </a:prstGeom>
+          <a:noFill/>
+        </p:spPr>
+        <p:txBody>
+          <a:bodyPr wrap="none" rtlCol="0">
+            <a:spAutoFit/>
+          </a:bodyPr>
+          <a:lstStyle/>
+          <a:p>
+            <a:r>
+              <a:rPr lang="en-US" dirty="0" err="1">
+                <a:solidFill>
+                  <a:srgbClr val="C00000"/>
+                </a:solidFill>
+                <a:latin typeface="Abadi Extra Light" panose="020B0204020104020204" pitchFamily="34" charset="0"/>
+              </a:rPr>
+              <a:t>SharedEntity</a:t>
+            </a:r>
+            <a:r>
+              <a:rPr lang="en-US" dirty="0">
+                <a:solidFill>
+                  <a:srgbClr val="C00000"/>
+                </a:solidFill>
+                <a:latin typeface="Abadi Extra Light" panose="020B0204020104020204" pitchFamily="34" charset="0"/>
+              </a:rPr>
+              <a:t> &lt;S,O&gt;</a:t>
+            </a:r>
+          </a:p>
+        </p:txBody>
+      </p:sp>
+      <p:sp>
+        <p:nvSpPr>
+          <p:cNvPr id="57" name="TextBox 56">
+            <a:extLst>
+              <a:ext uri="{FF2B5EF4-FFF2-40B4-BE49-F238E27FC236}">
+                <a16:creationId xmlns:a16="http://schemas.microsoft.com/office/drawing/2014/main" id="{7734814B-395D-4035-864E-DA786E9ADB0F}"/>
+              </a:ext>
+            </a:extLst>
+          </p:cNvPr>
+          <p:cNvSpPr txBox="1"/>
+          <p:nvPr/>
+        </p:nvSpPr>
+        <p:spPr>
+          <a:xfrm>
+            <a:off x="10164435" y="2017110"/>
+            <a:ext cx="804836" cy="338554"/>
+          </a:xfrm>
+          <a:prstGeom prst="rect">
+            <a:avLst/>
+          </a:prstGeom>
+          <a:noFill/>
+        </p:spPr>
+        <p:txBody>
+          <a:bodyPr wrap="none" rtlCol="0">
+            <a:spAutoFit/>
+          </a:bodyPr>
+          <a:lstStyle/>
+          <a:p>
+            <a:r>
+              <a:rPr lang="en-US" sz="1600" dirty="0">
+                <a:solidFill>
+                  <a:srgbClr val="00B050"/>
+                </a:solidFill>
+                <a:latin typeface="Abadi Extra Light" panose="020B0204020104020204" pitchFamily="34" charset="0"/>
+              </a:rPr>
+              <a:t>Storage</a:t>
+            </a:r>
+            <a:endParaRPr lang="en-US" sz="1600" dirty="0">
+              <a:solidFill>
+                <a:srgbClr val="00B050"/>
+              </a:solidFill>
+            </a:endParaRPr>
+          </a:p>
+        </p:txBody>
+      </p:sp>
+      <p:sp>
+        <p:nvSpPr>
+          <p:cNvPr id="58" name="TextBox 57">
+            <a:extLst>
+              <a:ext uri="{FF2B5EF4-FFF2-40B4-BE49-F238E27FC236}">
+                <a16:creationId xmlns:a16="http://schemas.microsoft.com/office/drawing/2014/main" id="{B5CB70FF-CF91-439C-A44F-B115764EAF5D}"/>
+              </a:ext>
+            </a:extLst>
+          </p:cNvPr>
+          <p:cNvSpPr txBox="1"/>
+          <p:nvPr/>
+        </p:nvSpPr>
+        <p:spPr>
+          <a:xfrm>
+            <a:off x="8930696" y="2832330"/>
+            <a:ext cx="786177" cy="338554"/>
+          </a:xfrm>
+          <a:prstGeom prst="rect">
+            <a:avLst/>
+          </a:prstGeom>
+          <a:noFill/>
+        </p:spPr>
+        <p:txBody>
+          <a:bodyPr wrap="square" rtlCol="0">
+            <a:spAutoFit/>
+          </a:bodyPr>
+          <a:lstStyle/>
+          <a:p>
+            <a:pPr algn="ctr"/>
+            <a:r>
+              <a:rPr lang="en-US" sz="1600" b="1" dirty="0">
+                <a:solidFill>
+                  <a:srgbClr val="7030A0"/>
+                </a:solidFill>
+                <a:latin typeface="Abadi Extra Light" panose="020B0204020104020204" pitchFamily="34" charset="0"/>
+              </a:rPr>
+              <a:t>S</a:t>
+            </a:r>
+            <a:endParaRPr lang="en-US" sz="1600" b="1" dirty="0">
+              <a:solidFill>
+                <a:srgbClr val="7030A0"/>
+              </a:solidFill>
+            </a:endParaRPr>
+          </a:p>
+        </p:txBody>
+      </p:sp>
+      <p:sp>
+        <p:nvSpPr>
+          <p:cNvPr id="62" name="TextBox 61">
+            <a:extLst>
+              <a:ext uri="{FF2B5EF4-FFF2-40B4-BE49-F238E27FC236}">
+                <a16:creationId xmlns:a16="http://schemas.microsoft.com/office/drawing/2014/main" id="{D99A4C8F-E28C-4960-BC80-A0647156192C}"/>
+              </a:ext>
+            </a:extLst>
+          </p:cNvPr>
+          <p:cNvSpPr txBox="1"/>
+          <p:nvPr/>
+        </p:nvSpPr>
+        <p:spPr>
+          <a:xfrm>
+            <a:off x="4993801" y="2234561"/>
+            <a:ext cx="802608" cy="338554"/>
+          </a:xfrm>
+          <a:prstGeom prst="rect">
+            <a:avLst/>
+          </a:prstGeom>
+          <a:noFill/>
+          <a:ln w="12700">
+            <a:solidFill>
+              <a:srgbClr val="C00000"/>
+            </a:solidFill>
+          </a:ln>
+        </p:spPr>
+        <p:txBody>
+          <a:bodyPr wrap="square" rtlCol="0">
+            <a:spAutoFit/>
+          </a:bodyPr>
+          <a:lstStyle/>
+          <a:p>
+            <a:r>
+              <a:rPr lang="en-US" sz="1600" dirty="0">
+                <a:solidFill>
+                  <a:srgbClr val="C00000"/>
+                </a:solidFill>
+                <a:latin typeface="Abadi Extra Light" panose="020B0204020104020204" pitchFamily="34" charset="0"/>
+              </a:rPr>
+              <a:t>place</a:t>
+            </a:r>
+            <a:endParaRPr lang="en-US" sz="1600" dirty="0">
+              <a:solidFill>
+                <a:srgbClr val="C00000"/>
+              </a:solidFill>
+            </a:endParaRPr>
+          </a:p>
+        </p:txBody>
+      </p:sp>
+      <p:sp>
+        <p:nvSpPr>
+          <p:cNvPr id="65" name="TextBox 64">
+            <a:extLst>
+              <a:ext uri="{FF2B5EF4-FFF2-40B4-BE49-F238E27FC236}">
+                <a16:creationId xmlns:a16="http://schemas.microsoft.com/office/drawing/2014/main" id="{6F6A4D57-C3F8-4864-8219-9292CA378BAF}"/>
+              </a:ext>
+            </a:extLst>
+          </p:cNvPr>
+          <p:cNvSpPr txBox="1"/>
+          <p:nvPr/>
+        </p:nvSpPr>
+        <p:spPr>
+          <a:xfrm>
+            <a:off x="4993801" y="2654164"/>
+            <a:ext cx="802608" cy="338554"/>
+          </a:xfrm>
+          <a:prstGeom prst="rect">
+            <a:avLst/>
+          </a:prstGeom>
+          <a:noFill/>
+          <a:ln w="12700">
+            <a:solidFill>
+              <a:srgbClr val="C00000"/>
+            </a:solidFill>
+          </a:ln>
+        </p:spPr>
+        <p:txBody>
+          <a:bodyPr wrap="square" rtlCol="0">
+            <a:spAutoFit/>
+          </a:bodyPr>
+          <a:lstStyle/>
+          <a:p>
+            <a:r>
+              <a:rPr lang="en-US" sz="1600" dirty="0">
+                <a:solidFill>
+                  <a:srgbClr val="C00000"/>
+                </a:solidFill>
+                <a:latin typeface="Abadi Extra Light" panose="020B0204020104020204" pitchFamily="34" charset="0"/>
+              </a:rPr>
+              <a:t>accept</a:t>
+            </a:r>
+            <a:endParaRPr lang="en-US" sz="1600" dirty="0">
+              <a:solidFill>
+                <a:srgbClr val="C00000"/>
+              </a:solidFill>
+            </a:endParaRPr>
+          </a:p>
+        </p:txBody>
+      </p:sp>
+      <p:sp>
+        <p:nvSpPr>
+          <p:cNvPr id="67" name="TextBox 66">
+            <a:extLst>
+              <a:ext uri="{FF2B5EF4-FFF2-40B4-BE49-F238E27FC236}">
+                <a16:creationId xmlns:a16="http://schemas.microsoft.com/office/drawing/2014/main" id="{6328E372-A102-41A0-A1F2-4DDFD42601B2}"/>
+              </a:ext>
+            </a:extLst>
+          </p:cNvPr>
+          <p:cNvSpPr txBox="1"/>
+          <p:nvPr/>
+        </p:nvSpPr>
+        <p:spPr>
+          <a:xfrm>
+            <a:off x="6186827" y="2004598"/>
+            <a:ext cx="1602233" cy="338554"/>
+          </a:xfrm>
+          <a:prstGeom prst="rect">
+            <a:avLst/>
+          </a:prstGeom>
+          <a:noFill/>
+        </p:spPr>
+        <p:txBody>
+          <a:bodyPr wrap="none" rtlCol="0">
+            <a:spAutoFit/>
+          </a:bodyPr>
+          <a:lstStyle/>
+          <a:p>
+            <a:r>
+              <a:rPr lang="en-US" sz="1600" dirty="0">
+                <a:solidFill>
+                  <a:srgbClr val="0070C0"/>
+                </a:solidFill>
+                <a:latin typeface="Abadi Extra Light" panose="020B0204020104020204" pitchFamily="34" charset="0"/>
+              </a:rPr>
+              <a:t>@FromContract </a:t>
+            </a:r>
+            <a:r>
+              <a:rPr lang="en-US" sz="1600" dirty="0">
+                <a:solidFill>
+                  <a:srgbClr val="C00000"/>
+                </a:solidFill>
+                <a:latin typeface="Abadi Extra Light" panose="020B0204020104020204" pitchFamily="34" charset="0"/>
+              </a:rPr>
+              <a:t>S</a:t>
+            </a:r>
+            <a:endParaRPr lang="en-US" sz="1600" dirty="0">
+              <a:solidFill>
+                <a:srgbClr val="C00000"/>
+              </a:solidFill>
+            </a:endParaRPr>
+          </a:p>
+        </p:txBody>
+      </p:sp>
+      <p:sp>
+        <p:nvSpPr>
+          <p:cNvPr id="68" name="TextBox 67">
+            <a:extLst>
+              <a:ext uri="{FF2B5EF4-FFF2-40B4-BE49-F238E27FC236}">
+                <a16:creationId xmlns:a16="http://schemas.microsoft.com/office/drawing/2014/main" id="{78727DD8-4A0B-46A0-905F-D68BB5842361}"/>
+              </a:ext>
+            </a:extLst>
+          </p:cNvPr>
+          <p:cNvSpPr txBox="1"/>
+          <p:nvPr/>
+        </p:nvSpPr>
+        <p:spPr>
+          <a:xfrm>
+            <a:off x="6202553" y="2804520"/>
+            <a:ext cx="1602233" cy="338554"/>
+          </a:xfrm>
+          <a:prstGeom prst="rect">
+            <a:avLst/>
+          </a:prstGeom>
+          <a:noFill/>
+        </p:spPr>
+        <p:txBody>
+          <a:bodyPr wrap="none" rtlCol="0">
+            <a:spAutoFit/>
+          </a:bodyPr>
+          <a:lstStyle/>
+          <a:p>
+            <a:r>
+              <a:rPr lang="en-US" sz="1600" dirty="0">
+                <a:solidFill>
+                  <a:srgbClr val="0070C0"/>
+                </a:solidFill>
+                <a:latin typeface="Abadi Extra Light" panose="020B0204020104020204" pitchFamily="34" charset="0"/>
+              </a:rPr>
+              <a:t>@FromContract </a:t>
+            </a:r>
+            <a:r>
+              <a:rPr lang="en-US" sz="1600" dirty="0">
+                <a:solidFill>
+                  <a:srgbClr val="C00000"/>
+                </a:solidFill>
+                <a:latin typeface="Abadi Extra Light" panose="020B0204020104020204" pitchFamily="34" charset="0"/>
+              </a:rPr>
+              <a:t>S</a:t>
+            </a:r>
+            <a:endParaRPr lang="en-US" sz="1600" dirty="0">
+              <a:solidFill>
+                <a:srgbClr val="C00000"/>
+              </a:solidFill>
+            </a:endParaRPr>
+          </a:p>
+        </p:txBody>
+      </p:sp>
+      <p:cxnSp>
+        <p:nvCxnSpPr>
+          <p:cNvPr id="14" name="Straight Arrow Connector 13">
+            <a:extLst>
+              <a:ext uri="{FF2B5EF4-FFF2-40B4-BE49-F238E27FC236}">
+                <a16:creationId xmlns:a16="http://schemas.microsoft.com/office/drawing/2014/main" id="{1DDCC5CA-35F6-4CB8-A59C-3E6F89D26C52}"/>
+              </a:ext>
+            </a:extLst>
+          </p:cNvPr>
+          <p:cNvCxnSpPr>
+            <a:cxnSpLocks/>
+          </p:cNvCxnSpPr>
+          <p:nvPr/>
+        </p:nvCxnSpPr>
+        <p:spPr>
+          <a:xfrm flipH="1">
+            <a:off x="5847677" y="2343152"/>
+            <a:ext cx="2276045" cy="0"/>
+          </a:xfrm>
+          <a:prstGeom prst="straightConnector1">
+            <a:avLst/>
+          </a:prstGeom>
+          <a:ln w="38100">
+            <a:headEnd type="none" w="med" len="med"/>
+            <a:tailEnd type="arrow" w="med" len="med"/>
+          </a:ln>
+        </p:spPr>
+        <p:style>
+          <a:lnRef idx="3">
+            <a:schemeClr val="accent2"/>
+          </a:lnRef>
+          <a:fillRef idx="0">
+            <a:schemeClr val="accent2"/>
+          </a:fillRef>
+          <a:effectRef idx="2">
+            <a:schemeClr val="accent2"/>
+          </a:effectRef>
+          <a:fontRef idx="minor">
+            <a:schemeClr val="tx1"/>
+          </a:fontRef>
+        </p:style>
+      </p:cxnSp>
+      <p:cxnSp>
+        <p:nvCxnSpPr>
+          <p:cNvPr id="71" name="Straight Arrow Connector 70">
+            <a:extLst>
+              <a:ext uri="{FF2B5EF4-FFF2-40B4-BE49-F238E27FC236}">
+                <a16:creationId xmlns:a16="http://schemas.microsoft.com/office/drawing/2014/main" id="{42467045-CCE2-42BA-8011-CBEA6794E942}"/>
+              </a:ext>
+            </a:extLst>
+          </p:cNvPr>
+          <p:cNvCxnSpPr>
+            <a:cxnSpLocks/>
+          </p:cNvCxnSpPr>
+          <p:nvPr/>
+        </p:nvCxnSpPr>
+        <p:spPr>
+          <a:xfrm flipH="1">
+            <a:off x="5847677" y="2823441"/>
+            <a:ext cx="2276045" cy="0"/>
+          </a:xfrm>
+          <a:prstGeom prst="straightConnector1">
+            <a:avLst/>
+          </a:prstGeom>
+          <a:ln w="38100">
+            <a:headEnd type="none" w="med" len="med"/>
+            <a:tailEnd type="arrow" w="med" len="med"/>
+          </a:ln>
+        </p:spPr>
+        <p:style>
+          <a:lnRef idx="3">
+            <a:schemeClr val="accent2"/>
+          </a:lnRef>
+          <a:fillRef idx="0">
+            <a:schemeClr val="accent2"/>
+          </a:fillRef>
+          <a:effectRef idx="2">
+            <a:schemeClr val="accent2"/>
+          </a:effectRef>
+          <a:fontRef idx="minor">
+            <a:schemeClr val="tx1"/>
+          </a:fontRef>
+        </p:style>
+      </p:cxnSp>
+      <p:sp>
+        <p:nvSpPr>
+          <p:cNvPr id="20" name="Content Placeholder 15" descr="Arrow: Rotate right with solid fill">
+            <a:extLst>
+              <a:ext uri="{FF2B5EF4-FFF2-40B4-BE49-F238E27FC236}">
+                <a16:creationId xmlns:a16="http://schemas.microsoft.com/office/drawing/2014/main" id="{E787CFAC-0245-4DEC-9E09-703FEB6BFD67}"/>
+              </a:ext>
+            </a:extLst>
+          </p:cNvPr>
+          <p:cNvSpPr/>
+          <p:nvPr/>
+        </p:nvSpPr>
+        <p:spPr>
+          <a:xfrm rot="10800000" flipH="1">
+            <a:off x="9846299" y="2401875"/>
+            <a:ext cx="838200" cy="644004"/>
+          </a:xfrm>
+          <a:custGeom>
+            <a:avLst/>
+            <a:gdLst>
+              <a:gd name="connsiteX0" fmla="*/ 714375 w 838200"/>
+              <a:gd name="connsiteY0" fmla="*/ 415404 h 644004"/>
+              <a:gd name="connsiteX1" fmla="*/ 666750 w 838200"/>
+              <a:gd name="connsiteY1" fmla="*/ 167754 h 644004"/>
+              <a:gd name="connsiteX2" fmla="*/ 425768 w 838200"/>
+              <a:gd name="connsiteY2" fmla="*/ 2972 h 644004"/>
+              <a:gd name="connsiteX3" fmla="*/ 134303 w 838200"/>
+              <a:gd name="connsiteY3" fmla="*/ 76314 h 644004"/>
+              <a:gd name="connsiteX4" fmla="*/ 0 w 838200"/>
+              <a:gd name="connsiteY4" fmla="*/ 318249 h 644004"/>
+              <a:gd name="connsiteX5" fmla="*/ 111443 w 838200"/>
+              <a:gd name="connsiteY5" fmla="*/ 144894 h 644004"/>
+              <a:gd name="connsiteX6" fmla="*/ 314325 w 838200"/>
+              <a:gd name="connsiteY6" fmla="*/ 109652 h 644004"/>
+              <a:gd name="connsiteX7" fmla="*/ 470535 w 838200"/>
+              <a:gd name="connsiteY7" fmla="*/ 231572 h 644004"/>
+              <a:gd name="connsiteX8" fmla="*/ 504825 w 838200"/>
+              <a:gd name="connsiteY8" fmla="*/ 415404 h 644004"/>
+              <a:gd name="connsiteX9" fmla="*/ 381000 w 838200"/>
+              <a:gd name="connsiteY9" fmla="*/ 415404 h 644004"/>
+              <a:gd name="connsiteX10" fmla="*/ 609600 w 838200"/>
+              <a:gd name="connsiteY10" fmla="*/ 644004 h 644004"/>
+              <a:gd name="connsiteX11" fmla="*/ 838200 w 838200"/>
+              <a:gd name="connsiteY11" fmla="*/ 415404 h 644004"/>
+              <a:gd name="connsiteX12" fmla="*/ 714375 w 838200"/>
+              <a:gd name="connsiteY12" fmla="*/ 415404 h 644004"/>
+            </a:gdLst>
+            <a:ahLst/>
+            <a:cxnLst>
+              <a:cxn ang="0">
+                <a:pos x="connsiteX0" y="connsiteY0"/>
+              </a:cxn>
+              <a:cxn ang="0">
+                <a:pos x="connsiteX1" y="connsiteY1"/>
+              </a:cxn>
+              <a:cxn ang="0">
+                <a:pos x="connsiteX2" y="connsiteY2"/>
+              </a:cxn>
+              <a:cxn ang="0">
+                <a:pos x="connsiteX3" y="connsiteY3"/>
+              </a:cxn>
+              <a:cxn ang="0">
+                <a:pos x="connsiteX4" y="connsiteY4"/>
+              </a:cxn>
+              <a:cxn ang="0">
+                <a:pos x="connsiteX5" y="connsiteY5"/>
+              </a:cxn>
+              <a:cxn ang="0">
+                <a:pos x="connsiteX6" y="connsiteY6"/>
+              </a:cxn>
+              <a:cxn ang="0">
+                <a:pos x="connsiteX7" y="connsiteY7"/>
+              </a:cxn>
+              <a:cxn ang="0">
+                <a:pos x="connsiteX8" y="connsiteY8"/>
+              </a:cxn>
+              <a:cxn ang="0">
+                <a:pos x="connsiteX9" y="connsiteY9"/>
+              </a:cxn>
+              <a:cxn ang="0">
+                <a:pos x="connsiteX10" y="connsiteY10"/>
+              </a:cxn>
+              <a:cxn ang="0">
+                <a:pos x="connsiteX11" y="connsiteY11"/>
+              </a:cxn>
+              <a:cxn ang="0">
+                <a:pos x="connsiteX12" y="connsiteY12"/>
+              </a:cxn>
+            </a:cxnLst>
+            <a:rect l="l" t="t" r="r" b="b"/>
+            <a:pathLst>
+              <a:path w="838200" h="644004">
+                <a:moveTo>
+                  <a:pt x="714375" y="415404"/>
+                </a:moveTo>
+                <a:cubicBezTo>
+                  <a:pt x="717233" y="326822"/>
+                  <a:pt x="714375" y="245859"/>
+                  <a:pt x="666750" y="167754"/>
+                </a:cubicBezTo>
+                <a:cubicBezTo>
+                  <a:pt x="613410" y="80124"/>
+                  <a:pt x="528638" y="15354"/>
+                  <a:pt x="425768" y="2972"/>
+                </a:cubicBezTo>
+                <a:cubicBezTo>
+                  <a:pt x="322898" y="-9411"/>
+                  <a:pt x="219075" y="17259"/>
+                  <a:pt x="134303" y="76314"/>
+                </a:cubicBezTo>
+                <a:cubicBezTo>
+                  <a:pt x="61913" y="129654"/>
+                  <a:pt x="0" y="225857"/>
+                  <a:pt x="0" y="318249"/>
+                </a:cubicBezTo>
+                <a:cubicBezTo>
+                  <a:pt x="11430" y="247764"/>
+                  <a:pt x="51435" y="184899"/>
+                  <a:pt x="111443" y="144894"/>
+                </a:cubicBezTo>
+                <a:cubicBezTo>
+                  <a:pt x="171450" y="104889"/>
+                  <a:pt x="244793" y="92507"/>
+                  <a:pt x="314325" y="109652"/>
+                </a:cubicBezTo>
+                <a:cubicBezTo>
+                  <a:pt x="380048" y="124892"/>
+                  <a:pt x="434340" y="175374"/>
+                  <a:pt x="470535" y="231572"/>
+                </a:cubicBezTo>
+                <a:cubicBezTo>
+                  <a:pt x="506730" y="287769"/>
+                  <a:pt x="504825" y="350634"/>
+                  <a:pt x="504825" y="415404"/>
+                </a:cubicBezTo>
+                <a:lnTo>
+                  <a:pt x="381000" y="415404"/>
+                </a:lnTo>
+                <a:lnTo>
+                  <a:pt x="609600" y="644004"/>
+                </a:lnTo>
+                <a:cubicBezTo>
+                  <a:pt x="609600" y="644004"/>
+                  <a:pt x="799148" y="454457"/>
+                  <a:pt x="838200" y="415404"/>
+                </a:cubicBezTo>
+                <a:lnTo>
+                  <a:pt x="714375" y="415404"/>
+                </a:lnTo>
+                <a:close/>
+              </a:path>
+            </a:pathLst>
+          </a:custGeom>
+          <a:solidFill>
+            <a:schemeClr val="accent2"/>
+          </a:solidFill>
+          <a:ln w="38100">
+            <a:noFill/>
+            <a:headEnd type="none" w="med" len="med"/>
+            <a:tailEnd type="arrow" w="med" len="med"/>
+          </a:ln>
+        </p:spPr>
+        <p:style>
+          <a:lnRef idx="3">
+            <a:schemeClr val="accent2"/>
+          </a:lnRef>
+          <a:fillRef idx="0">
+            <a:schemeClr val="accent2"/>
+          </a:fillRef>
+          <a:effectRef idx="2">
+            <a:schemeClr val="accent2"/>
+          </a:effectRef>
+          <a:fontRef idx="minor">
+            <a:schemeClr val="tx1"/>
+          </a:fontRef>
+        </p:style>
+        <p:txBody>
+          <a:bodyPr rtlCol="0" anchor="ctr"/>
+          <a:lstStyle/>
+          <a:p>
+            <a:endParaRPr lang="en-US"/>
+          </a:p>
+        </p:txBody>
+      </p:sp>
+      <p:cxnSp>
+        <p:nvCxnSpPr>
+          <p:cNvPr id="85" name="Connector: Elbow 84">
+            <a:extLst>
+              <a:ext uri="{FF2B5EF4-FFF2-40B4-BE49-F238E27FC236}">
+                <a16:creationId xmlns:a16="http://schemas.microsoft.com/office/drawing/2014/main" id="{259C905E-7C7F-46E5-892B-ADD26AA40E09}"/>
+              </a:ext>
+            </a:extLst>
+          </p:cNvPr>
+          <p:cNvCxnSpPr>
+            <a:cxnSpLocks/>
+          </p:cNvCxnSpPr>
+          <p:nvPr/>
+        </p:nvCxnSpPr>
+        <p:spPr>
+          <a:xfrm rot="10800000" flipV="1">
+            <a:off x="7003670" y="2411495"/>
+            <a:ext cx="3965602" cy="741203"/>
+          </a:xfrm>
+          <a:prstGeom prst="bentConnector4">
+            <a:avLst>
+              <a:gd name="adj1" fmla="val 93"/>
+              <a:gd name="adj2" fmla="val 263299"/>
+            </a:avLst>
+          </a:prstGeom>
+          <a:ln w="19050" cap="flat" cmpd="sng" algn="ctr">
+            <a:solidFill>
+              <a:schemeClr val="accent2"/>
+            </a:solidFill>
+            <a:prstDash val="dash"/>
+            <a:round/>
+            <a:headEnd type="none" w="med" len="med"/>
+            <a:tailEnd type="none" w="med" len="med"/>
+          </a:ln>
+        </p:spPr>
+        <p:style>
+          <a:lnRef idx="0">
+            <a:scrgbClr r="0" g="0" b="0"/>
+          </a:lnRef>
+          <a:fillRef idx="0">
+            <a:scrgbClr r="0" g="0" b="0"/>
+          </a:fillRef>
+          <a:effectRef idx="0">
+            <a:scrgbClr r="0" g="0" b="0"/>
+          </a:effectRef>
+          <a:fontRef idx="minor">
+            <a:schemeClr val="tx1"/>
+          </a:fontRef>
+        </p:style>
+      </p:cxnSp>
+      <p:cxnSp>
+        <p:nvCxnSpPr>
+          <p:cNvPr id="92" name="Connector: Elbow 91">
+            <a:extLst>
+              <a:ext uri="{FF2B5EF4-FFF2-40B4-BE49-F238E27FC236}">
+                <a16:creationId xmlns:a16="http://schemas.microsoft.com/office/drawing/2014/main" id="{939D6271-8000-43D7-B7A9-5E191C6EA076}"/>
+              </a:ext>
+            </a:extLst>
+          </p:cNvPr>
+          <p:cNvCxnSpPr>
+            <a:cxnSpLocks/>
+            <a:stCxn id="45" idx="1"/>
+          </p:cNvCxnSpPr>
+          <p:nvPr/>
+        </p:nvCxnSpPr>
+        <p:spPr>
+          <a:xfrm rot="10800000" flipV="1">
+            <a:off x="6979891" y="1073350"/>
+            <a:ext cx="3175215" cy="924715"/>
+          </a:xfrm>
+          <a:prstGeom prst="bentConnector3">
+            <a:avLst>
+              <a:gd name="adj1" fmla="val 100018"/>
+            </a:avLst>
+          </a:prstGeom>
+          <a:ln w="19050" cap="flat" cmpd="sng" algn="ctr">
+            <a:solidFill>
+              <a:schemeClr val="accent2"/>
+            </a:solidFill>
+            <a:prstDash val="dash"/>
+            <a:round/>
+            <a:headEnd type="none" w="med" len="med"/>
+            <a:tailEnd type="none" w="med" len="med"/>
+          </a:ln>
+        </p:spPr>
+        <p:style>
+          <a:lnRef idx="0">
+            <a:scrgbClr r="0" g="0" b="0"/>
+          </a:lnRef>
+          <a:fillRef idx="0">
+            <a:scrgbClr r="0" g="0" b="0"/>
+          </a:fillRef>
+          <a:effectRef idx="0">
+            <a:scrgbClr r="0" g="0" b="0"/>
+          </a:effectRef>
+          <a:fontRef idx="minor">
+            <a:schemeClr val="tx1"/>
+          </a:fontRef>
+        </p:style>
+      </p:cxnSp>
+    </p:spTree>
+    <p:extLst>
+      <p:ext uri="{BB962C8B-B14F-4D97-AF65-F5344CB8AC3E}">
+        <p14:creationId xmlns:p14="http://schemas.microsoft.com/office/powerpoint/2010/main" val="3019508057"/>
+      </p:ext>
+    </p:extLst>
+  </p:cSld>
+  <p:clrMapOvr>
+    <a:masterClrMapping/>
+  </p:clrMapOvr>
+</p:sld>
+</file>
+
+<file path=ppt/slides/slide6.xml><?xml version="1.0" encoding="utf-8"?>
+<p:sld xmlns:a="http://schemas.openxmlformats.org/drawingml/2006/main" xmlns:r="http://schemas.openxmlformats.org/officeDocument/2006/relationships" xmlns:p="http://schemas.openxmlformats.org/presentationml/2006/main">
+  <p:cSld>
+    <p:spTree>
+      <p:nvGrpSpPr>
+        <p:cNvPr id="1" name=""/>
+        <p:cNvGrpSpPr/>
+        <p:nvPr/>
+      </p:nvGrpSpPr>
+      <p:grpSpPr>
+        <a:xfrm>
+          <a:off x="0" y="0"/>
+          <a:ext cx="0" cy="0"/>
+          <a:chOff x="0" y="0"/>
+          <a:chExt cx="0" cy="0"/>
+        </a:xfrm>
+      </p:grpSpPr>
+      <p:pic>
+        <p:nvPicPr>
+          <p:cNvPr id="10" name="Graphic 9" descr="Programmer male with solid fill">
+            <a:extLst>
+              <a:ext uri="{FF2B5EF4-FFF2-40B4-BE49-F238E27FC236}">
+                <a16:creationId xmlns:a16="http://schemas.microsoft.com/office/drawing/2014/main" id="{C815EF2C-F89C-4AD8-BA44-EFA3A99E9500}"/>
+              </a:ext>
+            </a:extLst>
+          </p:cNvPr>
+          <p:cNvPicPr>
+            <a:picLocks noChangeAspect="1"/>
+          </p:cNvPicPr>
+          <p:nvPr/>
+        </p:nvPicPr>
+        <p:blipFill>
+          <a:blip r:embed="rId2">
+            <a:extLst>
+              <a:ext uri="{96DAC541-7B7A-43D3-8B79-37D633B846F1}">
+                <asvg:svgBlip xmlns:asvg="http://schemas.microsoft.com/office/drawing/2016/SVG/main" r:embed="rId3"/>
+              </a:ext>
+            </a:extLst>
+          </a:blip>
+          <a:stretch>
+            <a:fillRect/>
+          </a:stretch>
+        </p:blipFill>
+        <p:spPr>
+          <a:xfrm>
+            <a:off x="7850775" y="2661896"/>
+            <a:ext cx="914400" cy="914400"/>
+          </a:xfrm>
+          <a:prstGeom prst="rect">
+            <a:avLst/>
+          </a:prstGeom>
+        </p:spPr>
+      </p:pic>
+      <p:sp>
+        <p:nvSpPr>
+          <p:cNvPr id="11" name="TextBox 10">
+            <a:extLst>
+              <a:ext uri="{FF2B5EF4-FFF2-40B4-BE49-F238E27FC236}">
+                <a16:creationId xmlns:a16="http://schemas.microsoft.com/office/drawing/2014/main" id="{84609774-8BC3-40D8-87DC-FBE5F07B5FA8}"/>
+              </a:ext>
+            </a:extLst>
+          </p:cNvPr>
+          <p:cNvSpPr txBox="1"/>
+          <p:nvPr/>
+        </p:nvSpPr>
+        <p:spPr>
+          <a:xfrm>
+            <a:off x="8642562" y="3237742"/>
+            <a:ext cx="3157724" cy="338554"/>
+          </a:xfrm>
+          <a:prstGeom prst="rect">
+            <a:avLst/>
+          </a:prstGeom>
+          <a:noFill/>
+        </p:spPr>
+        <p:txBody>
+          <a:bodyPr wrap="none" rtlCol="0">
+            <a:spAutoFit/>
+          </a:bodyPr>
+          <a:lstStyle/>
+          <a:p>
+            <a:r>
+              <a:rPr lang="en-US" sz="1600" dirty="0">
+                <a:solidFill>
+                  <a:srgbClr val="0070C0"/>
+                </a:solidFill>
+                <a:latin typeface="Abadi Extra Light" panose="020B0204020104020204" pitchFamily="34" charset="0"/>
+              </a:rPr>
+              <a:t>Externally Owned Account + extra ID</a:t>
+            </a:r>
+            <a:endParaRPr lang="en-US" sz="1600" dirty="0">
+              <a:solidFill>
+                <a:srgbClr val="0070C0"/>
+              </a:solidFill>
+            </a:endParaRPr>
+          </a:p>
+        </p:txBody>
+      </p:sp>
+      <p:pic>
+        <p:nvPicPr>
+          <p:cNvPr id="12" name="Graphic 11" descr="Wallet outline">
+            <a:extLst>
+              <a:ext uri="{FF2B5EF4-FFF2-40B4-BE49-F238E27FC236}">
+                <a16:creationId xmlns:a16="http://schemas.microsoft.com/office/drawing/2014/main" id="{254409C0-2045-486A-98AB-CE489D82327F}"/>
+              </a:ext>
+            </a:extLst>
+          </p:cNvPr>
+          <p:cNvPicPr>
+            <a:picLocks noChangeAspect="1"/>
+          </p:cNvPicPr>
+          <p:nvPr/>
+        </p:nvPicPr>
+        <p:blipFill>
+          <a:blip r:embed="rId4">
+            <a:extLst>
+              <a:ext uri="{28A0092B-C50C-407E-A947-70E740481C1C}">
+                <a14:useLocalDpi xmlns:a14="http://schemas.microsoft.com/office/drawing/2010/main" val="0"/>
+              </a:ext>
+              <a:ext uri="{96DAC541-7B7A-43D3-8B79-37D633B846F1}">
+                <asvg:svgBlip xmlns:asvg="http://schemas.microsoft.com/office/drawing/2016/SVG/main" r:embed="rId5"/>
+              </a:ext>
+            </a:extLst>
+          </a:blip>
+          <a:stretch>
+            <a:fillRect/>
+          </a:stretch>
+        </p:blipFill>
+        <p:spPr>
+          <a:xfrm>
+            <a:off x="8590077" y="2492619"/>
+            <a:ext cx="914400" cy="914400"/>
+          </a:xfrm>
+          <a:prstGeom prst="rect">
+            <a:avLst/>
+          </a:prstGeom>
+        </p:spPr>
+      </p:pic>
+      <p:pic>
+        <p:nvPicPr>
+          <p:cNvPr id="13" name="Graphic 12" descr="Group of people with solid fill">
+            <a:extLst>
+              <a:ext uri="{FF2B5EF4-FFF2-40B4-BE49-F238E27FC236}">
+                <a16:creationId xmlns:a16="http://schemas.microsoft.com/office/drawing/2014/main" id="{71C737DA-EFC9-47B6-9EDA-753835B6407F}"/>
+              </a:ext>
+            </a:extLst>
+          </p:cNvPr>
+          <p:cNvPicPr>
+            <a:picLocks noChangeAspect="1"/>
+          </p:cNvPicPr>
+          <p:nvPr/>
+        </p:nvPicPr>
+        <p:blipFill>
+          <a:blip r:embed="rId6">
+            <a:extLst>
+              <a:ext uri="{96DAC541-7B7A-43D3-8B79-37D633B846F1}">
+                <asvg:svgBlip xmlns:asvg="http://schemas.microsoft.com/office/drawing/2016/SVG/main" r:embed="rId7"/>
+              </a:ext>
+            </a:extLst>
+          </a:blip>
+          <a:stretch>
+            <a:fillRect/>
+          </a:stretch>
+        </p:blipFill>
+        <p:spPr>
+          <a:xfrm>
+            <a:off x="2662845" y="4701556"/>
+            <a:ext cx="1297649" cy="1297649"/>
+          </a:xfrm>
+          <a:prstGeom prst="rect">
+            <a:avLst/>
+          </a:prstGeom>
+        </p:spPr>
+      </p:pic>
+      <p:sp>
+        <p:nvSpPr>
+          <p:cNvPr id="14" name="TextBox 13">
+            <a:extLst>
+              <a:ext uri="{FF2B5EF4-FFF2-40B4-BE49-F238E27FC236}">
+                <a16:creationId xmlns:a16="http://schemas.microsoft.com/office/drawing/2014/main" id="{478A01DD-8929-4E20-8A95-B0CF5C42661C}"/>
+              </a:ext>
+            </a:extLst>
+          </p:cNvPr>
+          <p:cNvSpPr txBox="1"/>
+          <p:nvPr/>
+        </p:nvSpPr>
+        <p:spPr>
+          <a:xfrm>
+            <a:off x="3955099" y="5080694"/>
+            <a:ext cx="1856277" cy="338554"/>
+          </a:xfrm>
+          <a:prstGeom prst="rect">
+            <a:avLst/>
+          </a:prstGeom>
+          <a:noFill/>
+        </p:spPr>
+        <p:txBody>
+          <a:bodyPr wrap="none" rtlCol="0">
+            <a:spAutoFit/>
+          </a:bodyPr>
+          <a:lstStyle/>
+          <a:p>
+            <a:r>
+              <a:rPr lang="en-US" sz="1600" dirty="0" err="1">
+                <a:solidFill>
+                  <a:srgbClr val="0070C0"/>
+                </a:solidFill>
+                <a:latin typeface="Abadi Extra Light" panose="020B0204020104020204" pitchFamily="34" charset="0"/>
+              </a:rPr>
+              <a:t>TendermintValidators</a:t>
+            </a:r>
+            <a:endParaRPr lang="en-US" sz="1600" dirty="0">
+              <a:solidFill>
+                <a:srgbClr val="0070C0"/>
+              </a:solidFill>
+            </a:endParaRPr>
+          </a:p>
+        </p:txBody>
+      </p:sp>
+      <p:sp>
+        <p:nvSpPr>
+          <p:cNvPr id="15" name="TextBox 14">
+            <a:extLst>
+              <a:ext uri="{FF2B5EF4-FFF2-40B4-BE49-F238E27FC236}">
+                <a16:creationId xmlns:a16="http://schemas.microsoft.com/office/drawing/2014/main" id="{404D1983-3014-4248-947B-AA92382F5D5D}"/>
+              </a:ext>
+            </a:extLst>
+          </p:cNvPr>
+          <p:cNvSpPr txBox="1"/>
+          <p:nvPr/>
+        </p:nvSpPr>
+        <p:spPr>
+          <a:xfrm>
+            <a:off x="3955099" y="3837164"/>
+            <a:ext cx="1615955" cy="338554"/>
+          </a:xfrm>
+          <a:prstGeom prst="rect">
+            <a:avLst/>
+          </a:prstGeom>
+          <a:noFill/>
+        </p:spPr>
+        <p:txBody>
+          <a:bodyPr wrap="none" rtlCol="0">
+            <a:spAutoFit/>
+          </a:bodyPr>
+          <a:lstStyle/>
+          <a:p>
+            <a:r>
+              <a:rPr lang="en-US" sz="1600" dirty="0" err="1">
+                <a:solidFill>
+                  <a:srgbClr val="0070C0"/>
+                </a:solidFill>
+                <a:latin typeface="Abadi Extra Light" panose="020B0204020104020204" pitchFamily="34" charset="0"/>
+              </a:rPr>
+              <a:t>AbstractValidators</a:t>
+            </a:r>
+            <a:endParaRPr lang="en-US" sz="1600" dirty="0">
+              <a:solidFill>
+                <a:srgbClr val="0070C0"/>
+              </a:solidFill>
+            </a:endParaRPr>
+          </a:p>
+        </p:txBody>
+      </p:sp>
+      <p:pic>
+        <p:nvPicPr>
+          <p:cNvPr id="16" name="Graphic 15" descr="Arrow Right with solid fill">
+            <a:extLst>
+              <a:ext uri="{FF2B5EF4-FFF2-40B4-BE49-F238E27FC236}">
+                <a16:creationId xmlns:a16="http://schemas.microsoft.com/office/drawing/2014/main" id="{7C3087C2-5982-4545-A442-386EED26FF78}"/>
+              </a:ext>
+            </a:extLst>
+          </p:cNvPr>
+          <p:cNvPicPr>
+            <a:picLocks noChangeAspect="1"/>
+          </p:cNvPicPr>
+          <p:nvPr/>
+        </p:nvPicPr>
+        <p:blipFill>
+          <a:blip r:embed="rId8">
+            <a:extLst>
+              <a:ext uri="{28A0092B-C50C-407E-A947-70E740481C1C}">
+                <a14:useLocalDpi xmlns:a14="http://schemas.microsoft.com/office/drawing/2010/main" val="0"/>
+              </a:ext>
+              <a:ext uri="{96DAC541-7B7A-43D3-8B79-37D633B846F1}">
+                <asvg:svgBlip xmlns:asvg="http://schemas.microsoft.com/office/drawing/2016/SVG/main" r:embed="rId9"/>
+              </a:ext>
+            </a:extLst>
+          </a:blip>
+          <a:stretch>
+            <a:fillRect/>
+          </a:stretch>
+        </p:blipFill>
+        <p:spPr>
+          <a:xfrm rot="16200000">
+            <a:off x="3916599" y="4166294"/>
+            <a:ext cx="914400" cy="914400"/>
+          </a:xfrm>
+          <a:prstGeom prst="rect">
+            <a:avLst/>
+          </a:prstGeom>
+        </p:spPr>
+      </p:pic>
+      <p:sp>
+        <p:nvSpPr>
+          <p:cNvPr id="17" name="TextBox 16">
+            <a:extLst>
+              <a:ext uri="{FF2B5EF4-FFF2-40B4-BE49-F238E27FC236}">
+                <a16:creationId xmlns:a16="http://schemas.microsoft.com/office/drawing/2014/main" id="{466BE1DA-59B7-4111-929F-06A48F421D09}"/>
+              </a:ext>
+            </a:extLst>
+          </p:cNvPr>
+          <p:cNvSpPr txBox="1"/>
+          <p:nvPr/>
+        </p:nvSpPr>
+        <p:spPr>
+          <a:xfrm>
+            <a:off x="4412299" y="4618023"/>
+            <a:ext cx="3938194" cy="338554"/>
+          </a:xfrm>
+          <a:prstGeom prst="rect">
+            <a:avLst/>
+          </a:prstGeom>
+          <a:noFill/>
+        </p:spPr>
+        <p:txBody>
+          <a:bodyPr wrap="none" rtlCol="0">
+            <a:spAutoFit/>
+          </a:bodyPr>
+          <a:lstStyle/>
+          <a:p>
+            <a:r>
+              <a:rPr lang="en-US" sz="1600" i="1" dirty="0">
+                <a:solidFill>
+                  <a:srgbClr val="7030A0"/>
+                </a:solidFill>
+                <a:latin typeface="Abadi Extra Light" panose="020B0204020104020204" pitchFamily="34" charset="0"/>
+              </a:rPr>
+              <a:t>shareholder </a:t>
+            </a:r>
+            <a:r>
+              <a:rPr lang="en-US" sz="1600" dirty="0">
+                <a:solidFill>
+                  <a:srgbClr val="7030A0"/>
+                </a:solidFill>
+                <a:latin typeface="Abadi Extra Light" panose="020B0204020104020204" pitchFamily="34" charset="0"/>
+              </a:rPr>
+              <a:t>V = TendermintED25519Validator</a:t>
+            </a:r>
+            <a:endParaRPr lang="en-US" sz="1600" dirty="0">
+              <a:solidFill>
+                <a:srgbClr val="7030A0"/>
+              </a:solidFill>
+            </a:endParaRPr>
+          </a:p>
+        </p:txBody>
+      </p:sp>
+      <p:pic>
+        <p:nvPicPr>
+          <p:cNvPr id="18" name="Content Placeholder 7" descr="Pie chart with solid fill">
+            <a:extLst>
+              <a:ext uri="{FF2B5EF4-FFF2-40B4-BE49-F238E27FC236}">
+                <a16:creationId xmlns:a16="http://schemas.microsoft.com/office/drawing/2014/main" id="{3D85D161-EC27-41E2-8BF9-58F5359D3359}"/>
+              </a:ext>
+            </a:extLst>
+          </p:cNvPr>
+          <p:cNvPicPr>
+            <a:picLocks noGrp="1" noChangeAspect="1"/>
+          </p:cNvPicPr>
+          <p:nvPr>
+            <p:ph idx="1"/>
+          </p:nvPr>
+        </p:nvPicPr>
+        <p:blipFill>
+          <a:blip r:embed="rId10">
+            <a:extLst>
+              <a:ext uri="{96DAC541-7B7A-43D3-8B79-37D633B846F1}">
+                <asvg:svgBlip xmlns:asvg="http://schemas.microsoft.com/office/drawing/2016/SVG/main" r:embed="rId11"/>
+              </a:ext>
+            </a:extLst>
+          </a:blip>
+          <a:stretch>
+            <a:fillRect/>
+          </a:stretch>
+        </p:blipFill>
+        <p:spPr>
+          <a:xfrm>
+            <a:off x="2782629" y="2084566"/>
+            <a:ext cx="1058082" cy="1058082"/>
+          </a:xfrm>
+        </p:spPr>
+      </p:pic>
+      <p:pic>
+        <p:nvPicPr>
+          <p:cNvPr id="20" name="Graphic 19" descr="Arrow Right with solid fill">
+            <a:extLst>
+              <a:ext uri="{FF2B5EF4-FFF2-40B4-BE49-F238E27FC236}">
+                <a16:creationId xmlns:a16="http://schemas.microsoft.com/office/drawing/2014/main" id="{7FC594D0-2947-446E-9BC0-DBDBE97E774D}"/>
+              </a:ext>
+            </a:extLst>
+          </p:cNvPr>
+          <p:cNvPicPr>
+            <a:picLocks noChangeAspect="1"/>
+          </p:cNvPicPr>
+          <p:nvPr/>
+        </p:nvPicPr>
+        <p:blipFill>
+          <a:blip r:embed="rId8">
+            <a:extLst>
+              <a:ext uri="{28A0092B-C50C-407E-A947-70E740481C1C}">
+                <a14:useLocalDpi xmlns:a14="http://schemas.microsoft.com/office/drawing/2010/main" val="0"/>
+              </a:ext>
+              <a:ext uri="{96DAC541-7B7A-43D3-8B79-37D633B846F1}">
+                <asvg:svgBlip xmlns:asvg="http://schemas.microsoft.com/office/drawing/2016/SVG/main" r:embed="rId9"/>
+              </a:ext>
+            </a:extLst>
+          </a:blip>
+          <a:stretch>
+            <a:fillRect/>
+          </a:stretch>
+        </p:blipFill>
+        <p:spPr>
+          <a:xfrm rot="16200000">
+            <a:off x="3916599" y="2827299"/>
+            <a:ext cx="914400" cy="914400"/>
+          </a:xfrm>
+          <a:prstGeom prst="rect">
+            <a:avLst/>
+          </a:prstGeom>
+        </p:spPr>
+      </p:pic>
+      <p:sp>
+        <p:nvSpPr>
+          <p:cNvPr id="21" name="TextBox 20">
+            <a:extLst>
+              <a:ext uri="{FF2B5EF4-FFF2-40B4-BE49-F238E27FC236}">
+                <a16:creationId xmlns:a16="http://schemas.microsoft.com/office/drawing/2014/main" id="{B7CC2D17-4454-4D1A-9672-EF32848B8566}"/>
+              </a:ext>
+            </a:extLst>
+          </p:cNvPr>
+          <p:cNvSpPr txBox="1"/>
+          <p:nvPr/>
+        </p:nvSpPr>
+        <p:spPr>
+          <a:xfrm>
+            <a:off x="4412299" y="3119096"/>
+            <a:ext cx="2315377" cy="338554"/>
+          </a:xfrm>
+          <a:prstGeom prst="rect">
+            <a:avLst/>
+          </a:prstGeom>
+          <a:noFill/>
+        </p:spPr>
+        <p:txBody>
+          <a:bodyPr wrap="none" rtlCol="0">
+            <a:spAutoFit/>
+          </a:bodyPr>
+          <a:lstStyle/>
+          <a:p>
+            <a:r>
+              <a:rPr lang="en-US" sz="1600" i="1" dirty="0">
+                <a:solidFill>
+                  <a:srgbClr val="7030A0"/>
+                </a:solidFill>
+                <a:latin typeface="Abadi Extra Light" panose="020B0204020104020204" pitchFamily="34" charset="0"/>
+              </a:rPr>
+              <a:t>shareholder </a:t>
+            </a:r>
+            <a:r>
+              <a:rPr lang="en-US" sz="1600" dirty="0">
+                <a:solidFill>
+                  <a:srgbClr val="7030A0"/>
+                </a:solidFill>
+                <a:latin typeface="Abadi Extra Light" panose="020B0204020104020204" pitchFamily="34" charset="0"/>
+              </a:rPr>
+              <a:t>V = Validator</a:t>
+            </a:r>
+            <a:endParaRPr lang="en-US" sz="1600" dirty="0">
+              <a:solidFill>
+                <a:srgbClr val="7030A0"/>
+              </a:solidFill>
+            </a:endParaRPr>
+          </a:p>
+        </p:txBody>
+      </p:sp>
+      <p:sp>
+        <p:nvSpPr>
+          <p:cNvPr id="22" name="TextBox 21">
+            <a:extLst>
+              <a:ext uri="{FF2B5EF4-FFF2-40B4-BE49-F238E27FC236}">
+                <a16:creationId xmlns:a16="http://schemas.microsoft.com/office/drawing/2014/main" id="{1A9E116A-8061-4649-AB4D-03B797E3CF2E}"/>
+              </a:ext>
+            </a:extLst>
+          </p:cNvPr>
+          <p:cNvSpPr txBox="1"/>
+          <p:nvPr/>
+        </p:nvSpPr>
+        <p:spPr>
+          <a:xfrm>
+            <a:off x="3955480" y="2539376"/>
+            <a:ext cx="1728871" cy="338554"/>
+          </a:xfrm>
+          <a:prstGeom prst="rect">
+            <a:avLst/>
+          </a:prstGeom>
+          <a:noFill/>
+        </p:spPr>
+        <p:txBody>
+          <a:bodyPr wrap="none" rtlCol="0">
+            <a:spAutoFit/>
+          </a:bodyPr>
+          <a:lstStyle/>
+          <a:p>
+            <a:r>
+              <a:rPr lang="en-US" sz="1600" dirty="0" err="1">
+                <a:solidFill>
+                  <a:srgbClr val="0070C0"/>
+                </a:solidFill>
+                <a:latin typeface="Abadi Extra Light" panose="020B0204020104020204" pitchFamily="34" charset="0"/>
+              </a:rPr>
+              <a:t>SimpleSharedEntity</a:t>
+            </a:r>
+            <a:endParaRPr lang="en-US" sz="1600" dirty="0">
+              <a:solidFill>
+                <a:srgbClr val="0070C0"/>
+              </a:solidFill>
+            </a:endParaRPr>
+          </a:p>
+        </p:txBody>
+      </p:sp>
+      <p:sp>
+        <p:nvSpPr>
+          <p:cNvPr id="24" name="TextBox 23">
+            <a:extLst>
+              <a:ext uri="{FF2B5EF4-FFF2-40B4-BE49-F238E27FC236}">
+                <a16:creationId xmlns:a16="http://schemas.microsoft.com/office/drawing/2014/main" id="{7BFBF3BC-65EA-4FAE-B6D2-CFDE964A2338}"/>
+              </a:ext>
+            </a:extLst>
+          </p:cNvPr>
+          <p:cNvSpPr txBox="1"/>
+          <p:nvPr/>
+        </p:nvSpPr>
+        <p:spPr>
+          <a:xfrm>
+            <a:off x="8663081" y="4618023"/>
+            <a:ext cx="3137205" cy="338554"/>
+          </a:xfrm>
+          <a:prstGeom prst="rect">
+            <a:avLst/>
+          </a:prstGeom>
+          <a:noFill/>
+        </p:spPr>
+        <p:txBody>
+          <a:bodyPr wrap="none" rtlCol="0">
+            <a:spAutoFit/>
+          </a:bodyPr>
+          <a:lstStyle/>
+          <a:p>
+            <a:r>
+              <a:rPr lang="en-US" sz="1600" dirty="0">
+                <a:solidFill>
+                  <a:srgbClr val="0070C0"/>
+                </a:solidFill>
+                <a:latin typeface="Abadi Extra Light" panose="020B0204020104020204" pitchFamily="34" charset="0"/>
+              </a:rPr>
+              <a:t> extra ID from ED255519 public key</a:t>
+            </a:r>
+            <a:endParaRPr lang="en-US" sz="1600" dirty="0">
+              <a:solidFill>
+                <a:srgbClr val="0070C0"/>
+              </a:solidFill>
+            </a:endParaRPr>
+          </a:p>
+        </p:txBody>
+      </p:sp>
+      <p:cxnSp>
+        <p:nvCxnSpPr>
+          <p:cNvPr id="26" name="Straight Connector 25">
+            <a:extLst>
+              <a:ext uri="{FF2B5EF4-FFF2-40B4-BE49-F238E27FC236}">
+                <a16:creationId xmlns:a16="http://schemas.microsoft.com/office/drawing/2014/main" id="{AB137152-2AE2-4750-978C-7AD88BAFB24E}"/>
+              </a:ext>
+            </a:extLst>
+          </p:cNvPr>
+          <p:cNvCxnSpPr>
+            <a:stCxn id="21" idx="3"/>
+          </p:cNvCxnSpPr>
+          <p:nvPr/>
+        </p:nvCxnSpPr>
+        <p:spPr>
+          <a:xfrm>
+            <a:off x="6727676" y="3288373"/>
+            <a:ext cx="1123099" cy="0"/>
+          </a:xfrm>
+          <a:prstGeom prst="line">
+            <a:avLst/>
+          </a:prstGeom>
+          <a:ln w="9525" cap="flat" cmpd="sng" algn="ctr">
+            <a:solidFill>
+              <a:schemeClr val="accent1"/>
+            </a:solidFill>
+            <a:prstDash val="dash"/>
+            <a:round/>
+            <a:headEnd type="none" w="med" len="med"/>
+            <a:tailEnd type="none" w="med" len="med"/>
+          </a:ln>
+        </p:spPr>
+        <p:style>
+          <a:lnRef idx="0">
+            <a:scrgbClr r="0" g="0" b="0"/>
+          </a:lnRef>
+          <a:fillRef idx="0">
+            <a:scrgbClr r="0" g="0" b="0"/>
+          </a:fillRef>
+          <a:effectRef idx="0">
+            <a:scrgbClr r="0" g="0" b="0"/>
+          </a:effectRef>
+          <a:fontRef idx="minor">
+            <a:schemeClr val="tx1"/>
+          </a:fontRef>
+        </p:style>
+      </p:cxnSp>
+      <p:cxnSp>
+        <p:nvCxnSpPr>
+          <p:cNvPr id="27" name="Straight Connector 26">
+            <a:extLst>
+              <a:ext uri="{FF2B5EF4-FFF2-40B4-BE49-F238E27FC236}">
+                <a16:creationId xmlns:a16="http://schemas.microsoft.com/office/drawing/2014/main" id="{124D7AB3-F6E4-4785-8306-154A1EE724D0}"/>
+              </a:ext>
+            </a:extLst>
+          </p:cNvPr>
+          <p:cNvCxnSpPr>
+            <a:cxnSpLocks/>
+            <a:stCxn id="17" idx="3"/>
+            <a:endCxn id="24" idx="1"/>
+          </p:cNvCxnSpPr>
+          <p:nvPr/>
+        </p:nvCxnSpPr>
+        <p:spPr>
+          <a:xfrm>
+            <a:off x="8350493" y="4787300"/>
+            <a:ext cx="312588" cy="0"/>
+          </a:xfrm>
+          <a:prstGeom prst="line">
+            <a:avLst/>
+          </a:prstGeom>
+          <a:ln w="9525" cap="flat" cmpd="sng" algn="ctr">
+            <a:solidFill>
+              <a:schemeClr val="accent1"/>
+            </a:solidFill>
+            <a:prstDash val="dash"/>
+            <a:round/>
+            <a:headEnd type="none" w="med" len="med"/>
+            <a:tailEnd type="none" w="med" len="med"/>
+          </a:ln>
+        </p:spPr>
+        <p:style>
+          <a:lnRef idx="0">
+            <a:scrgbClr r="0" g="0" b="0"/>
+          </a:lnRef>
+          <a:fillRef idx="0">
+            <a:scrgbClr r="0" g="0" b="0"/>
+          </a:fillRef>
+          <a:effectRef idx="0">
+            <a:scrgbClr r="0" g="0" b="0"/>
+          </a:effectRef>
+          <a:fontRef idx="minor">
+            <a:schemeClr val="tx1"/>
+          </a:fontRef>
+        </p:style>
+      </p:cxnSp>
+      <p:cxnSp>
+        <p:nvCxnSpPr>
+          <p:cNvPr id="30" name="Straight Connector 29">
+            <a:extLst>
+              <a:ext uri="{FF2B5EF4-FFF2-40B4-BE49-F238E27FC236}">
+                <a16:creationId xmlns:a16="http://schemas.microsoft.com/office/drawing/2014/main" id="{80A4D890-4561-4404-B12F-44C171DD1591}"/>
+              </a:ext>
+            </a:extLst>
+          </p:cNvPr>
+          <p:cNvCxnSpPr>
+            <a:cxnSpLocks/>
+          </p:cNvCxnSpPr>
+          <p:nvPr/>
+        </p:nvCxnSpPr>
+        <p:spPr>
+          <a:xfrm>
+            <a:off x="11141819" y="3580800"/>
+            <a:ext cx="0" cy="1082256"/>
+          </a:xfrm>
+          <a:prstGeom prst="line">
+            <a:avLst/>
+          </a:prstGeom>
+          <a:ln w="9525" cap="flat" cmpd="sng" algn="ctr">
+            <a:solidFill>
+              <a:schemeClr val="accent1"/>
+            </a:solidFill>
+            <a:prstDash val="dash"/>
+            <a:round/>
+            <a:headEnd type="none" w="med" len="med"/>
+            <a:tailEnd type="none" w="med" len="med"/>
+          </a:ln>
+        </p:spPr>
+        <p:style>
+          <a:lnRef idx="0">
+            <a:scrgbClr r="0" g="0" b="0"/>
+          </a:lnRef>
+          <a:fillRef idx="0">
+            <a:scrgbClr r="0" g="0" b="0"/>
+          </a:fillRef>
+          <a:effectRef idx="0">
+            <a:scrgbClr r="0" g="0" b="0"/>
+          </a:effectRef>
+          <a:fontRef idx="minor">
+            <a:schemeClr val="tx1"/>
+          </a:fontRef>
+        </p:style>
+      </p:cxnSp>
+      <p:sp>
+        <p:nvSpPr>
+          <p:cNvPr id="33" name="TextBox 32">
+            <a:extLst>
+              <a:ext uri="{FF2B5EF4-FFF2-40B4-BE49-F238E27FC236}">
+                <a16:creationId xmlns:a16="http://schemas.microsoft.com/office/drawing/2014/main" id="{09586DDE-6865-4F0D-9445-DF54E167F905}"/>
+              </a:ext>
+            </a:extLst>
+          </p:cNvPr>
+          <p:cNvSpPr txBox="1"/>
+          <p:nvPr/>
+        </p:nvSpPr>
+        <p:spPr>
+          <a:xfrm>
+            <a:off x="5778655" y="3639028"/>
+            <a:ext cx="1084653" cy="374571"/>
+          </a:xfrm>
+          <a:prstGeom prst="roundRect">
+            <a:avLst/>
+          </a:prstGeom>
+        </p:spPr>
+        <p:style>
+          <a:lnRef idx="2">
+            <a:schemeClr val="accent2"/>
+          </a:lnRef>
+          <a:fillRef idx="1">
+            <a:schemeClr val="lt1"/>
+          </a:fillRef>
+          <a:effectRef idx="0">
+            <a:schemeClr val="accent2"/>
+          </a:effectRef>
+          <a:fontRef idx="minor">
+            <a:schemeClr val="dk1"/>
+          </a:fontRef>
+        </p:style>
+        <p:txBody>
+          <a:bodyPr wrap="none" rtlCol="0">
+            <a:spAutoFit/>
+          </a:bodyPr>
+          <a:lstStyle/>
+          <a:p>
+            <a:r>
+              <a:rPr lang="en-US" sz="1600" dirty="0" err="1">
+                <a:solidFill>
+                  <a:srgbClr val="C00000"/>
+                </a:solidFill>
+                <a:latin typeface="Abadi Extra Light" panose="020B0204020104020204" pitchFamily="34" charset="0"/>
+              </a:rPr>
+              <a:t>getStake</a:t>
+            </a:r>
+            <a:r>
+              <a:rPr lang="en-US" sz="1600" dirty="0">
+                <a:solidFill>
+                  <a:srgbClr val="C00000"/>
+                </a:solidFill>
+                <a:latin typeface="Abadi Extra Light" panose="020B0204020104020204" pitchFamily="34" charset="0"/>
+              </a:rPr>
+              <a:t>()</a:t>
+            </a:r>
+            <a:endParaRPr lang="en-US" sz="1600" dirty="0">
+              <a:solidFill>
+                <a:srgbClr val="C00000"/>
+              </a:solidFill>
+            </a:endParaRPr>
+          </a:p>
+        </p:txBody>
+      </p:sp>
+      <p:sp>
+        <p:nvSpPr>
+          <p:cNvPr id="35" name="TextBox 34">
+            <a:extLst>
+              <a:ext uri="{FF2B5EF4-FFF2-40B4-BE49-F238E27FC236}">
+                <a16:creationId xmlns:a16="http://schemas.microsoft.com/office/drawing/2014/main" id="{04CAC577-4CF8-4223-9C8F-C5768D7B09B2}"/>
+              </a:ext>
+            </a:extLst>
+          </p:cNvPr>
+          <p:cNvSpPr txBox="1"/>
+          <p:nvPr/>
+        </p:nvSpPr>
+        <p:spPr>
+          <a:xfrm>
+            <a:off x="5778655" y="4081802"/>
+            <a:ext cx="1084653" cy="374571"/>
+          </a:xfrm>
+          <a:prstGeom prst="roundRect">
+            <a:avLst/>
+          </a:prstGeom>
+        </p:spPr>
+        <p:style>
+          <a:lnRef idx="2">
+            <a:schemeClr val="accent2"/>
+          </a:lnRef>
+          <a:fillRef idx="1">
+            <a:schemeClr val="lt1"/>
+          </a:fillRef>
+          <a:effectRef idx="0">
+            <a:schemeClr val="accent2"/>
+          </a:effectRef>
+          <a:fontRef idx="minor">
+            <a:schemeClr val="dk1"/>
+          </a:fontRef>
+        </p:style>
+        <p:txBody>
+          <a:bodyPr wrap="square" rtlCol="0">
+            <a:spAutoFit/>
+          </a:bodyPr>
+          <a:lstStyle/>
+          <a:p>
+            <a:r>
+              <a:rPr lang="en-US" sz="1600" dirty="0">
+                <a:solidFill>
+                  <a:srgbClr val="C00000"/>
+                </a:solidFill>
+                <a:latin typeface="Abadi Extra Light" panose="020B0204020104020204" pitchFamily="34" charset="0"/>
+              </a:rPr>
+              <a:t>reward()</a:t>
+            </a:r>
+            <a:endParaRPr lang="en-US" sz="1600" dirty="0">
+              <a:solidFill>
+                <a:srgbClr val="C00000"/>
+              </a:solidFill>
+            </a:endParaRPr>
+          </a:p>
+        </p:txBody>
+      </p:sp>
+      <p:pic>
+        <p:nvPicPr>
+          <p:cNvPr id="37" name="Graphic 36" descr="Gavel with solid fill">
+            <a:extLst>
+              <a:ext uri="{FF2B5EF4-FFF2-40B4-BE49-F238E27FC236}">
+                <a16:creationId xmlns:a16="http://schemas.microsoft.com/office/drawing/2014/main" id="{9C134468-A93F-40F5-9E36-D10F16AF630C}"/>
+              </a:ext>
+            </a:extLst>
+          </p:cNvPr>
+          <p:cNvPicPr>
+            <a:picLocks noChangeAspect="1"/>
+          </p:cNvPicPr>
+          <p:nvPr/>
+        </p:nvPicPr>
+        <p:blipFill>
+          <a:blip r:embed="rId12">
+            <a:extLst>
+              <a:ext uri="{28A0092B-C50C-407E-A947-70E740481C1C}">
+                <a14:useLocalDpi xmlns:a14="http://schemas.microsoft.com/office/drawing/2010/main" val="0"/>
+              </a:ext>
+              <a:ext uri="{96DAC541-7B7A-43D3-8B79-37D633B846F1}">
+                <asvg:svgBlip xmlns:asvg="http://schemas.microsoft.com/office/drawing/2016/SVG/main" r:embed="rId13"/>
+              </a:ext>
+            </a:extLst>
+          </a:blip>
+          <a:stretch>
+            <a:fillRect/>
+          </a:stretch>
+        </p:blipFill>
+        <p:spPr>
+          <a:xfrm>
+            <a:off x="2905068" y="3450182"/>
+            <a:ext cx="914400" cy="914400"/>
+          </a:xfrm>
+          <a:prstGeom prst="rect">
+            <a:avLst/>
+          </a:prstGeom>
+        </p:spPr>
+      </p:pic>
+      <p:sp>
+        <p:nvSpPr>
+          <p:cNvPr id="40" name="TextBox 39">
+            <a:extLst>
+              <a:ext uri="{FF2B5EF4-FFF2-40B4-BE49-F238E27FC236}">
+                <a16:creationId xmlns:a16="http://schemas.microsoft.com/office/drawing/2014/main" id="{02494138-46AC-4DE0-926E-2CE22A16E085}"/>
+              </a:ext>
+            </a:extLst>
+          </p:cNvPr>
+          <p:cNvSpPr txBox="1"/>
+          <p:nvPr/>
+        </p:nvSpPr>
+        <p:spPr>
+          <a:xfrm>
+            <a:off x="5767143" y="2202918"/>
+            <a:ext cx="1096165" cy="374571"/>
+          </a:xfrm>
+          <a:prstGeom prst="roundRect">
+            <a:avLst/>
+          </a:prstGeom>
+        </p:spPr>
+        <p:style>
+          <a:lnRef idx="2">
+            <a:schemeClr val="accent2"/>
+          </a:lnRef>
+          <a:fillRef idx="1">
+            <a:schemeClr val="lt1"/>
+          </a:fillRef>
+          <a:effectRef idx="0">
+            <a:schemeClr val="accent2"/>
+          </a:effectRef>
+          <a:fontRef idx="minor">
+            <a:schemeClr val="dk1"/>
+          </a:fontRef>
+        </p:style>
+        <p:txBody>
+          <a:bodyPr wrap="square" rtlCol="0">
+            <a:spAutoFit/>
+          </a:bodyPr>
+          <a:lstStyle/>
+          <a:p>
+            <a:r>
+              <a:rPr lang="en-US" sz="1600" dirty="0">
+                <a:solidFill>
+                  <a:srgbClr val="C00000"/>
+                </a:solidFill>
+                <a:latin typeface="Abadi Extra Light" panose="020B0204020104020204" pitchFamily="34" charset="0"/>
+              </a:rPr>
+              <a:t>place()</a:t>
+            </a:r>
+            <a:endParaRPr lang="en-US" sz="1600" dirty="0">
+              <a:solidFill>
+                <a:srgbClr val="C00000"/>
+              </a:solidFill>
+            </a:endParaRPr>
+          </a:p>
+        </p:txBody>
+      </p:sp>
+      <p:sp>
+        <p:nvSpPr>
+          <p:cNvPr id="41" name="TextBox 40">
+            <a:extLst>
+              <a:ext uri="{FF2B5EF4-FFF2-40B4-BE49-F238E27FC236}">
+                <a16:creationId xmlns:a16="http://schemas.microsoft.com/office/drawing/2014/main" id="{27352F96-4D77-4083-AC74-2559C7F3D245}"/>
+              </a:ext>
+            </a:extLst>
+          </p:cNvPr>
+          <p:cNvSpPr txBox="1"/>
+          <p:nvPr/>
+        </p:nvSpPr>
+        <p:spPr>
+          <a:xfrm>
+            <a:off x="5767143" y="2645692"/>
+            <a:ext cx="1084653" cy="374571"/>
+          </a:xfrm>
+          <a:prstGeom prst="roundRect">
+            <a:avLst/>
+          </a:prstGeom>
+        </p:spPr>
+        <p:style>
+          <a:lnRef idx="2">
+            <a:schemeClr val="accent2"/>
+          </a:lnRef>
+          <a:fillRef idx="1">
+            <a:schemeClr val="lt1"/>
+          </a:fillRef>
+          <a:effectRef idx="0">
+            <a:schemeClr val="accent2"/>
+          </a:effectRef>
+          <a:fontRef idx="minor">
+            <a:schemeClr val="dk1"/>
+          </a:fontRef>
+        </p:style>
+        <p:txBody>
+          <a:bodyPr wrap="square" rtlCol="0">
+            <a:spAutoFit/>
+          </a:bodyPr>
+          <a:lstStyle/>
+          <a:p>
+            <a:r>
+              <a:rPr lang="en-US" sz="1600" dirty="0">
+                <a:solidFill>
+                  <a:srgbClr val="C00000"/>
+                </a:solidFill>
+                <a:latin typeface="Abadi Extra Light" panose="020B0204020104020204" pitchFamily="34" charset="0"/>
+              </a:rPr>
+              <a:t>accept()</a:t>
+            </a:r>
+            <a:endParaRPr lang="en-US" sz="1600" dirty="0">
+              <a:solidFill>
+                <a:srgbClr val="C00000"/>
+              </a:solidFill>
+            </a:endParaRPr>
+          </a:p>
+        </p:txBody>
+      </p:sp>
+    </p:spTree>
+    <p:extLst>
+      <p:ext uri="{BB962C8B-B14F-4D97-AF65-F5344CB8AC3E}">
+        <p14:creationId xmlns:p14="http://schemas.microsoft.com/office/powerpoint/2010/main" val="2411070532"/>
+      </p:ext>
+    </p:extLst>
+  </p:cSld>
+  <p:clrMapOvr>
+    <a:masterClrMapping/>
+  </p:clrMapOvr>
+</p:sld>
+</file>
+
+<file path=ppt/slides/slide7.xml><?xml version="1.0" encoding="utf-8"?>
+<p:sld xmlns:a="http://schemas.openxmlformats.org/drawingml/2006/main" xmlns:r="http://schemas.openxmlformats.org/officeDocument/2006/relationships" xmlns:p="http://schemas.openxmlformats.org/presentationml/2006/main">
+  <p:cSld>
+    <p:spTree>
+      <p:nvGrpSpPr>
+        <p:cNvPr id="1" name=""/>
+        <p:cNvGrpSpPr/>
+        <p:nvPr/>
+      </p:nvGrpSpPr>
+      <p:grpSpPr>
+        <a:xfrm>
+          <a:off x="0" y="0"/>
+          <a:ext cx="0" cy="0"/>
+          <a:chOff x="0" y="0"/>
+          <a:chExt cx="0" cy="0"/>
+        </a:xfrm>
+      </p:grpSpPr>
+      <p:sp>
+        <p:nvSpPr>
+          <p:cNvPr id="8" name="TextBox 7">
+            <a:extLst>
+              <a:ext uri="{FF2B5EF4-FFF2-40B4-BE49-F238E27FC236}">
+                <a16:creationId xmlns:a16="http://schemas.microsoft.com/office/drawing/2014/main" id="{41335D32-EB37-4F5C-BA9E-737A15852CA1}"/>
+              </a:ext>
+            </a:extLst>
+          </p:cNvPr>
+          <p:cNvSpPr txBox="1"/>
+          <p:nvPr/>
+        </p:nvSpPr>
+        <p:spPr>
+          <a:xfrm>
+            <a:off x="183901" y="4805805"/>
+            <a:ext cx="4589783" cy="338554"/>
+          </a:xfrm>
+          <a:prstGeom prst="rect">
+            <a:avLst/>
+          </a:prstGeom>
+          <a:noFill/>
+        </p:spPr>
+        <p:txBody>
+          <a:bodyPr wrap="none" rtlCol="0">
+            <a:spAutoFit/>
+          </a:bodyPr>
+          <a:lstStyle/>
+          <a:p>
+            <a:r>
+              <a:rPr lang="en-US" sz="1600" dirty="0" err="1">
+                <a:solidFill>
+                  <a:srgbClr val="0070C0"/>
+                </a:solidFill>
+                <a:latin typeface="Abadi Extra Light" panose="020B0204020104020204" pitchFamily="34" charset="0"/>
+              </a:rPr>
+              <a:t>TendermintValidators</a:t>
+            </a:r>
+            <a:r>
+              <a:rPr lang="en-US" sz="1600" dirty="0">
+                <a:solidFill>
+                  <a:srgbClr val="0070C0"/>
+                </a:solidFill>
+                <a:latin typeface="Abadi Extra Light" panose="020B0204020104020204" pitchFamily="34" charset="0"/>
+              </a:rPr>
+              <a:t>&lt;</a:t>
+            </a:r>
+            <a:r>
+              <a:rPr lang="en-US" sz="1600" dirty="0">
+                <a:solidFill>
+                  <a:srgbClr val="FF00FF"/>
+                </a:solidFill>
+                <a:latin typeface="Abadi Extra Light" panose="020B0204020104020204" pitchFamily="34" charset="0"/>
+              </a:rPr>
+              <a:t>TendermintED25519Validator</a:t>
+            </a:r>
+            <a:r>
+              <a:rPr lang="en-US" sz="1600" dirty="0">
+                <a:solidFill>
+                  <a:srgbClr val="0070C0"/>
+                </a:solidFill>
+                <a:latin typeface="Abadi Extra Light" panose="020B0204020104020204" pitchFamily="34" charset="0"/>
+              </a:rPr>
+              <a:t>&gt;</a:t>
+            </a:r>
+            <a:endParaRPr lang="en-US" sz="1600" dirty="0">
+              <a:solidFill>
+                <a:srgbClr val="0070C0"/>
+              </a:solidFill>
+            </a:endParaRPr>
+          </a:p>
+        </p:txBody>
+      </p:sp>
+      <p:sp>
+        <p:nvSpPr>
+          <p:cNvPr id="9" name="TextBox 8">
+            <a:extLst>
+              <a:ext uri="{FF2B5EF4-FFF2-40B4-BE49-F238E27FC236}">
+                <a16:creationId xmlns:a16="http://schemas.microsoft.com/office/drawing/2014/main" id="{849B7B6A-C678-49BA-82CE-51AA33280A87}"/>
+              </a:ext>
+            </a:extLst>
+          </p:cNvPr>
+          <p:cNvSpPr txBox="1"/>
+          <p:nvPr/>
+        </p:nvSpPr>
+        <p:spPr>
+          <a:xfrm>
+            <a:off x="501817" y="3864571"/>
+            <a:ext cx="2112886" cy="338554"/>
+          </a:xfrm>
+          <a:prstGeom prst="rect">
+            <a:avLst/>
+          </a:prstGeom>
+          <a:noFill/>
+        </p:spPr>
+        <p:txBody>
+          <a:bodyPr wrap="none" rtlCol="0">
+            <a:spAutoFit/>
+          </a:bodyPr>
+          <a:lstStyle/>
+          <a:p>
+            <a:r>
+              <a:rPr lang="en-US" sz="1600" dirty="0">
+                <a:solidFill>
+                  <a:srgbClr val="0070C0"/>
+                </a:solidFill>
+                <a:latin typeface="Abadi Extra Light" panose="020B0204020104020204" pitchFamily="34" charset="0"/>
+              </a:rPr>
+              <a:t>  </a:t>
+            </a:r>
+            <a:r>
+              <a:rPr lang="en-US" sz="1600" dirty="0" err="1">
+                <a:solidFill>
+                  <a:srgbClr val="0070C0"/>
+                </a:solidFill>
+                <a:latin typeface="Abadi Extra Light" panose="020B0204020104020204" pitchFamily="34" charset="0"/>
+              </a:rPr>
+              <a:t>AbstractValidators</a:t>
+            </a:r>
+            <a:r>
+              <a:rPr lang="en-US" sz="1600" dirty="0">
+                <a:solidFill>
+                  <a:srgbClr val="0070C0"/>
+                </a:solidFill>
+                <a:latin typeface="Abadi Extra Light" panose="020B0204020104020204" pitchFamily="34" charset="0"/>
+              </a:rPr>
+              <a:t>&lt;</a:t>
+            </a:r>
+            <a:r>
+              <a:rPr lang="en-US" sz="1600" dirty="0">
+                <a:solidFill>
+                  <a:srgbClr val="FF00FF"/>
+                </a:solidFill>
+                <a:latin typeface="Abadi Extra Light" panose="020B0204020104020204" pitchFamily="34" charset="0"/>
+              </a:rPr>
+              <a:t>V</a:t>
+            </a:r>
+            <a:r>
+              <a:rPr lang="en-US" sz="1600" dirty="0">
+                <a:solidFill>
+                  <a:srgbClr val="0070C0"/>
+                </a:solidFill>
+                <a:latin typeface="Abadi Extra Light" panose="020B0204020104020204" pitchFamily="34" charset="0"/>
+              </a:rPr>
+              <a:t>&gt;</a:t>
+            </a:r>
+            <a:endParaRPr lang="en-US" sz="1600" dirty="0">
+              <a:solidFill>
+                <a:srgbClr val="0070C0"/>
+              </a:solidFill>
+            </a:endParaRPr>
+          </a:p>
+        </p:txBody>
+      </p:sp>
+      <p:sp>
+        <p:nvSpPr>
+          <p:cNvPr id="15" name="TextBox 14">
+            <a:extLst>
+              <a:ext uri="{FF2B5EF4-FFF2-40B4-BE49-F238E27FC236}">
+                <a16:creationId xmlns:a16="http://schemas.microsoft.com/office/drawing/2014/main" id="{E1649F4D-1EA2-422D-9AB5-3C20EAD5950C}"/>
+              </a:ext>
+            </a:extLst>
+          </p:cNvPr>
+          <p:cNvSpPr txBox="1"/>
+          <p:nvPr/>
+        </p:nvSpPr>
+        <p:spPr>
+          <a:xfrm>
+            <a:off x="473043" y="2264487"/>
+            <a:ext cx="2279727" cy="338554"/>
+          </a:xfrm>
+          <a:prstGeom prst="rect">
+            <a:avLst/>
+          </a:prstGeom>
+          <a:noFill/>
+        </p:spPr>
+        <p:txBody>
+          <a:bodyPr wrap="none" rtlCol="0">
+            <a:spAutoFit/>
+          </a:bodyPr>
+          <a:lstStyle/>
+          <a:p>
+            <a:r>
+              <a:rPr lang="en-US" sz="1600" dirty="0" err="1">
+                <a:solidFill>
+                  <a:srgbClr val="0070C0"/>
+                </a:solidFill>
+                <a:latin typeface="Abadi Extra Light" panose="020B0204020104020204" pitchFamily="34" charset="0"/>
+              </a:rPr>
+              <a:t>SimpleSharedEntity</a:t>
+            </a:r>
+            <a:r>
+              <a:rPr lang="en-US" sz="1600" dirty="0">
+                <a:solidFill>
+                  <a:srgbClr val="0070C0"/>
+                </a:solidFill>
+                <a:latin typeface="Abadi Extra Light" panose="020B0204020104020204" pitchFamily="34" charset="0"/>
+              </a:rPr>
+              <a:t>&lt;</a:t>
+            </a:r>
+            <a:r>
+              <a:rPr lang="en-US" sz="1600" dirty="0">
+                <a:solidFill>
+                  <a:srgbClr val="FF00FF"/>
+                </a:solidFill>
+                <a:latin typeface="Abadi Extra Light" panose="020B0204020104020204" pitchFamily="34" charset="0"/>
+              </a:rPr>
+              <a:t>S</a:t>
+            </a:r>
+            <a:r>
+              <a:rPr lang="en-US" sz="1600" dirty="0">
+                <a:solidFill>
+                  <a:srgbClr val="0070C0"/>
+                </a:solidFill>
+                <a:latin typeface="Abadi Extra Light" panose="020B0204020104020204" pitchFamily="34" charset="0"/>
+              </a:rPr>
+              <a:t>,O&gt;</a:t>
+            </a:r>
+            <a:endParaRPr lang="en-US" sz="1600" dirty="0">
+              <a:solidFill>
+                <a:srgbClr val="0070C0"/>
+              </a:solidFill>
+            </a:endParaRPr>
+          </a:p>
+        </p:txBody>
+      </p:sp>
+      <p:sp>
+        <p:nvSpPr>
+          <p:cNvPr id="36" name="TextBox 35">
+            <a:extLst>
+              <a:ext uri="{FF2B5EF4-FFF2-40B4-BE49-F238E27FC236}">
+                <a16:creationId xmlns:a16="http://schemas.microsoft.com/office/drawing/2014/main" id="{25D49AB1-AEF4-4F5D-8EBE-3FA8B2D1A608}"/>
+              </a:ext>
+            </a:extLst>
+          </p:cNvPr>
+          <p:cNvSpPr txBox="1"/>
+          <p:nvPr/>
+        </p:nvSpPr>
+        <p:spPr>
+          <a:xfrm>
+            <a:off x="1409748" y="2679881"/>
+            <a:ext cx="3752344" cy="374571"/>
+          </a:xfrm>
+          <a:prstGeom prst="roundRect">
+            <a:avLst/>
+          </a:prstGeom>
+        </p:spPr>
+        <p:style>
+          <a:lnRef idx="2">
+            <a:schemeClr val="accent6"/>
+          </a:lnRef>
+          <a:fillRef idx="1">
+            <a:schemeClr val="lt1"/>
+          </a:fillRef>
+          <a:effectRef idx="0">
+            <a:schemeClr val="accent6"/>
+          </a:effectRef>
+          <a:fontRef idx="minor">
+            <a:schemeClr val="dk1"/>
+          </a:fontRef>
+        </p:style>
+        <p:txBody>
+          <a:bodyPr wrap="none" rtlCol="0">
+            <a:spAutoFit/>
+          </a:bodyPr>
+          <a:lstStyle/>
+          <a:p>
+            <a:r>
+              <a:rPr lang="en-US" sz="1600" dirty="0">
+                <a:solidFill>
+                  <a:srgbClr val="C00000"/>
+                </a:solidFill>
+                <a:latin typeface="Abadi Extra Light" panose="020B0204020104020204" pitchFamily="34" charset="0"/>
+              </a:rPr>
+              <a:t>accept(</a:t>
+            </a:r>
+            <a:r>
+              <a:rPr kumimoji="0" lang="en-US" sz="1600" b="0" i="0" u="none" strike="noStrike" kern="1200" cap="none" spc="0" normalizeH="0" baseline="0" noProof="0" dirty="0" err="1">
+                <a:ln>
+                  <a:noFill/>
+                </a:ln>
+                <a:solidFill>
+                  <a:prstClr val="black">
+                    <a:lumMod val="75000"/>
+                    <a:lumOff val="25000"/>
+                  </a:prstClr>
+                </a:solidFill>
+                <a:effectLst/>
+                <a:uLnTx/>
+                <a:uFillTx/>
+                <a:latin typeface="Abadi Extra Light" panose="020B0204020104020204" pitchFamily="34" charset="0"/>
+                <a:cs typeface="Ayuthaya" pitchFamily="2" charset="-34"/>
+              </a:rPr>
+              <a:t>BigInteger</a:t>
+            </a:r>
+            <a:r>
+              <a:rPr kumimoji="0" lang="en-US" sz="1600" b="0" i="0" u="none" strike="noStrike" kern="1200" cap="none" spc="0" normalizeH="0" baseline="0" noProof="0" dirty="0">
+                <a:ln>
+                  <a:noFill/>
+                </a:ln>
+                <a:solidFill>
+                  <a:prstClr val="black">
+                    <a:lumMod val="75000"/>
+                    <a:lumOff val="25000"/>
+                  </a:prstClr>
+                </a:solidFill>
+                <a:effectLst/>
+                <a:uLnTx/>
+                <a:uFillTx/>
+                <a:latin typeface="Abadi Extra Light" panose="020B0204020104020204" pitchFamily="34" charset="0"/>
+                <a:cs typeface="Ayuthaya" pitchFamily="2" charset="-34"/>
+              </a:rPr>
+              <a:t> amount, </a:t>
+            </a:r>
+            <a:r>
+              <a:rPr kumimoji="0" lang="en-US" sz="1600" b="1" i="0" u="none" strike="noStrike" kern="1200" cap="none" spc="0" normalizeH="0" baseline="0" noProof="0" dirty="0">
+                <a:ln>
+                  <a:noFill/>
+                </a:ln>
+                <a:solidFill>
+                  <a:srgbClr val="C00000"/>
+                </a:solidFill>
+                <a:effectLst/>
+                <a:uLnTx/>
+                <a:uFillTx/>
+                <a:latin typeface="Abadi Extra Light" panose="020B0204020104020204" pitchFamily="34" charset="0"/>
+                <a:cs typeface="Ayuthaya" pitchFamily="2" charset="-34"/>
+              </a:rPr>
+              <a:t>S buyer</a:t>
+            </a:r>
+            <a:r>
+              <a:rPr kumimoji="0" lang="en-US" sz="1600" b="0" i="0" u="none" strike="noStrike" kern="1200" cap="none" spc="0" normalizeH="0" baseline="0" noProof="0" dirty="0">
+                <a:ln>
+                  <a:noFill/>
+                </a:ln>
+                <a:solidFill>
+                  <a:prstClr val="black">
+                    <a:lumMod val="75000"/>
+                    <a:lumOff val="25000"/>
+                  </a:prstClr>
+                </a:solidFill>
+                <a:effectLst/>
+                <a:uLnTx/>
+                <a:uFillTx/>
+                <a:latin typeface="Abadi Extra Light" panose="020B0204020104020204" pitchFamily="34" charset="0"/>
+                <a:cs typeface="Ayuthaya" pitchFamily="2" charset="-34"/>
+              </a:rPr>
+              <a:t>, O offer</a:t>
+            </a:r>
+            <a:r>
+              <a:rPr lang="en-US" sz="1600" dirty="0">
+                <a:solidFill>
+                  <a:srgbClr val="C00000"/>
+                </a:solidFill>
+                <a:latin typeface="Abadi Extra Light" panose="020B0204020104020204" pitchFamily="34" charset="0"/>
+              </a:rPr>
+              <a:t>)</a:t>
+            </a:r>
+            <a:endParaRPr lang="en-US" sz="1600" dirty="0">
+              <a:solidFill>
+                <a:schemeClr val="accent6">
+                  <a:lumMod val="75000"/>
+                </a:schemeClr>
+              </a:solidFill>
+            </a:endParaRPr>
+          </a:p>
+        </p:txBody>
+      </p:sp>
+      <p:sp>
+        <p:nvSpPr>
+          <p:cNvPr id="38" name="TextBox 37">
+            <a:extLst>
+              <a:ext uri="{FF2B5EF4-FFF2-40B4-BE49-F238E27FC236}">
+                <a16:creationId xmlns:a16="http://schemas.microsoft.com/office/drawing/2014/main" id="{8249FB44-D0C2-46B0-8D8F-6BE767ACF2A2}"/>
+              </a:ext>
+            </a:extLst>
+          </p:cNvPr>
+          <p:cNvSpPr txBox="1"/>
+          <p:nvPr/>
+        </p:nvSpPr>
+        <p:spPr>
+          <a:xfrm>
+            <a:off x="1017105" y="1341185"/>
+            <a:ext cx="1503419" cy="374571"/>
+          </a:xfrm>
+          <a:prstGeom prst="roundRect">
+            <a:avLst/>
+          </a:prstGeom>
+          <a:ln>
+            <a:solidFill>
+              <a:srgbClr val="7030A0"/>
+            </a:solidFill>
+          </a:ln>
+        </p:spPr>
+        <p:style>
+          <a:lnRef idx="2">
+            <a:schemeClr val="accent3"/>
+          </a:lnRef>
+          <a:fillRef idx="1">
+            <a:schemeClr val="lt1"/>
+          </a:fillRef>
+          <a:effectRef idx="0">
+            <a:schemeClr val="accent3"/>
+          </a:effectRef>
+          <a:fontRef idx="minor">
+            <a:schemeClr val="dk1"/>
+          </a:fontRef>
+        </p:style>
+        <p:txBody>
+          <a:bodyPr wrap="none" rtlCol="0">
+            <a:spAutoFit/>
+          </a:bodyPr>
+          <a:lstStyle/>
+          <a:p>
+            <a:r>
+              <a:rPr lang="en-US" sz="1600" dirty="0" err="1">
+                <a:solidFill>
+                  <a:srgbClr val="7030A0"/>
+                </a:solidFill>
+                <a:latin typeface="Abadi Extra Light" panose="020B0204020104020204" pitchFamily="34" charset="0"/>
+              </a:rPr>
+              <a:t>PayableContract</a:t>
+            </a:r>
+            <a:endParaRPr lang="en-US" sz="1600" dirty="0">
+              <a:solidFill>
+                <a:srgbClr val="7030A0"/>
+              </a:solidFill>
+            </a:endParaRPr>
+          </a:p>
+        </p:txBody>
+      </p:sp>
+      <p:cxnSp>
+        <p:nvCxnSpPr>
+          <p:cNvPr id="55" name="Straight Connector 54">
+            <a:extLst>
+              <a:ext uri="{FF2B5EF4-FFF2-40B4-BE49-F238E27FC236}">
+                <a16:creationId xmlns:a16="http://schemas.microsoft.com/office/drawing/2014/main" id="{56439B8A-1738-47C9-AEFD-5CB7E7321B7C}"/>
+              </a:ext>
+            </a:extLst>
+          </p:cNvPr>
+          <p:cNvCxnSpPr>
+            <a:cxnSpLocks/>
+          </p:cNvCxnSpPr>
+          <p:nvPr/>
+        </p:nvCxnSpPr>
+        <p:spPr>
+          <a:xfrm>
+            <a:off x="6431180" y="438651"/>
+            <a:ext cx="0" cy="6085974"/>
+          </a:xfrm>
+          <a:prstGeom prst="line">
+            <a:avLst/>
+          </a:prstGeom>
+        </p:spPr>
+        <p:style>
+          <a:lnRef idx="1">
+            <a:schemeClr val="accent1"/>
+          </a:lnRef>
+          <a:fillRef idx="0">
+            <a:schemeClr val="accent1"/>
+          </a:fillRef>
+          <a:effectRef idx="0">
+            <a:schemeClr val="accent1"/>
+          </a:effectRef>
+          <a:fontRef idx="minor">
+            <a:schemeClr val="tx1"/>
+          </a:fontRef>
+        </p:style>
+      </p:cxnSp>
+      <p:sp>
+        <p:nvSpPr>
+          <p:cNvPr id="56" name="TextBox 55">
+            <a:extLst>
+              <a:ext uri="{FF2B5EF4-FFF2-40B4-BE49-F238E27FC236}">
+                <a16:creationId xmlns:a16="http://schemas.microsoft.com/office/drawing/2014/main" id="{DD9D8A43-087F-4332-8486-14DA1FA96737}"/>
+              </a:ext>
+            </a:extLst>
+          </p:cNvPr>
+          <p:cNvSpPr txBox="1"/>
+          <p:nvPr/>
+        </p:nvSpPr>
+        <p:spPr>
+          <a:xfrm>
+            <a:off x="2152551" y="658778"/>
+            <a:ext cx="1176925" cy="338554"/>
+          </a:xfrm>
+          <a:prstGeom prst="rect">
+            <a:avLst/>
+          </a:prstGeom>
+          <a:noFill/>
+        </p:spPr>
+        <p:txBody>
+          <a:bodyPr wrap="none" rtlCol="0">
+            <a:spAutoFit/>
+          </a:bodyPr>
+          <a:lstStyle/>
+          <a:p>
+            <a:r>
+              <a:rPr lang="en-US" sz="1600" b="1" dirty="0">
+                <a:latin typeface="Abadi Extra Light" panose="020B0204020104020204" pitchFamily="34" charset="0"/>
+              </a:rPr>
+              <a:t>Source code</a:t>
+            </a:r>
+            <a:endParaRPr lang="en-US" sz="1600" b="1" dirty="0"/>
+          </a:p>
+        </p:txBody>
+      </p:sp>
+      <p:cxnSp>
+        <p:nvCxnSpPr>
+          <p:cNvPr id="58" name="Straight Connector 57">
+            <a:extLst>
+              <a:ext uri="{FF2B5EF4-FFF2-40B4-BE49-F238E27FC236}">
+                <a16:creationId xmlns:a16="http://schemas.microsoft.com/office/drawing/2014/main" id="{CF6209F8-4EA3-43D6-9429-B51AFFA8AC25}"/>
+              </a:ext>
+            </a:extLst>
+          </p:cNvPr>
+          <p:cNvCxnSpPr>
+            <a:cxnSpLocks/>
+          </p:cNvCxnSpPr>
+          <p:nvPr/>
+        </p:nvCxnSpPr>
+        <p:spPr>
+          <a:xfrm flipH="1">
+            <a:off x="514350" y="1059060"/>
+            <a:ext cx="11068050" cy="0"/>
+          </a:xfrm>
+          <a:prstGeom prst="line">
+            <a:avLst/>
+          </a:prstGeom>
+        </p:spPr>
+        <p:style>
+          <a:lnRef idx="1">
+            <a:schemeClr val="accent1"/>
+          </a:lnRef>
+          <a:fillRef idx="0">
+            <a:schemeClr val="accent1"/>
+          </a:fillRef>
+          <a:effectRef idx="0">
+            <a:schemeClr val="accent1"/>
+          </a:effectRef>
+          <a:fontRef idx="minor">
+            <a:schemeClr val="tx1"/>
+          </a:fontRef>
+        </p:style>
+      </p:cxnSp>
+      <p:sp>
+        <p:nvSpPr>
+          <p:cNvPr id="61" name="TextBox 60">
+            <a:extLst>
+              <a:ext uri="{FF2B5EF4-FFF2-40B4-BE49-F238E27FC236}">
+                <a16:creationId xmlns:a16="http://schemas.microsoft.com/office/drawing/2014/main" id="{3A181743-C60A-4A3D-AF5F-6D6FD113C151}"/>
+              </a:ext>
+            </a:extLst>
+          </p:cNvPr>
+          <p:cNvSpPr txBox="1"/>
+          <p:nvPr/>
+        </p:nvSpPr>
+        <p:spPr>
+          <a:xfrm>
+            <a:off x="8860192" y="666733"/>
+            <a:ext cx="910827" cy="338554"/>
+          </a:xfrm>
+          <a:prstGeom prst="rect">
+            <a:avLst/>
+          </a:prstGeom>
+          <a:noFill/>
+        </p:spPr>
+        <p:txBody>
+          <a:bodyPr wrap="none" rtlCol="0">
+            <a:spAutoFit/>
+          </a:bodyPr>
+          <a:lstStyle/>
+          <a:p>
+            <a:r>
+              <a:rPr lang="en-US" sz="1600" b="1" dirty="0">
+                <a:latin typeface="Abadi Extra Light" panose="020B0204020104020204" pitchFamily="34" charset="0"/>
+              </a:rPr>
+              <a:t>Bytecode</a:t>
+            </a:r>
+            <a:endParaRPr lang="en-US" sz="1600" b="1" dirty="0"/>
+          </a:p>
+        </p:txBody>
+      </p:sp>
+      <p:sp>
+        <p:nvSpPr>
+          <p:cNvPr id="101" name="TextBox 100">
+            <a:extLst>
+              <a:ext uri="{FF2B5EF4-FFF2-40B4-BE49-F238E27FC236}">
+                <a16:creationId xmlns:a16="http://schemas.microsoft.com/office/drawing/2014/main" id="{BAF50FB6-2D1C-4A86-9FFA-DA57DE353FC9}"/>
+              </a:ext>
+            </a:extLst>
+          </p:cNvPr>
+          <p:cNvSpPr txBox="1"/>
+          <p:nvPr/>
+        </p:nvSpPr>
+        <p:spPr>
+          <a:xfrm>
+            <a:off x="3772479" y="1341184"/>
+            <a:ext cx="2180646" cy="374571"/>
+          </a:xfrm>
+          <a:prstGeom prst="roundRect">
+            <a:avLst/>
+          </a:prstGeom>
+          <a:ln>
+            <a:solidFill>
+              <a:srgbClr val="7030A0"/>
+            </a:solidFill>
+          </a:ln>
+        </p:spPr>
+        <p:style>
+          <a:lnRef idx="2">
+            <a:schemeClr val="accent3"/>
+          </a:lnRef>
+          <a:fillRef idx="1">
+            <a:schemeClr val="lt1"/>
+          </a:fillRef>
+          <a:effectRef idx="0">
+            <a:schemeClr val="accent3"/>
+          </a:effectRef>
+          <a:fontRef idx="minor">
+            <a:schemeClr val="dk1"/>
+          </a:fontRef>
+        </p:style>
+        <p:txBody>
+          <a:bodyPr wrap="none" rtlCol="0">
+            <a:spAutoFit/>
+          </a:bodyPr>
+          <a:lstStyle/>
+          <a:p>
+            <a:r>
+              <a:rPr lang="en-US" sz="1600" dirty="0" err="1">
+                <a:solidFill>
+                  <a:srgbClr val="7030A0"/>
+                </a:solidFill>
+                <a:latin typeface="Abadi Extra Light" panose="020B0204020104020204" pitchFamily="34" charset="0"/>
+              </a:rPr>
+              <a:t>ExternallyOwnedAccount</a:t>
+            </a:r>
+            <a:endParaRPr lang="en-US" sz="1600" dirty="0">
+              <a:solidFill>
+                <a:srgbClr val="7030A0"/>
+              </a:solidFill>
+            </a:endParaRPr>
+          </a:p>
+        </p:txBody>
+      </p:sp>
+      <p:cxnSp>
+        <p:nvCxnSpPr>
+          <p:cNvPr id="102" name="Straight Connector 101">
+            <a:extLst>
+              <a:ext uri="{FF2B5EF4-FFF2-40B4-BE49-F238E27FC236}">
+                <a16:creationId xmlns:a16="http://schemas.microsoft.com/office/drawing/2014/main" id="{5518B3B9-0AEB-415D-A658-046933588BFD}"/>
+              </a:ext>
+            </a:extLst>
+          </p:cNvPr>
+          <p:cNvCxnSpPr>
+            <a:cxnSpLocks/>
+          </p:cNvCxnSpPr>
+          <p:nvPr/>
+        </p:nvCxnSpPr>
+        <p:spPr>
+          <a:xfrm flipV="1">
+            <a:off x="1017105" y="2573780"/>
+            <a:ext cx="0" cy="1350470"/>
+          </a:xfrm>
+          <a:prstGeom prst="line">
+            <a:avLst/>
+          </a:prstGeom>
+          <a:ln>
+            <a:headEnd type="none" w="med" len="med"/>
+            <a:tailEnd type="triangle" w="lg" len="lg"/>
+          </a:ln>
+        </p:spPr>
+        <p:style>
+          <a:lnRef idx="1">
+            <a:schemeClr val="accent5"/>
+          </a:lnRef>
+          <a:fillRef idx="0">
+            <a:schemeClr val="accent5"/>
+          </a:fillRef>
+          <a:effectRef idx="0">
+            <a:schemeClr val="accent5"/>
+          </a:effectRef>
+          <a:fontRef idx="minor">
+            <a:schemeClr val="tx1"/>
+          </a:fontRef>
+        </p:style>
+      </p:cxnSp>
+      <p:cxnSp>
+        <p:nvCxnSpPr>
+          <p:cNvPr id="104" name="Straight Connector 103">
+            <a:extLst>
+              <a:ext uri="{FF2B5EF4-FFF2-40B4-BE49-F238E27FC236}">
+                <a16:creationId xmlns:a16="http://schemas.microsoft.com/office/drawing/2014/main" id="{7B2541CC-5093-4947-A3D4-3FA2E184AE99}"/>
+              </a:ext>
+            </a:extLst>
+          </p:cNvPr>
+          <p:cNvCxnSpPr>
+            <a:cxnSpLocks/>
+          </p:cNvCxnSpPr>
+          <p:nvPr/>
+        </p:nvCxnSpPr>
+        <p:spPr>
+          <a:xfrm flipV="1">
+            <a:off x="1017105" y="4203124"/>
+            <a:ext cx="0" cy="683905"/>
+          </a:xfrm>
+          <a:prstGeom prst="line">
+            <a:avLst/>
+          </a:prstGeom>
+          <a:ln>
+            <a:headEnd type="none" w="med" len="med"/>
+            <a:tailEnd type="triangle" w="lg" len="lg"/>
+          </a:ln>
+        </p:spPr>
+        <p:style>
+          <a:lnRef idx="1">
+            <a:schemeClr val="accent5"/>
+          </a:lnRef>
+          <a:fillRef idx="0">
+            <a:schemeClr val="accent5"/>
+          </a:fillRef>
+          <a:effectRef idx="0">
+            <a:schemeClr val="accent5"/>
+          </a:effectRef>
+          <a:fontRef idx="minor">
+            <a:schemeClr val="tx1"/>
+          </a:fontRef>
+        </p:style>
+      </p:cxnSp>
+      <p:cxnSp>
+        <p:nvCxnSpPr>
+          <p:cNvPr id="107" name="Straight Connector 106">
+            <a:extLst>
+              <a:ext uri="{FF2B5EF4-FFF2-40B4-BE49-F238E27FC236}">
+                <a16:creationId xmlns:a16="http://schemas.microsoft.com/office/drawing/2014/main" id="{809591D6-A491-4F3C-8B28-272F85DD8782}"/>
+              </a:ext>
+            </a:extLst>
+          </p:cNvPr>
+          <p:cNvCxnSpPr>
+            <a:cxnSpLocks/>
+          </p:cNvCxnSpPr>
+          <p:nvPr/>
+        </p:nvCxnSpPr>
+        <p:spPr>
+          <a:xfrm flipV="1">
+            <a:off x="2297157" y="4203125"/>
+            <a:ext cx="0" cy="683905"/>
+          </a:xfrm>
+          <a:prstGeom prst="line">
+            <a:avLst/>
+          </a:prstGeom>
+          <a:ln>
+            <a:solidFill>
+              <a:srgbClr val="FF00FF"/>
+            </a:solidFill>
+            <a:headEnd type="none" w="med" len="med"/>
+            <a:tailEnd type="triangle" w="lg" len="lg"/>
+          </a:ln>
+        </p:spPr>
+        <p:style>
+          <a:lnRef idx="1">
+            <a:schemeClr val="accent5"/>
+          </a:lnRef>
+          <a:fillRef idx="0">
+            <a:schemeClr val="accent5"/>
+          </a:fillRef>
+          <a:effectRef idx="0">
+            <a:schemeClr val="accent5"/>
+          </a:effectRef>
+          <a:fontRef idx="minor">
+            <a:schemeClr val="tx1"/>
+          </a:fontRef>
+        </p:style>
+      </p:cxnSp>
+      <p:cxnSp>
+        <p:nvCxnSpPr>
+          <p:cNvPr id="109" name="Straight Connector 108">
+            <a:extLst>
+              <a:ext uri="{FF2B5EF4-FFF2-40B4-BE49-F238E27FC236}">
+                <a16:creationId xmlns:a16="http://schemas.microsoft.com/office/drawing/2014/main" id="{19748AE3-8481-49D9-8466-3F32BF3E05FD}"/>
+              </a:ext>
+            </a:extLst>
+          </p:cNvPr>
+          <p:cNvCxnSpPr>
+            <a:cxnSpLocks/>
+          </p:cNvCxnSpPr>
+          <p:nvPr/>
+        </p:nvCxnSpPr>
+        <p:spPr>
+          <a:xfrm flipV="1">
+            <a:off x="1212939" y="1745271"/>
+            <a:ext cx="0" cy="519216"/>
+          </a:xfrm>
+          <a:prstGeom prst="line">
+            <a:avLst/>
+          </a:prstGeom>
+          <a:ln>
+            <a:headEnd type="none" w="med" len="med"/>
+            <a:tailEnd type="triangle" w="lg" len="lg"/>
+          </a:ln>
+        </p:spPr>
+        <p:style>
+          <a:lnRef idx="1">
+            <a:schemeClr val="accent5"/>
+          </a:lnRef>
+          <a:fillRef idx="0">
+            <a:schemeClr val="accent5"/>
+          </a:fillRef>
+          <a:effectRef idx="0">
+            <a:schemeClr val="accent5"/>
+          </a:effectRef>
+          <a:fontRef idx="minor">
+            <a:schemeClr val="tx1"/>
+          </a:fontRef>
+        </p:style>
+      </p:cxnSp>
+      <p:cxnSp>
+        <p:nvCxnSpPr>
+          <p:cNvPr id="111" name="Straight Connector 110">
+            <a:extLst>
+              <a:ext uri="{FF2B5EF4-FFF2-40B4-BE49-F238E27FC236}">
+                <a16:creationId xmlns:a16="http://schemas.microsoft.com/office/drawing/2014/main" id="{3F7033C0-E665-42D1-8A9B-8C71C83FA38C}"/>
+              </a:ext>
+            </a:extLst>
+          </p:cNvPr>
+          <p:cNvCxnSpPr>
+            <a:cxnSpLocks/>
+          </p:cNvCxnSpPr>
+          <p:nvPr/>
+        </p:nvCxnSpPr>
+        <p:spPr>
+          <a:xfrm flipV="1">
+            <a:off x="2287533" y="1745271"/>
+            <a:ext cx="0" cy="519216"/>
+          </a:xfrm>
+          <a:prstGeom prst="line">
+            <a:avLst/>
+          </a:prstGeom>
+          <a:ln>
+            <a:solidFill>
+              <a:srgbClr val="FF00FF"/>
+            </a:solidFill>
+            <a:headEnd type="none" w="med" len="med"/>
+            <a:tailEnd type="triangle" w="lg" len="lg"/>
+          </a:ln>
+        </p:spPr>
+        <p:style>
+          <a:lnRef idx="1">
+            <a:schemeClr val="accent5"/>
+          </a:lnRef>
+          <a:fillRef idx="0">
+            <a:schemeClr val="accent5"/>
+          </a:fillRef>
+          <a:effectRef idx="0">
+            <a:schemeClr val="accent5"/>
+          </a:effectRef>
+          <a:fontRef idx="minor">
+            <a:schemeClr val="tx1"/>
+          </a:fontRef>
+        </p:style>
+      </p:cxnSp>
+      <p:cxnSp>
+        <p:nvCxnSpPr>
+          <p:cNvPr id="114" name="Straight Connector 113">
+            <a:extLst>
+              <a:ext uri="{FF2B5EF4-FFF2-40B4-BE49-F238E27FC236}">
+                <a16:creationId xmlns:a16="http://schemas.microsoft.com/office/drawing/2014/main" id="{DBCB8C41-939D-4FED-A6E4-CD6EC9603808}"/>
+              </a:ext>
+            </a:extLst>
+          </p:cNvPr>
+          <p:cNvCxnSpPr>
+            <a:cxnSpLocks/>
+          </p:cNvCxnSpPr>
+          <p:nvPr/>
+        </p:nvCxnSpPr>
+        <p:spPr>
+          <a:xfrm flipH="1">
+            <a:off x="2603389" y="1528470"/>
+            <a:ext cx="1086794" cy="0"/>
+          </a:xfrm>
+          <a:prstGeom prst="line">
+            <a:avLst/>
+          </a:prstGeom>
+          <a:ln>
+            <a:solidFill>
+              <a:srgbClr val="7030A0"/>
+            </a:solidFill>
+            <a:headEnd type="none" w="med" len="med"/>
+            <a:tailEnd type="triangle" w="lg" len="lg"/>
+          </a:ln>
+        </p:spPr>
+        <p:style>
+          <a:lnRef idx="1">
+            <a:schemeClr val="accent5"/>
+          </a:lnRef>
+          <a:fillRef idx="0">
+            <a:schemeClr val="accent5"/>
+          </a:fillRef>
+          <a:effectRef idx="0">
+            <a:schemeClr val="accent5"/>
+          </a:effectRef>
+          <a:fontRef idx="minor">
+            <a:schemeClr val="tx1"/>
+          </a:fontRef>
+        </p:style>
+      </p:cxnSp>
+      <p:sp>
+        <p:nvSpPr>
+          <p:cNvPr id="118" name="TextBox 117">
+            <a:extLst>
+              <a:ext uri="{FF2B5EF4-FFF2-40B4-BE49-F238E27FC236}">
+                <a16:creationId xmlns:a16="http://schemas.microsoft.com/office/drawing/2014/main" id="{03E8B820-FD44-4DB6-93FA-7ABF835FC7EF}"/>
+              </a:ext>
+            </a:extLst>
+          </p:cNvPr>
+          <p:cNvSpPr txBox="1"/>
+          <p:nvPr/>
+        </p:nvSpPr>
+        <p:spPr>
+          <a:xfrm>
+            <a:off x="4743616" y="3429000"/>
+            <a:ext cx="911629" cy="374571"/>
+          </a:xfrm>
+          <a:prstGeom prst="roundRect">
+            <a:avLst/>
+          </a:prstGeom>
+          <a:ln>
+            <a:solidFill>
+              <a:srgbClr val="7030A0"/>
+            </a:solidFill>
+          </a:ln>
+        </p:spPr>
+        <p:style>
+          <a:lnRef idx="2">
+            <a:schemeClr val="accent3"/>
+          </a:lnRef>
+          <a:fillRef idx="1">
+            <a:schemeClr val="lt1"/>
+          </a:fillRef>
+          <a:effectRef idx="0">
+            <a:schemeClr val="accent3"/>
+          </a:effectRef>
+          <a:fontRef idx="minor">
+            <a:schemeClr val="dk1"/>
+          </a:fontRef>
+        </p:style>
+        <p:txBody>
+          <a:bodyPr wrap="none" rtlCol="0">
+            <a:spAutoFit/>
+          </a:bodyPr>
+          <a:lstStyle/>
+          <a:p>
+            <a:r>
+              <a:rPr lang="en-US" sz="1600" dirty="0">
+                <a:solidFill>
+                  <a:srgbClr val="7030A0"/>
+                </a:solidFill>
+                <a:latin typeface="Abadi Extra Light" panose="020B0204020104020204" pitchFamily="34" charset="0"/>
+              </a:rPr>
+              <a:t>Validator</a:t>
+            </a:r>
+            <a:endParaRPr lang="en-US" sz="1600" dirty="0">
+              <a:solidFill>
+                <a:srgbClr val="7030A0"/>
+              </a:solidFill>
+            </a:endParaRPr>
+          </a:p>
+        </p:txBody>
+      </p:sp>
+      <p:cxnSp>
+        <p:nvCxnSpPr>
+          <p:cNvPr id="120" name="Straight Connector 119">
+            <a:extLst>
+              <a:ext uri="{FF2B5EF4-FFF2-40B4-BE49-F238E27FC236}">
+                <a16:creationId xmlns:a16="http://schemas.microsoft.com/office/drawing/2014/main" id="{959F7976-A404-46A7-8F5D-91E3EE0B0BB3}"/>
+              </a:ext>
+            </a:extLst>
+          </p:cNvPr>
+          <p:cNvCxnSpPr>
+            <a:cxnSpLocks/>
+          </p:cNvCxnSpPr>
+          <p:nvPr/>
+        </p:nvCxnSpPr>
+        <p:spPr>
+          <a:xfrm flipV="1">
+            <a:off x="5554734" y="1761797"/>
+            <a:ext cx="0" cy="1600528"/>
+          </a:xfrm>
+          <a:prstGeom prst="line">
+            <a:avLst/>
+          </a:prstGeom>
+          <a:ln>
+            <a:solidFill>
+              <a:srgbClr val="7030A0"/>
+            </a:solidFill>
+            <a:headEnd type="none" w="med" len="med"/>
+            <a:tailEnd type="triangle" w="lg" len="lg"/>
+          </a:ln>
+        </p:spPr>
+        <p:style>
+          <a:lnRef idx="1">
+            <a:schemeClr val="accent5"/>
+          </a:lnRef>
+          <a:fillRef idx="0">
+            <a:schemeClr val="accent5"/>
+          </a:fillRef>
+          <a:effectRef idx="0">
+            <a:schemeClr val="accent5"/>
+          </a:effectRef>
+          <a:fontRef idx="minor">
+            <a:schemeClr val="tx1"/>
+          </a:fontRef>
+        </p:style>
+      </p:cxnSp>
+      <p:cxnSp>
+        <p:nvCxnSpPr>
+          <p:cNvPr id="124" name="Connector: Elbow 123">
+            <a:extLst>
+              <a:ext uri="{FF2B5EF4-FFF2-40B4-BE49-F238E27FC236}">
+                <a16:creationId xmlns:a16="http://schemas.microsoft.com/office/drawing/2014/main" id="{8BF3827F-2D3D-4EAF-8263-D5955F046F92}"/>
+              </a:ext>
+            </a:extLst>
+          </p:cNvPr>
+          <p:cNvCxnSpPr>
+            <a:cxnSpLocks/>
+          </p:cNvCxnSpPr>
+          <p:nvPr/>
+        </p:nvCxnSpPr>
+        <p:spPr>
+          <a:xfrm flipV="1">
+            <a:off x="2297157" y="3582437"/>
+            <a:ext cx="2366365" cy="273205"/>
+          </a:xfrm>
+          <a:prstGeom prst="bentConnector3">
+            <a:avLst>
+              <a:gd name="adj1" fmla="val -315"/>
+            </a:avLst>
+          </a:prstGeom>
+          <a:ln>
+            <a:solidFill>
+              <a:srgbClr val="FF00FF"/>
+            </a:solidFill>
+            <a:headEnd type="none" w="med" len="med"/>
+            <a:tailEnd type="triangle" w="lg" len="lg"/>
+          </a:ln>
+        </p:spPr>
+        <p:style>
+          <a:lnRef idx="1">
+            <a:schemeClr val="accent5"/>
+          </a:lnRef>
+          <a:fillRef idx="0">
+            <a:schemeClr val="accent5"/>
+          </a:fillRef>
+          <a:effectRef idx="0">
+            <a:schemeClr val="accent5"/>
+          </a:effectRef>
+          <a:fontRef idx="minor">
+            <a:schemeClr val="tx1"/>
+          </a:fontRef>
+        </p:style>
+      </p:cxnSp>
+      <p:sp>
+        <p:nvSpPr>
+          <p:cNvPr id="145" name="TextBox 144">
+            <a:extLst>
+              <a:ext uri="{FF2B5EF4-FFF2-40B4-BE49-F238E27FC236}">
+                <a16:creationId xmlns:a16="http://schemas.microsoft.com/office/drawing/2014/main" id="{7C951330-1D4E-4904-9145-32EEDFCD35FB}"/>
+              </a:ext>
+            </a:extLst>
+          </p:cNvPr>
+          <p:cNvSpPr txBox="1"/>
+          <p:nvPr/>
+        </p:nvSpPr>
+        <p:spPr>
+          <a:xfrm>
+            <a:off x="6651017" y="2603041"/>
+            <a:ext cx="4875181" cy="374571"/>
+          </a:xfrm>
+          <a:prstGeom prst="roundRect">
+            <a:avLst/>
+          </a:prstGeom>
+        </p:spPr>
+        <p:style>
+          <a:lnRef idx="2">
+            <a:schemeClr val="accent6"/>
+          </a:lnRef>
+          <a:fillRef idx="1">
+            <a:schemeClr val="lt1"/>
+          </a:fillRef>
+          <a:effectRef idx="0">
+            <a:schemeClr val="accent6"/>
+          </a:effectRef>
+          <a:fontRef idx="minor">
+            <a:schemeClr val="dk1"/>
+          </a:fontRef>
+        </p:style>
+        <p:txBody>
+          <a:bodyPr wrap="none" rtlCol="0">
+            <a:spAutoFit/>
+          </a:bodyPr>
+          <a:lstStyle/>
+          <a:p>
+            <a:r>
+              <a:rPr lang="en-US" sz="1600" dirty="0">
+                <a:solidFill>
+                  <a:srgbClr val="C00000"/>
+                </a:solidFill>
+                <a:latin typeface="Abadi Extra Light" panose="020B0204020104020204" pitchFamily="34" charset="0"/>
+              </a:rPr>
+              <a:t>accept(</a:t>
+            </a:r>
+            <a:r>
+              <a:rPr kumimoji="0" lang="en-US" sz="1600" b="0" i="0" u="none" strike="noStrike" kern="1200" cap="none" spc="0" normalizeH="0" baseline="0" noProof="0" dirty="0" err="1">
+                <a:ln>
+                  <a:noFill/>
+                </a:ln>
+                <a:solidFill>
+                  <a:prstClr val="black">
+                    <a:lumMod val="75000"/>
+                    <a:lumOff val="25000"/>
+                  </a:prstClr>
+                </a:solidFill>
+                <a:effectLst/>
+                <a:uLnTx/>
+                <a:uFillTx/>
+                <a:latin typeface="Abadi Extra Light" panose="020B0204020104020204" pitchFamily="34" charset="0"/>
+                <a:cs typeface="Ayuthaya" pitchFamily="2" charset="-34"/>
+              </a:rPr>
+              <a:t>BigInteger</a:t>
+            </a:r>
+            <a:r>
+              <a:rPr kumimoji="0" lang="en-US" sz="1600" b="0" i="0" u="none" strike="noStrike" kern="1200" cap="none" spc="0" normalizeH="0" baseline="0" noProof="0" dirty="0">
+                <a:ln>
+                  <a:noFill/>
+                </a:ln>
+                <a:solidFill>
+                  <a:prstClr val="black">
+                    <a:lumMod val="75000"/>
+                    <a:lumOff val="25000"/>
+                  </a:prstClr>
+                </a:solidFill>
+                <a:effectLst/>
+                <a:uLnTx/>
+                <a:uFillTx/>
+                <a:latin typeface="Abadi Extra Light" panose="020B0204020104020204" pitchFamily="34" charset="0"/>
+                <a:cs typeface="Ayuthaya" pitchFamily="2" charset="-34"/>
+              </a:rPr>
+              <a:t> amount, </a:t>
+            </a:r>
+            <a:r>
+              <a:rPr lang="en-US" sz="1600" b="1" dirty="0" err="1">
+                <a:solidFill>
+                  <a:srgbClr val="FF0000"/>
+                </a:solidFill>
+                <a:latin typeface="Abadi Extra Light" panose="020B0204020104020204" pitchFamily="34" charset="0"/>
+                <a:cs typeface="Ayuthaya" pitchFamily="2" charset="-34"/>
+              </a:rPr>
+              <a:t>PayableContract</a:t>
+            </a:r>
+            <a:r>
+              <a:rPr lang="en-US" sz="1600" b="1" dirty="0">
+                <a:solidFill>
+                  <a:srgbClr val="FF0000"/>
+                </a:solidFill>
+                <a:latin typeface="Abadi Extra Light" panose="020B0204020104020204" pitchFamily="34" charset="0"/>
+                <a:cs typeface="Ayuthaya" pitchFamily="2" charset="-34"/>
+              </a:rPr>
+              <a:t> buyer</a:t>
+            </a:r>
+            <a:r>
+              <a:rPr kumimoji="0" lang="en-US" sz="1600" b="0" i="0" u="none" strike="noStrike" kern="1200" cap="none" spc="0" normalizeH="0" baseline="0" noProof="0" dirty="0">
+                <a:ln>
+                  <a:noFill/>
+                </a:ln>
+                <a:solidFill>
+                  <a:prstClr val="black">
+                    <a:lumMod val="75000"/>
+                    <a:lumOff val="25000"/>
+                  </a:prstClr>
+                </a:solidFill>
+                <a:effectLst/>
+                <a:uLnTx/>
+                <a:uFillTx/>
+                <a:latin typeface="Abadi Extra Light" panose="020B0204020104020204" pitchFamily="34" charset="0"/>
+                <a:cs typeface="Ayuthaya" pitchFamily="2" charset="-34"/>
+              </a:rPr>
+              <a:t>, O offer</a:t>
+            </a:r>
+            <a:r>
+              <a:rPr lang="en-US" sz="1600" dirty="0">
+                <a:solidFill>
+                  <a:srgbClr val="C00000"/>
+                </a:solidFill>
+                <a:latin typeface="Abadi Extra Light" panose="020B0204020104020204" pitchFamily="34" charset="0"/>
+              </a:rPr>
+              <a:t>)</a:t>
+            </a:r>
+            <a:endParaRPr lang="en-US" sz="1600" dirty="0">
+              <a:solidFill>
+                <a:schemeClr val="accent6">
+                  <a:lumMod val="75000"/>
+                </a:schemeClr>
+              </a:solidFill>
+            </a:endParaRPr>
+          </a:p>
+        </p:txBody>
+      </p:sp>
+      <p:sp>
+        <p:nvSpPr>
+          <p:cNvPr id="148" name="TextBox 147">
+            <a:extLst>
+              <a:ext uri="{FF2B5EF4-FFF2-40B4-BE49-F238E27FC236}">
+                <a16:creationId xmlns:a16="http://schemas.microsoft.com/office/drawing/2014/main" id="{5DB47992-B5FA-4799-B4B8-37F7B96FB08C}"/>
+              </a:ext>
+            </a:extLst>
+          </p:cNvPr>
+          <p:cNvSpPr txBox="1"/>
+          <p:nvPr/>
+        </p:nvSpPr>
+        <p:spPr>
+          <a:xfrm>
+            <a:off x="1141236" y="4146705"/>
+            <a:ext cx="654346" cy="338554"/>
+          </a:xfrm>
+          <a:prstGeom prst="rect">
+            <a:avLst/>
+          </a:prstGeom>
+          <a:noFill/>
+        </p:spPr>
+        <p:txBody>
+          <a:bodyPr wrap="none" rtlCol="0">
+            <a:spAutoFit/>
+          </a:bodyPr>
+          <a:lstStyle/>
+          <a:p>
+            <a:r>
+              <a:rPr lang="en-US" sz="1600" dirty="0">
+                <a:solidFill>
+                  <a:srgbClr val="C00000"/>
+                </a:solidFill>
+                <a:latin typeface="Abadi Extra Light" panose="020B0204020104020204" pitchFamily="34" charset="0"/>
+              </a:rPr>
+              <a:t>S = V</a:t>
+            </a:r>
+            <a:endParaRPr lang="en-US" sz="1600" dirty="0">
+              <a:solidFill>
+                <a:srgbClr val="C00000"/>
+              </a:solidFill>
+            </a:endParaRPr>
+          </a:p>
+        </p:txBody>
+      </p:sp>
+      <p:sp>
+        <p:nvSpPr>
+          <p:cNvPr id="149" name="TextBox 148">
+            <a:extLst>
+              <a:ext uri="{FF2B5EF4-FFF2-40B4-BE49-F238E27FC236}">
+                <a16:creationId xmlns:a16="http://schemas.microsoft.com/office/drawing/2014/main" id="{6321DB1E-6445-4284-903B-BB011AEBADE3}"/>
+              </a:ext>
+            </a:extLst>
+          </p:cNvPr>
+          <p:cNvSpPr txBox="1"/>
+          <p:nvPr/>
+        </p:nvSpPr>
+        <p:spPr>
+          <a:xfrm>
+            <a:off x="1017105" y="5144359"/>
+            <a:ext cx="3064044" cy="338554"/>
+          </a:xfrm>
+          <a:prstGeom prst="rect">
+            <a:avLst/>
+          </a:prstGeom>
+          <a:noFill/>
+        </p:spPr>
+        <p:txBody>
+          <a:bodyPr wrap="none" rtlCol="0">
+            <a:spAutoFit/>
+          </a:bodyPr>
+          <a:lstStyle/>
+          <a:p>
+            <a:r>
+              <a:rPr lang="en-US" sz="1600" dirty="0">
+                <a:solidFill>
+                  <a:srgbClr val="C00000"/>
+                </a:solidFill>
+                <a:latin typeface="Abadi Extra Light" panose="020B0204020104020204" pitchFamily="34" charset="0"/>
+              </a:rPr>
+              <a:t> S = TendermintED25519Validator</a:t>
+            </a:r>
+            <a:endParaRPr lang="en-US" sz="1600" dirty="0">
+              <a:solidFill>
+                <a:srgbClr val="C00000"/>
+              </a:solidFill>
+            </a:endParaRPr>
+          </a:p>
+        </p:txBody>
+      </p:sp>
+      <p:pic>
+        <p:nvPicPr>
+          <p:cNvPr id="150" name="Graphic 149" descr="Binary with solid fill">
+            <a:extLst>
+              <a:ext uri="{FF2B5EF4-FFF2-40B4-BE49-F238E27FC236}">
+                <a16:creationId xmlns:a16="http://schemas.microsoft.com/office/drawing/2014/main" id="{CDFA61DD-BB0E-4657-901E-A3E094B5140F}"/>
+              </a:ext>
+            </a:extLst>
+          </p:cNvPr>
+          <p:cNvPicPr>
+            <a:picLocks noChangeAspect="1"/>
+          </p:cNvPicPr>
+          <p:nvPr/>
+        </p:nvPicPr>
+        <p:blipFill>
+          <a:blip r:embed="rId2">
+            <a:extLst>
+              <a:ext uri="{96DAC541-7B7A-43D3-8B79-37D633B846F1}">
+                <asvg:svgBlip xmlns:asvg="http://schemas.microsoft.com/office/drawing/2016/SVG/main" r:embed="rId3"/>
+              </a:ext>
+            </a:extLst>
+          </a:blip>
+          <a:stretch>
+            <a:fillRect/>
+          </a:stretch>
+        </p:blipFill>
+        <p:spPr>
+          <a:xfrm>
+            <a:off x="9846537" y="475723"/>
+            <a:ext cx="583337" cy="583337"/>
+          </a:xfrm>
+          <a:prstGeom prst="rect">
+            <a:avLst/>
+          </a:prstGeom>
+        </p:spPr>
+      </p:pic>
+      <p:pic>
+        <p:nvPicPr>
+          <p:cNvPr id="151" name="Graphic 150" descr="Programmer male with solid fill">
+            <a:extLst>
+              <a:ext uri="{FF2B5EF4-FFF2-40B4-BE49-F238E27FC236}">
+                <a16:creationId xmlns:a16="http://schemas.microsoft.com/office/drawing/2014/main" id="{10CF2F7B-281D-4CCE-93E7-4DB6D453355B}"/>
+              </a:ext>
+            </a:extLst>
+          </p:cNvPr>
+          <p:cNvPicPr>
+            <a:picLocks noChangeAspect="1"/>
+          </p:cNvPicPr>
+          <p:nvPr/>
+        </p:nvPicPr>
+        <p:blipFill>
+          <a:blip r:embed="rId4">
+            <a:extLst>
+              <a:ext uri="{96DAC541-7B7A-43D3-8B79-37D633B846F1}">
+                <asvg:svgBlip xmlns:asvg="http://schemas.microsoft.com/office/drawing/2016/SVG/main" r:embed="rId5"/>
+              </a:ext>
+            </a:extLst>
+          </a:blip>
+          <a:stretch>
+            <a:fillRect/>
+          </a:stretch>
+        </p:blipFill>
+        <p:spPr>
+          <a:xfrm>
+            <a:off x="3329476" y="413995"/>
+            <a:ext cx="583337" cy="583337"/>
+          </a:xfrm>
+          <a:prstGeom prst="rect">
+            <a:avLst/>
+          </a:prstGeom>
+        </p:spPr>
+      </p:pic>
+      <p:sp>
+        <p:nvSpPr>
+          <p:cNvPr id="152" name="TextBox 151">
+            <a:extLst>
+              <a:ext uri="{FF2B5EF4-FFF2-40B4-BE49-F238E27FC236}">
+                <a16:creationId xmlns:a16="http://schemas.microsoft.com/office/drawing/2014/main" id="{9AE9C036-CE6C-46AD-A245-8310B305F678}"/>
+              </a:ext>
+            </a:extLst>
+          </p:cNvPr>
+          <p:cNvSpPr txBox="1"/>
+          <p:nvPr/>
+        </p:nvSpPr>
+        <p:spPr>
+          <a:xfrm>
+            <a:off x="4766358" y="5277619"/>
+            <a:ext cx="1186763" cy="374571"/>
+          </a:xfrm>
+          <a:prstGeom prst="roundRect">
+            <a:avLst/>
+          </a:prstGeom>
+          <a:solidFill>
+            <a:schemeClr val="accent4">
+              <a:lumMod val="20000"/>
+              <a:lumOff val="80000"/>
+            </a:schemeClr>
+          </a:solidFill>
+          <a:ln>
+            <a:solidFill>
+              <a:srgbClr val="FF0000"/>
+            </a:solidFill>
+          </a:ln>
+        </p:spPr>
+        <p:style>
+          <a:lnRef idx="2">
+            <a:schemeClr val="accent3"/>
+          </a:lnRef>
+          <a:fillRef idx="1">
+            <a:schemeClr val="lt1"/>
+          </a:fillRef>
+          <a:effectRef idx="0">
+            <a:schemeClr val="accent3"/>
+          </a:effectRef>
+          <a:fontRef idx="minor">
+            <a:schemeClr val="dk1"/>
+          </a:fontRef>
+        </p:style>
+        <p:txBody>
+          <a:bodyPr wrap="square" rtlCol="0">
+            <a:spAutoFit/>
+          </a:bodyPr>
+          <a:lstStyle/>
+          <a:p>
+            <a:pPr algn="ctr"/>
+            <a:r>
+              <a:rPr lang="en-US" sz="1600" dirty="0">
+                <a:solidFill>
+                  <a:srgbClr val="FF0000"/>
+                </a:solidFill>
+                <a:latin typeface="Abadi Extra Light" panose="020B0204020104020204" pitchFamily="34" charset="0"/>
+              </a:rPr>
+              <a:t>Attacker</a:t>
+            </a:r>
+            <a:endParaRPr lang="en-US" sz="1600" dirty="0">
+              <a:solidFill>
+                <a:srgbClr val="FF0000"/>
+              </a:solidFill>
+            </a:endParaRPr>
+          </a:p>
+        </p:txBody>
+      </p:sp>
+      <p:cxnSp>
+        <p:nvCxnSpPr>
+          <p:cNvPr id="153" name="Straight Connector 152">
+            <a:extLst>
+              <a:ext uri="{FF2B5EF4-FFF2-40B4-BE49-F238E27FC236}">
+                <a16:creationId xmlns:a16="http://schemas.microsoft.com/office/drawing/2014/main" id="{721BECBD-940D-460A-B136-1CE36CBC18FB}"/>
+              </a:ext>
+            </a:extLst>
+          </p:cNvPr>
+          <p:cNvCxnSpPr>
+            <a:cxnSpLocks/>
+          </p:cNvCxnSpPr>
+          <p:nvPr/>
+        </p:nvCxnSpPr>
+        <p:spPr>
+          <a:xfrm flipV="1">
+            <a:off x="5777327" y="1761797"/>
+            <a:ext cx="0" cy="3515822"/>
+          </a:xfrm>
+          <a:prstGeom prst="line">
+            <a:avLst/>
+          </a:prstGeom>
+          <a:ln>
+            <a:solidFill>
+              <a:srgbClr val="FF0000"/>
+            </a:solidFill>
+            <a:headEnd type="none" w="med" len="med"/>
+            <a:tailEnd type="triangle" w="lg" len="lg"/>
+          </a:ln>
+        </p:spPr>
+        <p:style>
+          <a:lnRef idx="1">
+            <a:schemeClr val="accent5"/>
+          </a:lnRef>
+          <a:fillRef idx="0">
+            <a:schemeClr val="accent5"/>
+          </a:fillRef>
+          <a:effectRef idx="0">
+            <a:schemeClr val="accent5"/>
+          </a:effectRef>
+          <a:fontRef idx="minor">
+            <a:schemeClr val="tx1"/>
+          </a:fontRef>
+        </p:style>
+      </p:cxnSp>
+      <p:cxnSp>
+        <p:nvCxnSpPr>
+          <p:cNvPr id="165" name="Straight Connector 164">
+            <a:extLst>
+              <a:ext uri="{FF2B5EF4-FFF2-40B4-BE49-F238E27FC236}">
+                <a16:creationId xmlns:a16="http://schemas.microsoft.com/office/drawing/2014/main" id="{23E3124F-B3AF-4CD4-A195-76EF5421F5AD}"/>
+              </a:ext>
+            </a:extLst>
+          </p:cNvPr>
+          <p:cNvCxnSpPr>
+            <a:cxnSpLocks/>
+          </p:cNvCxnSpPr>
+          <p:nvPr/>
+        </p:nvCxnSpPr>
+        <p:spPr>
+          <a:xfrm flipH="1">
+            <a:off x="6431180" y="4788540"/>
+            <a:ext cx="5055966" cy="17265"/>
+          </a:xfrm>
+          <a:prstGeom prst="line">
+            <a:avLst/>
+          </a:prstGeom>
+        </p:spPr>
+        <p:style>
+          <a:lnRef idx="1">
+            <a:schemeClr val="accent1"/>
+          </a:lnRef>
+          <a:fillRef idx="0">
+            <a:schemeClr val="accent1"/>
+          </a:fillRef>
+          <a:effectRef idx="0">
+            <a:schemeClr val="accent1"/>
+          </a:effectRef>
+          <a:fontRef idx="minor">
+            <a:schemeClr val="tx1"/>
+          </a:fontRef>
+        </p:style>
+      </p:cxnSp>
+      <p:sp>
+        <p:nvSpPr>
+          <p:cNvPr id="168" name="TextBox 167">
+            <a:extLst>
+              <a:ext uri="{FF2B5EF4-FFF2-40B4-BE49-F238E27FC236}">
+                <a16:creationId xmlns:a16="http://schemas.microsoft.com/office/drawing/2014/main" id="{F028E477-3CB4-4201-8DB3-A500277A62FF}"/>
+              </a:ext>
+            </a:extLst>
+          </p:cNvPr>
+          <p:cNvSpPr txBox="1"/>
+          <p:nvPr/>
+        </p:nvSpPr>
+        <p:spPr>
+          <a:xfrm>
+            <a:off x="8844307" y="4396212"/>
+            <a:ext cx="826380" cy="338554"/>
+          </a:xfrm>
+          <a:prstGeom prst="rect">
+            <a:avLst/>
+          </a:prstGeom>
+          <a:noFill/>
+        </p:spPr>
+        <p:txBody>
+          <a:bodyPr wrap="none" rtlCol="0">
+            <a:spAutoFit/>
+          </a:bodyPr>
+          <a:lstStyle/>
+          <a:p>
+            <a:r>
+              <a:rPr lang="en-US" sz="1600" b="1" dirty="0">
+                <a:latin typeface="Abadi Extra Light" panose="020B0204020104020204" pitchFamily="34" charset="0"/>
+              </a:rPr>
+              <a:t>Runtime</a:t>
+            </a:r>
+            <a:endParaRPr lang="en-US" sz="1600" b="1" dirty="0"/>
+          </a:p>
+        </p:txBody>
+      </p:sp>
+      <p:pic>
+        <p:nvPicPr>
+          <p:cNvPr id="170" name="Graphic 169" descr="Connections with solid fill">
+            <a:extLst>
+              <a:ext uri="{FF2B5EF4-FFF2-40B4-BE49-F238E27FC236}">
+                <a16:creationId xmlns:a16="http://schemas.microsoft.com/office/drawing/2014/main" id="{52F143E3-7F46-4652-B147-612DEE136D14}"/>
+              </a:ext>
+            </a:extLst>
+          </p:cNvPr>
+          <p:cNvPicPr>
+            <a:picLocks noChangeAspect="1"/>
+          </p:cNvPicPr>
+          <p:nvPr/>
+        </p:nvPicPr>
+        <p:blipFill>
+          <a:blip r:embed="rId6">
+            <a:extLst>
+              <a:ext uri="{28A0092B-C50C-407E-A947-70E740481C1C}">
+                <a14:useLocalDpi xmlns:a14="http://schemas.microsoft.com/office/drawing/2010/main" val="0"/>
+              </a:ext>
+              <a:ext uri="{96DAC541-7B7A-43D3-8B79-37D633B846F1}">
+                <asvg:svgBlip xmlns:asvg="http://schemas.microsoft.com/office/drawing/2016/SVG/main" r:embed="rId7"/>
+              </a:ext>
+            </a:extLst>
+          </a:blip>
+          <a:stretch>
+            <a:fillRect/>
+          </a:stretch>
+        </p:blipFill>
+        <p:spPr>
+          <a:xfrm>
+            <a:off x="9725597" y="4092895"/>
+            <a:ext cx="704277" cy="704277"/>
+          </a:xfrm>
+          <a:prstGeom prst="rect">
+            <a:avLst/>
+          </a:prstGeom>
+        </p:spPr>
+      </p:pic>
+      <p:pic>
+        <p:nvPicPr>
+          <p:cNvPr id="171" name="Graphic 170" descr="Programmer male with solid fill">
+            <a:extLst>
+              <a:ext uri="{FF2B5EF4-FFF2-40B4-BE49-F238E27FC236}">
+                <a16:creationId xmlns:a16="http://schemas.microsoft.com/office/drawing/2014/main" id="{C1C87739-AFF3-4407-9234-A29B33E7E3D2}"/>
+              </a:ext>
+            </a:extLst>
+          </p:cNvPr>
+          <p:cNvPicPr>
+            <a:picLocks noChangeAspect="1"/>
+          </p:cNvPicPr>
+          <p:nvPr/>
+        </p:nvPicPr>
+        <p:blipFill>
+          <a:blip r:embed="rId4">
+            <a:extLst>
+              <a:ext uri="{96DAC541-7B7A-43D3-8B79-37D633B846F1}">
+                <asvg:svgBlip xmlns:asvg="http://schemas.microsoft.com/office/drawing/2016/SVG/main" r:embed="rId5"/>
+              </a:ext>
+            </a:extLst>
+          </a:blip>
+          <a:stretch>
+            <a:fillRect/>
+          </a:stretch>
+        </p:blipFill>
+        <p:spPr>
+          <a:xfrm>
+            <a:off x="7942369" y="5833274"/>
+            <a:ext cx="583337" cy="583337"/>
+          </a:xfrm>
+          <a:prstGeom prst="rect">
+            <a:avLst/>
+          </a:prstGeom>
+        </p:spPr>
+      </p:pic>
+      <p:pic>
+        <p:nvPicPr>
+          <p:cNvPr id="172" name="Graphic 171" descr="Programmer male with solid fill">
+            <a:extLst>
+              <a:ext uri="{FF2B5EF4-FFF2-40B4-BE49-F238E27FC236}">
+                <a16:creationId xmlns:a16="http://schemas.microsoft.com/office/drawing/2014/main" id="{F2CDB1AC-423B-41CE-933E-7AC26F30FE68}"/>
+              </a:ext>
+            </a:extLst>
+          </p:cNvPr>
+          <p:cNvPicPr>
+            <a:picLocks noChangeAspect="1"/>
+          </p:cNvPicPr>
+          <p:nvPr/>
+        </p:nvPicPr>
+        <p:blipFill>
+          <a:blip r:embed="rId4">
+            <a:extLst>
+              <a:ext uri="{96DAC541-7B7A-43D3-8B79-37D633B846F1}">
+                <asvg:svgBlip xmlns:asvg="http://schemas.microsoft.com/office/drawing/2016/SVG/main" r:embed="rId5"/>
+              </a:ext>
+            </a:extLst>
+          </a:blip>
+          <a:stretch>
+            <a:fillRect/>
+          </a:stretch>
+        </p:blipFill>
+        <p:spPr>
+          <a:xfrm>
+            <a:off x="10529014" y="5833273"/>
+            <a:ext cx="583337" cy="583337"/>
+          </a:xfrm>
+          <a:prstGeom prst="rect">
+            <a:avLst/>
+          </a:prstGeom>
+        </p:spPr>
+      </p:pic>
+      <p:sp>
+        <p:nvSpPr>
+          <p:cNvPr id="173" name="TextBox 172">
+            <a:extLst>
+              <a:ext uri="{FF2B5EF4-FFF2-40B4-BE49-F238E27FC236}">
+                <a16:creationId xmlns:a16="http://schemas.microsoft.com/office/drawing/2014/main" id="{D43F2F86-3BC3-4837-B377-04FEB479A491}"/>
+              </a:ext>
+            </a:extLst>
+          </p:cNvPr>
+          <p:cNvSpPr txBox="1"/>
+          <p:nvPr/>
+        </p:nvSpPr>
+        <p:spPr>
+          <a:xfrm>
+            <a:off x="10262223" y="5424368"/>
+            <a:ext cx="1186763" cy="374571"/>
+          </a:xfrm>
+          <a:prstGeom prst="roundRect">
+            <a:avLst/>
+          </a:prstGeom>
+          <a:solidFill>
+            <a:schemeClr val="accent4">
+              <a:lumMod val="20000"/>
+              <a:lumOff val="80000"/>
+            </a:schemeClr>
+          </a:solidFill>
+          <a:ln>
+            <a:solidFill>
+              <a:srgbClr val="FF0000"/>
+            </a:solidFill>
+          </a:ln>
+        </p:spPr>
+        <p:style>
+          <a:lnRef idx="2">
+            <a:schemeClr val="accent3"/>
+          </a:lnRef>
+          <a:fillRef idx="1">
+            <a:schemeClr val="lt1"/>
+          </a:fillRef>
+          <a:effectRef idx="0">
+            <a:schemeClr val="accent3"/>
+          </a:effectRef>
+          <a:fontRef idx="minor">
+            <a:schemeClr val="dk1"/>
+          </a:fontRef>
+        </p:style>
+        <p:txBody>
+          <a:bodyPr wrap="square" rtlCol="0">
+            <a:spAutoFit/>
+          </a:bodyPr>
+          <a:lstStyle/>
+          <a:p>
+            <a:pPr algn="ctr"/>
+            <a:r>
+              <a:rPr lang="en-US" sz="1600" dirty="0">
+                <a:solidFill>
+                  <a:srgbClr val="FF0000"/>
+                </a:solidFill>
+                <a:latin typeface="Abadi Extra Light" panose="020B0204020104020204" pitchFamily="34" charset="0"/>
+              </a:rPr>
+              <a:t>Attacker</a:t>
+            </a:r>
+            <a:endParaRPr lang="en-US" sz="1600" dirty="0">
+              <a:solidFill>
+                <a:srgbClr val="FF0000"/>
+              </a:solidFill>
+            </a:endParaRPr>
+          </a:p>
+        </p:txBody>
+      </p:sp>
+      <p:sp>
+        <p:nvSpPr>
+          <p:cNvPr id="174" name="TextBox 173">
+            <a:extLst>
+              <a:ext uri="{FF2B5EF4-FFF2-40B4-BE49-F238E27FC236}">
+                <a16:creationId xmlns:a16="http://schemas.microsoft.com/office/drawing/2014/main" id="{2412791D-554D-44EA-B2DB-B668E45D8136}"/>
+              </a:ext>
+            </a:extLst>
+          </p:cNvPr>
+          <p:cNvSpPr txBox="1"/>
+          <p:nvPr/>
+        </p:nvSpPr>
+        <p:spPr>
+          <a:xfrm>
+            <a:off x="6927548" y="5424369"/>
+            <a:ext cx="2612981" cy="374571"/>
+          </a:xfrm>
+          <a:prstGeom prst="roundRect">
+            <a:avLst/>
+          </a:prstGeom>
+          <a:ln>
+            <a:solidFill>
+              <a:srgbClr val="7030A0"/>
+            </a:solidFill>
+          </a:ln>
+        </p:spPr>
+        <p:style>
+          <a:lnRef idx="2">
+            <a:schemeClr val="accent3"/>
+          </a:lnRef>
+          <a:fillRef idx="1">
+            <a:schemeClr val="lt1"/>
+          </a:fillRef>
+          <a:effectRef idx="0">
+            <a:schemeClr val="accent3"/>
+          </a:effectRef>
+          <a:fontRef idx="minor">
+            <a:schemeClr val="dk1"/>
+          </a:fontRef>
+        </p:style>
+        <p:txBody>
+          <a:bodyPr wrap="none" rtlCol="0">
+            <a:spAutoFit/>
+          </a:bodyPr>
+          <a:lstStyle/>
+          <a:p>
+            <a:r>
+              <a:rPr lang="en-US" sz="1600" dirty="0">
+                <a:solidFill>
+                  <a:srgbClr val="7030A0"/>
+                </a:solidFill>
+                <a:latin typeface="Abadi Extra Light" panose="020B0204020104020204" pitchFamily="34" charset="0"/>
+              </a:rPr>
+              <a:t>TendermintED25519Validator</a:t>
+            </a:r>
+            <a:endParaRPr lang="en-US" sz="1600" dirty="0">
+              <a:solidFill>
+                <a:srgbClr val="7030A0"/>
+              </a:solidFill>
+            </a:endParaRPr>
+          </a:p>
+        </p:txBody>
+      </p:sp>
+      <p:cxnSp>
+        <p:nvCxnSpPr>
+          <p:cNvPr id="176" name="Connector: Curved 175">
+            <a:extLst>
+              <a:ext uri="{FF2B5EF4-FFF2-40B4-BE49-F238E27FC236}">
+                <a16:creationId xmlns:a16="http://schemas.microsoft.com/office/drawing/2014/main" id="{5A0349FD-6854-4215-969E-EE89EF9D633E}"/>
+              </a:ext>
+            </a:extLst>
+          </p:cNvPr>
+          <p:cNvCxnSpPr/>
+          <p:nvPr/>
+        </p:nvCxnSpPr>
+        <p:spPr>
+          <a:xfrm rot="5400000" flipH="1" flipV="1">
+            <a:off x="7566810" y="3564842"/>
+            <a:ext cx="2259184" cy="1238405"/>
+          </a:xfrm>
+          <a:prstGeom prst="curvedConnector3">
+            <a:avLst/>
+          </a:prstGeom>
+          <a:ln>
+            <a:solidFill>
+              <a:srgbClr val="7030A0"/>
+            </a:solidFill>
+            <a:tailEnd type="triangle"/>
+          </a:ln>
+        </p:spPr>
+        <p:style>
+          <a:lnRef idx="1">
+            <a:schemeClr val="accent1"/>
+          </a:lnRef>
+          <a:fillRef idx="0">
+            <a:schemeClr val="accent1"/>
+          </a:fillRef>
+          <a:effectRef idx="0">
+            <a:schemeClr val="accent1"/>
+          </a:effectRef>
+          <a:fontRef idx="minor">
+            <a:schemeClr val="tx1"/>
+          </a:fontRef>
+        </p:style>
+      </p:cxnSp>
+      <p:cxnSp>
+        <p:nvCxnSpPr>
+          <p:cNvPr id="177" name="Connector: Curved 176">
+            <a:extLst>
+              <a:ext uri="{FF2B5EF4-FFF2-40B4-BE49-F238E27FC236}">
+                <a16:creationId xmlns:a16="http://schemas.microsoft.com/office/drawing/2014/main" id="{CE0359C3-54A3-437D-8D04-5398C87040D5}"/>
+              </a:ext>
+            </a:extLst>
+          </p:cNvPr>
+          <p:cNvCxnSpPr>
+            <a:cxnSpLocks/>
+          </p:cNvCxnSpPr>
+          <p:nvPr/>
+        </p:nvCxnSpPr>
+        <p:spPr>
+          <a:xfrm rot="16200000" flipV="1">
+            <a:off x="9529579" y="3755073"/>
+            <a:ext cx="2234148" cy="882978"/>
+          </a:xfrm>
+          <a:prstGeom prst="curvedConnector3">
+            <a:avLst/>
+          </a:prstGeom>
+          <a:ln>
+            <a:solidFill>
+              <a:srgbClr val="FF0000"/>
+            </a:solidFill>
+            <a:tailEnd type="triangle"/>
+          </a:ln>
+        </p:spPr>
+        <p:style>
+          <a:lnRef idx="1">
+            <a:schemeClr val="accent1"/>
+          </a:lnRef>
+          <a:fillRef idx="0">
+            <a:schemeClr val="accent1"/>
+          </a:fillRef>
+          <a:effectRef idx="0">
+            <a:schemeClr val="accent1"/>
+          </a:effectRef>
+          <a:fontRef idx="minor">
+            <a:schemeClr val="tx1"/>
+          </a:fontRef>
+        </p:style>
+      </p:cxnSp>
+    </p:spTree>
+    <p:extLst>
+      <p:ext uri="{BB962C8B-B14F-4D97-AF65-F5344CB8AC3E}">
+        <p14:creationId xmlns:p14="http://schemas.microsoft.com/office/powerpoint/2010/main" val="2799101283"/>
       </p:ext>
     </p:extLst>
   </p:cSld>

--- a/cluster_computing/figures/figures.pptx
+++ b/cluster_computing/figures/figures.pptx
@@ -12,6 +12,8 @@
     <p:sldId id="260" r:id="rId6"/>
     <p:sldId id="261" r:id="rId7"/>
     <p:sldId id="262" r:id="rId8"/>
+    <p:sldId id="263" r:id="rId9"/>
+    <p:sldId id="264" r:id="rId10"/>
   </p:sldIdLst>
   <p:sldSz cx="12192000" cy="6858000"/>
   <p:notesSz cx="6858000" cy="9144000"/>
@@ -265,7 +267,7 @@
           <a:p>
             <a:fld id="{B7BC47D5-11D3-41CE-A91C-521573FB6130}" type="datetimeFigureOut">
               <a:rPr lang="en-US" smtClean="0"/>
-              <a:t>2022-02-22</a:t>
+              <a:t>2022-02-24</a:t>
             </a:fld>
             <a:endParaRPr lang="en-US"/>
           </a:p>
@@ -463,7 +465,7 @@
           <a:p>
             <a:fld id="{B7BC47D5-11D3-41CE-A91C-521573FB6130}" type="datetimeFigureOut">
               <a:rPr lang="en-US" smtClean="0"/>
-              <a:t>2022-02-22</a:t>
+              <a:t>2022-02-24</a:t>
             </a:fld>
             <a:endParaRPr lang="en-US"/>
           </a:p>
@@ -671,7 +673,7 @@
           <a:p>
             <a:fld id="{B7BC47D5-11D3-41CE-A91C-521573FB6130}" type="datetimeFigureOut">
               <a:rPr lang="en-US" smtClean="0"/>
-              <a:t>2022-02-22</a:t>
+              <a:t>2022-02-24</a:t>
             </a:fld>
             <a:endParaRPr lang="en-US"/>
           </a:p>
@@ -869,7 +871,7 @@
           <a:p>
             <a:fld id="{B7BC47D5-11D3-41CE-A91C-521573FB6130}" type="datetimeFigureOut">
               <a:rPr lang="en-US" smtClean="0"/>
-              <a:t>2022-02-22</a:t>
+              <a:t>2022-02-24</a:t>
             </a:fld>
             <a:endParaRPr lang="en-US"/>
           </a:p>
@@ -1144,7 +1146,7 @@
           <a:p>
             <a:fld id="{B7BC47D5-11D3-41CE-A91C-521573FB6130}" type="datetimeFigureOut">
               <a:rPr lang="en-US" smtClean="0"/>
-              <a:t>2022-02-22</a:t>
+              <a:t>2022-02-24</a:t>
             </a:fld>
             <a:endParaRPr lang="en-US"/>
           </a:p>
@@ -1409,7 +1411,7 @@
           <a:p>
             <a:fld id="{B7BC47D5-11D3-41CE-A91C-521573FB6130}" type="datetimeFigureOut">
               <a:rPr lang="en-US" smtClean="0"/>
-              <a:t>2022-02-22</a:t>
+              <a:t>2022-02-24</a:t>
             </a:fld>
             <a:endParaRPr lang="en-US"/>
           </a:p>
@@ -1821,7 +1823,7 @@
           <a:p>
             <a:fld id="{B7BC47D5-11D3-41CE-A91C-521573FB6130}" type="datetimeFigureOut">
               <a:rPr lang="en-US" smtClean="0"/>
-              <a:t>2022-02-22</a:t>
+              <a:t>2022-02-24</a:t>
             </a:fld>
             <a:endParaRPr lang="en-US"/>
           </a:p>
@@ -1962,7 +1964,7 @@
           <a:p>
             <a:fld id="{B7BC47D5-11D3-41CE-A91C-521573FB6130}" type="datetimeFigureOut">
               <a:rPr lang="en-US" smtClean="0"/>
-              <a:t>2022-02-22</a:t>
+              <a:t>2022-02-24</a:t>
             </a:fld>
             <a:endParaRPr lang="en-US"/>
           </a:p>
@@ -2075,7 +2077,7 @@
           <a:p>
             <a:fld id="{B7BC47D5-11D3-41CE-A91C-521573FB6130}" type="datetimeFigureOut">
               <a:rPr lang="en-US" smtClean="0"/>
-              <a:t>2022-02-22</a:t>
+              <a:t>2022-02-24</a:t>
             </a:fld>
             <a:endParaRPr lang="en-US"/>
           </a:p>
@@ -2386,7 +2388,7 @@
           <a:p>
             <a:fld id="{B7BC47D5-11D3-41CE-A91C-521573FB6130}" type="datetimeFigureOut">
               <a:rPr lang="en-US" smtClean="0"/>
-              <a:t>2022-02-22</a:t>
+              <a:t>2022-02-24</a:t>
             </a:fld>
             <a:endParaRPr lang="en-US"/>
           </a:p>
@@ -2674,7 +2676,7 @@
           <a:p>
             <a:fld id="{B7BC47D5-11D3-41CE-A91C-521573FB6130}" type="datetimeFigureOut">
               <a:rPr lang="en-US" smtClean="0"/>
-              <a:t>2022-02-22</a:t>
+              <a:t>2022-02-24</a:t>
             </a:fld>
             <a:endParaRPr lang="en-US"/>
           </a:p>
@@ -2915,7 +2917,7 @@
           <a:p>
             <a:fld id="{B7BC47D5-11D3-41CE-A91C-521573FB6130}" type="datetimeFigureOut">
               <a:rPr lang="en-US" smtClean="0"/>
-              <a:t>2022-02-22</a:t>
+              <a:t>2022-02-24</a:t>
             </a:fld>
             <a:endParaRPr lang="en-US"/>
           </a:p>
@@ -6840,110 +6842,6 @@
           <a:chExt cx="0" cy="0"/>
         </a:xfrm>
       </p:grpSpPr>
-      <p:sp>
-        <p:nvSpPr>
-          <p:cNvPr id="3" name="Rectangle: Rounded Corners 2">
-            <a:extLst>
-              <a:ext uri="{FF2B5EF4-FFF2-40B4-BE49-F238E27FC236}">
-                <a16:creationId xmlns:a16="http://schemas.microsoft.com/office/drawing/2014/main" id="{DC8000E0-292C-44B2-84E7-68B940C37D65}"/>
-              </a:ext>
-            </a:extLst>
-          </p:cNvPr>
-          <p:cNvSpPr/>
-          <p:nvPr/>
-        </p:nvSpPr>
-        <p:spPr>
-          <a:xfrm>
-            <a:off x="7877700" y="818272"/>
-            <a:ext cx="3619187" cy="2996381"/>
-          </a:xfrm>
-          <a:prstGeom prst="roundRect">
-            <a:avLst/>
-          </a:prstGeom>
-          <a:noFill/>
-          <a:ln w="9525" cap="rnd" cmpd="sng" algn="ctr">
-            <a:solidFill>
-              <a:schemeClr val="accent2"/>
-            </a:solidFill>
-            <a:prstDash val="solid"/>
-            <a:round/>
-            <a:headEnd type="none" w="med" len="med"/>
-            <a:tailEnd type="none" w="med" len="med"/>
-          </a:ln>
-          <a:effectLst/>
-        </p:spPr>
-        <p:style>
-          <a:lnRef idx="0">
-            <a:scrgbClr r="0" g="0" b="0"/>
-          </a:lnRef>
-          <a:fillRef idx="0">
-            <a:scrgbClr r="0" g="0" b="0"/>
-          </a:fillRef>
-          <a:effectRef idx="0">
-            <a:scrgbClr r="0" g="0" b="0"/>
-          </a:effectRef>
-          <a:fontRef idx="minor">
-            <a:schemeClr val="accent2"/>
-          </a:fontRef>
-        </p:style>
-        <p:txBody>
-          <a:bodyPr rtlCol="0" anchor="ctr"/>
-          <a:lstStyle/>
-          <a:p>
-            <a:pPr algn="ctr"/>
-            <a:endParaRPr lang="en-US"/>
-          </a:p>
-        </p:txBody>
-      </p:sp>
-      <p:sp>
-        <p:nvSpPr>
-          <p:cNvPr id="32" name="TextBox 31">
-            <a:extLst>
-              <a:ext uri="{FF2B5EF4-FFF2-40B4-BE49-F238E27FC236}">
-                <a16:creationId xmlns:a16="http://schemas.microsoft.com/office/drawing/2014/main" id="{54BB9775-03D5-4805-82D9-B17831CDE3CE}"/>
-              </a:ext>
-            </a:extLst>
-          </p:cNvPr>
-          <p:cNvSpPr txBox="1"/>
-          <p:nvPr/>
-        </p:nvSpPr>
-        <p:spPr>
-          <a:xfrm>
-            <a:off x="7829367" y="415588"/>
-            <a:ext cx="1702454" cy="338554"/>
-          </a:xfrm>
-          <a:prstGeom prst="rect">
-            <a:avLst/>
-          </a:prstGeom>
-          <a:noFill/>
-        </p:spPr>
-        <p:txBody>
-          <a:bodyPr wrap="none" rtlCol="0">
-            <a:spAutoFit/>
-          </a:bodyPr>
-          <a:lstStyle/>
-          <a:p>
-            <a:r>
-              <a:rPr lang="en-US" sz="1600" dirty="0">
-                <a:solidFill>
-                  <a:schemeClr val="accent2">
-                    <a:lumMod val="75000"/>
-                  </a:schemeClr>
-                </a:solidFill>
-                <a:latin typeface="Abadi Extra Light" panose="020B0204020104020204" pitchFamily="34" charset="0"/>
-              </a:rPr>
-              <a:t>Blockchain storage</a:t>
-            </a:r>
-            <a:endParaRPr lang="en-US" sz="1600" dirty="0">
-              <a:solidFill>
-                <a:schemeClr val="accent2">
-                  <a:lumMod val="75000"/>
-                </a:schemeClr>
-              </a:solidFill>
-            </a:endParaRPr>
-          </a:p>
-        </p:txBody>
-      </p:sp>
       <p:pic>
         <p:nvPicPr>
           <p:cNvPr id="39" name="Content Placeholder 7" descr="Contract with solid fill">
@@ -11053,6 +10951,4964 @@
     <p:extLst>
       <p:ext uri="{BB962C8B-B14F-4D97-AF65-F5344CB8AC3E}">
         <p14:creationId xmlns:p14="http://schemas.microsoft.com/office/powerpoint/2010/main" val="2799101283"/>
+      </p:ext>
+    </p:extLst>
+  </p:cSld>
+  <p:clrMapOvr>
+    <a:masterClrMapping/>
+  </p:clrMapOvr>
+</p:sld>
+</file>
+
+<file path=ppt/slides/slide8.xml><?xml version="1.0" encoding="utf-8"?>
+<p:sld xmlns:a="http://schemas.openxmlformats.org/drawingml/2006/main" xmlns:r="http://schemas.openxmlformats.org/officeDocument/2006/relationships" xmlns:p="http://schemas.openxmlformats.org/presentationml/2006/main">
+  <p:cSld>
+    <p:spTree>
+      <p:nvGrpSpPr>
+        <p:cNvPr id="1" name=""/>
+        <p:cNvGrpSpPr/>
+        <p:nvPr/>
+      </p:nvGrpSpPr>
+      <p:grpSpPr>
+        <a:xfrm>
+          <a:off x="0" y="0"/>
+          <a:ext cx="0" cy="0"/>
+          <a:chOff x="0" y="0"/>
+          <a:chExt cx="0" cy="0"/>
+        </a:xfrm>
+      </p:grpSpPr>
+      <p:sp>
+        <p:nvSpPr>
+          <p:cNvPr id="8" name="TextBox 7">
+            <a:extLst>
+              <a:ext uri="{FF2B5EF4-FFF2-40B4-BE49-F238E27FC236}">
+                <a16:creationId xmlns:a16="http://schemas.microsoft.com/office/drawing/2014/main" id="{41335D32-EB37-4F5C-BA9E-737A15852CA1}"/>
+              </a:ext>
+            </a:extLst>
+          </p:cNvPr>
+          <p:cNvSpPr txBox="1"/>
+          <p:nvPr/>
+        </p:nvSpPr>
+        <p:spPr>
+          <a:xfrm>
+            <a:off x="12846" y="2613128"/>
+            <a:ext cx="3985771" cy="307777"/>
+          </a:xfrm>
+          <a:prstGeom prst="rect">
+            <a:avLst/>
+          </a:prstGeom>
+          <a:noFill/>
+        </p:spPr>
+        <p:txBody>
+          <a:bodyPr wrap="none" rtlCol="0">
+            <a:spAutoFit/>
+          </a:bodyPr>
+          <a:lstStyle/>
+          <a:p>
+            <a:r>
+              <a:rPr lang="en-US" sz="1400" dirty="0" err="1">
+                <a:solidFill>
+                  <a:srgbClr val="0070C0"/>
+                </a:solidFill>
+                <a:latin typeface="Abadi Extra Light" panose="020B0204020104020204" pitchFamily="34" charset="0"/>
+              </a:rPr>
+              <a:t>TendermintValidators</a:t>
+            </a:r>
+            <a:r>
+              <a:rPr lang="en-US" sz="1400" dirty="0">
+                <a:solidFill>
+                  <a:srgbClr val="0070C0"/>
+                </a:solidFill>
+                <a:latin typeface="Abadi Extra Light" panose="020B0204020104020204" pitchFamily="34" charset="0"/>
+              </a:rPr>
+              <a:t>&lt;</a:t>
+            </a:r>
+            <a:r>
+              <a:rPr lang="en-US" sz="1400" dirty="0">
+                <a:solidFill>
+                  <a:srgbClr val="FF00FF"/>
+                </a:solidFill>
+                <a:latin typeface="Abadi Extra Light" panose="020B0204020104020204" pitchFamily="34" charset="0"/>
+              </a:rPr>
+              <a:t>TendermintED25519Validator</a:t>
+            </a:r>
+            <a:r>
+              <a:rPr lang="en-US" sz="1400" dirty="0">
+                <a:solidFill>
+                  <a:srgbClr val="0070C0"/>
+                </a:solidFill>
+                <a:latin typeface="Abadi Extra Light" panose="020B0204020104020204" pitchFamily="34" charset="0"/>
+              </a:rPr>
+              <a:t>&gt;</a:t>
+            </a:r>
+            <a:endParaRPr lang="en-US" sz="1400" dirty="0">
+              <a:solidFill>
+                <a:srgbClr val="0070C0"/>
+              </a:solidFill>
+            </a:endParaRPr>
+          </a:p>
+        </p:txBody>
+      </p:sp>
+      <p:sp>
+        <p:nvSpPr>
+          <p:cNvPr id="9" name="TextBox 8">
+            <a:extLst>
+              <a:ext uri="{FF2B5EF4-FFF2-40B4-BE49-F238E27FC236}">
+                <a16:creationId xmlns:a16="http://schemas.microsoft.com/office/drawing/2014/main" id="{849B7B6A-C678-49BA-82CE-51AA33280A87}"/>
+              </a:ext>
+            </a:extLst>
+          </p:cNvPr>
+          <p:cNvSpPr txBox="1"/>
+          <p:nvPr/>
+        </p:nvSpPr>
+        <p:spPr>
+          <a:xfrm>
+            <a:off x="12846" y="1357783"/>
+            <a:ext cx="1869230" cy="307777"/>
+          </a:xfrm>
+          <a:prstGeom prst="rect">
+            <a:avLst/>
+          </a:prstGeom>
+          <a:noFill/>
+        </p:spPr>
+        <p:txBody>
+          <a:bodyPr wrap="none" rtlCol="0">
+            <a:spAutoFit/>
+          </a:bodyPr>
+          <a:lstStyle/>
+          <a:p>
+            <a:r>
+              <a:rPr lang="en-US" sz="1400" dirty="0">
+                <a:solidFill>
+                  <a:srgbClr val="0070C0"/>
+                </a:solidFill>
+                <a:latin typeface="Abadi Extra Light" panose="020B0204020104020204" pitchFamily="34" charset="0"/>
+              </a:rPr>
+              <a:t>  </a:t>
+            </a:r>
+            <a:r>
+              <a:rPr lang="en-US" sz="1400" dirty="0" err="1">
+                <a:solidFill>
+                  <a:srgbClr val="0070C0"/>
+                </a:solidFill>
+                <a:latin typeface="Abadi Extra Light" panose="020B0204020104020204" pitchFamily="34" charset="0"/>
+              </a:rPr>
+              <a:t>AbstractValidators</a:t>
+            </a:r>
+            <a:r>
+              <a:rPr lang="en-US" sz="1400" dirty="0">
+                <a:solidFill>
+                  <a:srgbClr val="0070C0"/>
+                </a:solidFill>
+                <a:latin typeface="Abadi Extra Light" panose="020B0204020104020204" pitchFamily="34" charset="0"/>
+              </a:rPr>
+              <a:t>&lt;</a:t>
+            </a:r>
+            <a:r>
+              <a:rPr lang="en-US" sz="1400" dirty="0">
+                <a:solidFill>
+                  <a:srgbClr val="FF00FF"/>
+                </a:solidFill>
+                <a:latin typeface="Abadi Extra Light" panose="020B0204020104020204" pitchFamily="34" charset="0"/>
+              </a:rPr>
+              <a:t>V</a:t>
+            </a:r>
+            <a:r>
+              <a:rPr lang="en-US" sz="1400" dirty="0">
+                <a:solidFill>
+                  <a:srgbClr val="0070C0"/>
+                </a:solidFill>
+                <a:latin typeface="Abadi Extra Light" panose="020B0204020104020204" pitchFamily="34" charset="0"/>
+              </a:rPr>
+              <a:t>&gt;</a:t>
+            </a:r>
+            <a:endParaRPr lang="en-US" sz="1400" dirty="0">
+              <a:solidFill>
+                <a:srgbClr val="0070C0"/>
+              </a:solidFill>
+            </a:endParaRPr>
+          </a:p>
+        </p:txBody>
+      </p:sp>
+      <p:cxnSp>
+        <p:nvCxnSpPr>
+          <p:cNvPr id="55" name="Straight Connector 54">
+            <a:extLst>
+              <a:ext uri="{FF2B5EF4-FFF2-40B4-BE49-F238E27FC236}">
+                <a16:creationId xmlns:a16="http://schemas.microsoft.com/office/drawing/2014/main" id="{56439B8A-1738-47C9-AEFD-5CB7E7321B7C}"/>
+              </a:ext>
+            </a:extLst>
+          </p:cNvPr>
+          <p:cNvCxnSpPr>
+            <a:cxnSpLocks/>
+          </p:cNvCxnSpPr>
+          <p:nvPr/>
+        </p:nvCxnSpPr>
+        <p:spPr>
+          <a:xfrm>
+            <a:off x="4295694" y="522726"/>
+            <a:ext cx="0" cy="5820409"/>
+          </a:xfrm>
+          <a:prstGeom prst="line">
+            <a:avLst/>
+          </a:prstGeom>
+        </p:spPr>
+        <p:style>
+          <a:lnRef idx="1">
+            <a:schemeClr val="accent1"/>
+          </a:lnRef>
+          <a:fillRef idx="0">
+            <a:schemeClr val="accent1"/>
+          </a:fillRef>
+          <a:effectRef idx="0">
+            <a:schemeClr val="accent1"/>
+          </a:effectRef>
+          <a:fontRef idx="minor">
+            <a:schemeClr val="tx1"/>
+          </a:fontRef>
+        </p:style>
+      </p:cxnSp>
+      <p:sp>
+        <p:nvSpPr>
+          <p:cNvPr id="56" name="TextBox 55">
+            <a:extLst>
+              <a:ext uri="{FF2B5EF4-FFF2-40B4-BE49-F238E27FC236}">
+                <a16:creationId xmlns:a16="http://schemas.microsoft.com/office/drawing/2014/main" id="{DD9D8A43-087F-4332-8486-14DA1FA96737}"/>
+              </a:ext>
+            </a:extLst>
+          </p:cNvPr>
+          <p:cNvSpPr txBox="1"/>
+          <p:nvPr/>
+        </p:nvSpPr>
+        <p:spPr>
+          <a:xfrm>
+            <a:off x="1232076" y="675284"/>
+            <a:ext cx="1040670" cy="307777"/>
+          </a:xfrm>
+          <a:prstGeom prst="rect">
+            <a:avLst/>
+          </a:prstGeom>
+          <a:noFill/>
+        </p:spPr>
+        <p:txBody>
+          <a:bodyPr wrap="none" rtlCol="0">
+            <a:spAutoFit/>
+          </a:bodyPr>
+          <a:lstStyle/>
+          <a:p>
+            <a:r>
+              <a:rPr lang="en-US" sz="1400" b="1" dirty="0">
+                <a:latin typeface="Abadi Extra Light" panose="020B0204020104020204" pitchFamily="34" charset="0"/>
+              </a:rPr>
+              <a:t>Source code</a:t>
+            </a:r>
+            <a:endParaRPr lang="en-US" sz="1400" b="1" dirty="0"/>
+          </a:p>
+        </p:txBody>
+      </p:sp>
+      <p:cxnSp>
+        <p:nvCxnSpPr>
+          <p:cNvPr id="58" name="Straight Connector 57">
+            <a:extLst>
+              <a:ext uri="{FF2B5EF4-FFF2-40B4-BE49-F238E27FC236}">
+                <a16:creationId xmlns:a16="http://schemas.microsoft.com/office/drawing/2014/main" id="{CF6209F8-4EA3-43D6-9429-B51AFFA8AC25}"/>
+              </a:ext>
+            </a:extLst>
+          </p:cNvPr>
+          <p:cNvCxnSpPr>
+            <a:cxnSpLocks/>
+          </p:cNvCxnSpPr>
+          <p:nvPr/>
+        </p:nvCxnSpPr>
+        <p:spPr>
+          <a:xfrm flipH="1" flipV="1">
+            <a:off x="86988" y="1050930"/>
+            <a:ext cx="11816688" cy="14843"/>
+          </a:xfrm>
+          <a:prstGeom prst="line">
+            <a:avLst/>
+          </a:prstGeom>
+        </p:spPr>
+        <p:style>
+          <a:lnRef idx="1">
+            <a:schemeClr val="accent1"/>
+          </a:lnRef>
+          <a:fillRef idx="0">
+            <a:schemeClr val="accent1"/>
+          </a:fillRef>
+          <a:effectRef idx="0">
+            <a:schemeClr val="accent1"/>
+          </a:effectRef>
+          <a:fontRef idx="minor">
+            <a:schemeClr val="tx1"/>
+          </a:fontRef>
+        </p:style>
+      </p:cxnSp>
+      <p:sp>
+        <p:nvSpPr>
+          <p:cNvPr id="61" name="TextBox 60">
+            <a:extLst>
+              <a:ext uri="{FF2B5EF4-FFF2-40B4-BE49-F238E27FC236}">
+                <a16:creationId xmlns:a16="http://schemas.microsoft.com/office/drawing/2014/main" id="{3A181743-C60A-4A3D-AF5F-6D6FD113C151}"/>
+              </a:ext>
+            </a:extLst>
+          </p:cNvPr>
+          <p:cNvSpPr txBox="1"/>
+          <p:nvPr/>
+        </p:nvSpPr>
+        <p:spPr>
+          <a:xfrm>
+            <a:off x="5886652" y="626172"/>
+            <a:ext cx="822661" cy="307777"/>
+          </a:xfrm>
+          <a:prstGeom prst="rect">
+            <a:avLst/>
+          </a:prstGeom>
+          <a:noFill/>
+        </p:spPr>
+        <p:txBody>
+          <a:bodyPr wrap="none" rtlCol="0">
+            <a:spAutoFit/>
+          </a:bodyPr>
+          <a:lstStyle/>
+          <a:p>
+            <a:r>
+              <a:rPr lang="en-US" sz="1400" b="1" dirty="0">
+                <a:latin typeface="Abadi Extra Light" panose="020B0204020104020204" pitchFamily="34" charset="0"/>
+              </a:rPr>
+              <a:t>Bytecode</a:t>
+            </a:r>
+            <a:endParaRPr lang="en-US" sz="1400" b="1" dirty="0"/>
+          </a:p>
+        </p:txBody>
+      </p:sp>
+      <p:cxnSp>
+        <p:nvCxnSpPr>
+          <p:cNvPr id="104" name="Straight Connector 103">
+            <a:extLst>
+              <a:ext uri="{FF2B5EF4-FFF2-40B4-BE49-F238E27FC236}">
+                <a16:creationId xmlns:a16="http://schemas.microsoft.com/office/drawing/2014/main" id="{7B2541CC-5093-4947-A3D4-3FA2E184AE99}"/>
+              </a:ext>
+            </a:extLst>
+          </p:cNvPr>
+          <p:cNvCxnSpPr>
+            <a:cxnSpLocks/>
+          </p:cNvCxnSpPr>
+          <p:nvPr/>
+        </p:nvCxnSpPr>
+        <p:spPr>
+          <a:xfrm flipV="1">
+            <a:off x="375141" y="1711511"/>
+            <a:ext cx="0" cy="936571"/>
+          </a:xfrm>
+          <a:prstGeom prst="line">
+            <a:avLst/>
+          </a:prstGeom>
+          <a:ln>
+            <a:headEnd type="none" w="med" len="med"/>
+            <a:tailEnd type="triangle" w="lg" len="lg"/>
+          </a:ln>
+        </p:spPr>
+        <p:style>
+          <a:lnRef idx="1">
+            <a:schemeClr val="accent5"/>
+          </a:lnRef>
+          <a:fillRef idx="0">
+            <a:schemeClr val="accent5"/>
+          </a:fillRef>
+          <a:effectRef idx="0">
+            <a:schemeClr val="accent5"/>
+          </a:effectRef>
+          <a:fontRef idx="minor">
+            <a:schemeClr val="tx1"/>
+          </a:fontRef>
+        </p:style>
+      </p:cxnSp>
+      <p:sp>
+        <p:nvSpPr>
+          <p:cNvPr id="145" name="TextBox 144">
+            <a:extLst>
+              <a:ext uri="{FF2B5EF4-FFF2-40B4-BE49-F238E27FC236}">
+                <a16:creationId xmlns:a16="http://schemas.microsoft.com/office/drawing/2014/main" id="{7C951330-1D4E-4904-9145-32EEDFCD35FB}"/>
+              </a:ext>
+            </a:extLst>
+          </p:cNvPr>
+          <p:cNvSpPr txBox="1"/>
+          <p:nvPr/>
+        </p:nvSpPr>
+        <p:spPr>
+          <a:xfrm>
+            <a:off x="4707501" y="5301567"/>
+            <a:ext cx="4109237" cy="340519"/>
+          </a:xfrm>
+          <a:prstGeom prst="roundRect">
+            <a:avLst/>
+          </a:prstGeom>
+        </p:spPr>
+        <p:style>
+          <a:lnRef idx="2">
+            <a:schemeClr val="accent6"/>
+          </a:lnRef>
+          <a:fillRef idx="1">
+            <a:schemeClr val="lt1"/>
+          </a:fillRef>
+          <a:effectRef idx="0">
+            <a:schemeClr val="accent6"/>
+          </a:effectRef>
+          <a:fontRef idx="minor">
+            <a:schemeClr val="dk1"/>
+          </a:fontRef>
+        </p:style>
+        <p:txBody>
+          <a:bodyPr wrap="square" rtlCol="0">
+            <a:spAutoFit/>
+          </a:bodyPr>
+          <a:lstStyle/>
+          <a:p>
+            <a:r>
+              <a:rPr lang="en-US" sz="1400" dirty="0">
+                <a:solidFill>
+                  <a:srgbClr val="C00000"/>
+                </a:solidFill>
+                <a:latin typeface="Abadi Extra Light" panose="020B0204020104020204" pitchFamily="34" charset="0"/>
+              </a:rPr>
+              <a:t>accept(</a:t>
+            </a:r>
+            <a:r>
+              <a:rPr kumimoji="0" lang="en-US" sz="1400" b="0" i="0" u="none" strike="noStrike" kern="1200" cap="none" spc="0" normalizeH="0" baseline="0" noProof="0" dirty="0" err="1">
+                <a:ln>
+                  <a:noFill/>
+                </a:ln>
+                <a:solidFill>
+                  <a:prstClr val="black">
+                    <a:lumMod val="75000"/>
+                    <a:lumOff val="25000"/>
+                  </a:prstClr>
+                </a:solidFill>
+                <a:effectLst/>
+                <a:uLnTx/>
+                <a:uFillTx/>
+                <a:latin typeface="Abadi Extra Light" panose="020B0204020104020204" pitchFamily="34" charset="0"/>
+                <a:cs typeface="Ayuthaya" pitchFamily="2" charset="-34"/>
+              </a:rPr>
+              <a:t>BigInteger</a:t>
+            </a:r>
+            <a:r>
+              <a:rPr kumimoji="0" lang="en-US" sz="1400" b="0" i="0" u="none" strike="noStrike" kern="1200" cap="none" spc="0" normalizeH="0" baseline="0" noProof="0" dirty="0">
+                <a:ln>
+                  <a:noFill/>
+                </a:ln>
+                <a:solidFill>
+                  <a:prstClr val="black">
+                    <a:lumMod val="75000"/>
+                    <a:lumOff val="25000"/>
+                  </a:prstClr>
+                </a:solidFill>
+                <a:effectLst/>
+                <a:uLnTx/>
+                <a:uFillTx/>
+                <a:latin typeface="Abadi Extra Light" panose="020B0204020104020204" pitchFamily="34" charset="0"/>
+                <a:cs typeface="Ayuthaya" pitchFamily="2" charset="-34"/>
+              </a:rPr>
+              <a:t>, </a:t>
+            </a:r>
+            <a:r>
+              <a:rPr lang="en-US" sz="1400" b="1" dirty="0" err="1">
+                <a:solidFill>
+                  <a:srgbClr val="FF0000"/>
+                </a:solidFill>
+                <a:latin typeface="Abadi Extra Light" panose="020B0204020104020204" pitchFamily="34" charset="0"/>
+                <a:cs typeface="Ayuthaya" pitchFamily="2" charset="-34"/>
+              </a:rPr>
+              <a:t>PayableContract</a:t>
+            </a:r>
+            <a:r>
+              <a:rPr kumimoji="0" lang="en-US" sz="1400" b="0" i="0" u="none" strike="noStrike" kern="1200" cap="none" spc="0" normalizeH="0" baseline="0" noProof="0" dirty="0">
+                <a:ln>
+                  <a:noFill/>
+                </a:ln>
+                <a:solidFill>
+                  <a:prstClr val="black">
+                    <a:lumMod val="75000"/>
+                    <a:lumOff val="25000"/>
+                  </a:prstClr>
+                </a:solidFill>
+                <a:effectLst/>
+                <a:uLnTx/>
+                <a:uFillTx/>
+                <a:latin typeface="Abadi Extra Light" panose="020B0204020104020204" pitchFamily="34" charset="0"/>
+                <a:cs typeface="Ayuthaya" pitchFamily="2" charset="-34"/>
+              </a:rPr>
+              <a:t>, Offer</a:t>
+            </a:r>
+            <a:r>
+              <a:rPr lang="en-US" sz="1400" dirty="0">
+                <a:solidFill>
+                  <a:srgbClr val="C00000"/>
+                </a:solidFill>
+                <a:latin typeface="Abadi Extra Light" panose="020B0204020104020204" pitchFamily="34" charset="0"/>
+              </a:rPr>
+              <a:t>)</a:t>
+            </a:r>
+            <a:endParaRPr lang="en-US" sz="1400" dirty="0">
+              <a:solidFill>
+                <a:schemeClr val="accent6">
+                  <a:lumMod val="75000"/>
+                </a:schemeClr>
+              </a:solidFill>
+            </a:endParaRPr>
+          </a:p>
+        </p:txBody>
+      </p:sp>
+      <p:pic>
+        <p:nvPicPr>
+          <p:cNvPr id="150" name="Graphic 149" descr="Binary with solid fill">
+            <a:extLst>
+              <a:ext uri="{FF2B5EF4-FFF2-40B4-BE49-F238E27FC236}">
+                <a16:creationId xmlns:a16="http://schemas.microsoft.com/office/drawing/2014/main" id="{CDFA61DD-BB0E-4657-901E-A3E094B5140F}"/>
+              </a:ext>
+            </a:extLst>
+          </p:cNvPr>
+          <p:cNvPicPr>
+            <a:picLocks noChangeAspect="1"/>
+          </p:cNvPicPr>
+          <p:nvPr/>
+        </p:nvPicPr>
+        <p:blipFill>
+          <a:blip r:embed="rId2">
+            <a:extLst>
+              <a:ext uri="{96DAC541-7B7A-43D3-8B79-37D633B846F1}">
+                <asvg:svgBlip xmlns:asvg="http://schemas.microsoft.com/office/drawing/2016/SVG/main" r:embed="rId3"/>
+              </a:ext>
+            </a:extLst>
+          </a:blip>
+          <a:stretch>
+            <a:fillRect/>
+          </a:stretch>
+        </p:blipFill>
+        <p:spPr>
+          <a:xfrm>
+            <a:off x="6872997" y="435162"/>
+            <a:ext cx="583337" cy="583337"/>
+          </a:xfrm>
+          <a:prstGeom prst="rect">
+            <a:avLst/>
+          </a:prstGeom>
+        </p:spPr>
+      </p:pic>
+      <p:pic>
+        <p:nvPicPr>
+          <p:cNvPr id="151" name="Graphic 150" descr="Programmer male with solid fill">
+            <a:extLst>
+              <a:ext uri="{FF2B5EF4-FFF2-40B4-BE49-F238E27FC236}">
+                <a16:creationId xmlns:a16="http://schemas.microsoft.com/office/drawing/2014/main" id="{10CF2F7B-281D-4CCE-93E7-4DB6D453355B}"/>
+              </a:ext>
+            </a:extLst>
+          </p:cNvPr>
+          <p:cNvPicPr>
+            <a:picLocks noChangeAspect="1"/>
+          </p:cNvPicPr>
+          <p:nvPr/>
+        </p:nvPicPr>
+        <p:blipFill>
+          <a:blip r:embed="rId4">
+            <a:extLst>
+              <a:ext uri="{96DAC541-7B7A-43D3-8B79-37D633B846F1}">
+                <asvg:svgBlip xmlns:asvg="http://schemas.microsoft.com/office/drawing/2016/SVG/main" r:embed="rId5"/>
+              </a:ext>
+            </a:extLst>
+          </a:blip>
+          <a:stretch>
+            <a:fillRect/>
+          </a:stretch>
+        </p:blipFill>
+        <p:spPr>
+          <a:xfrm>
+            <a:off x="2361559" y="447213"/>
+            <a:ext cx="583337" cy="583337"/>
+          </a:xfrm>
+          <a:prstGeom prst="rect">
+            <a:avLst/>
+          </a:prstGeom>
+        </p:spPr>
+      </p:pic>
+      <p:sp>
+        <p:nvSpPr>
+          <p:cNvPr id="37" name="TextBox 36">
+            <a:extLst>
+              <a:ext uri="{FF2B5EF4-FFF2-40B4-BE49-F238E27FC236}">
+                <a16:creationId xmlns:a16="http://schemas.microsoft.com/office/drawing/2014/main" id="{0388439A-AC36-4BAF-B58A-FCD364ADA969}"/>
+              </a:ext>
+            </a:extLst>
+          </p:cNvPr>
+          <p:cNvSpPr txBox="1"/>
+          <p:nvPr/>
+        </p:nvSpPr>
+        <p:spPr>
+          <a:xfrm>
+            <a:off x="678517" y="3972851"/>
+            <a:ext cx="3329522" cy="817245"/>
+          </a:xfrm>
+          <a:prstGeom prst="roundRect">
+            <a:avLst/>
+          </a:prstGeom>
+        </p:spPr>
+        <p:style>
+          <a:lnRef idx="2">
+            <a:schemeClr val="accent6"/>
+          </a:lnRef>
+          <a:fillRef idx="1">
+            <a:schemeClr val="lt1"/>
+          </a:fillRef>
+          <a:effectRef idx="0">
+            <a:schemeClr val="accent6"/>
+          </a:effectRef>
+          <a:fontRef idx="minor">
+            <a:schemeClr val="dk1"/>
+          </a:fontRef>
+        </p:style>
+        <p:txBody>
+          <a:bodyPr wrap="none" rtlCol="0">
+            <a:spAutoFit/>
+          </a:bodyPr>
+          <a:lstStyle/>
+          <a:p>
+            <a:r>
+              <a:rPr lang="en-US" sz="1400" dirty="0">
+                <a:solidFill>
+                  <a:srgbClr val="C00000"/>
+                </a:solidFill>
+                <a:latin typeface="Abadi Extra Light" panose="020B0204020104020204" pitchFamily="34" charset="0"/>
+              </a:rPr>
+              <a:t>accept(</a:t>
+            </a:r>
+            <a:r>
+              <a:rPr kumimoji="0" lang="en-US" sz="1400" b="0" i="0" u="none" strike="noStrike" kern="1200" cap="none" spc="0" normalizeH="0" baseline="0" noProof="0" dirty="0" err="1">
+                <a:ln>
+                  <a:noFill/>
+                </a:ln>
+                <a:solidFill>
+                  <a:prstClr val="black">
+                    <a:lumMod val="75000"/>
+                    <a:lumOff val="25000"/>
+                  </a:prstClr>
+                </a:solidFill>
+                <a:effectLst/>
+                <a:uLnTx/>
+                <a:uFillTx/>
+                <a:latin typeface="Abadi Extra Light" panose="020B0204020104020204" pitchFamily="34" charset="0"/>
+                <a:cs typeface="Ayuthaya" pitchFamily="2" charset="-34"/>
+              </a:rPr>
+              <a:t>BigInteger</a:t>
+            </a:r>
+            <a:r>
+              <a:rPr kumimoji="0" lang="en-US" sz="1400" b="0" i="0" u="none" strike="noStrike" kern="1200" cap="none" spc="0" normalizeH="0" baseline="0" noProof="0" dirty="0">
+                <a:ln>
+                  <a:noFill/>
+                </a:ln>
+                <a:solidFill>
+                  <a:prstClr val="black">
+                    <a:lumMod val="75000"/>
+                    <a:lumOff val="25000"/>
+                  </a:prstClr>
+                </a:solidFill>
+                <a:effectLst/>
+                <a:uLnTx/>
+                <a:uFillTx/>
+                <a:latin typeface="Abadi Extra Light" panose="020B0204020104020204" pitchFamily="34" charset="0"/>
+                <a:cs typeface="Ayuthaya" pitchFamily="2" charset="-34"/>
+              </a:rPr>
+              <a:t> amount, </a:t>
+            </a:r>
+            <a:br>
+              <a:rPr kumimoji="0" lang="en-US" sz="1400" b="0" i="0" u="none" strike="noStrike" kern="1200" cap="none" spc="0" normalizeH="0" baseline="0" noProof="0" dirty="0">
+                <a:ln>
+                  <a:noFill/>
+                </a:ln>
+                <a:solidFill>
+                  <a:prstClr val="black">
+                    <a:lumMod val="75000"/>
+                    <a:lumOff val="25000"/>
+                  </a:prstClr>
+                </a:solidFill>
+                <a:effectLst/>
+                <a:uLnTx/>
+                <a:uFillTx/>
+                <a:latin typeface="Abadi Extra Light" panose="020B0204020104020204" pitchFamily="34" charset="0"/>
+                <a:cs typeface="Ayuthaya" pitchFamily="2" charset="-34"/>
+              </a:rPr>
+            </a:br>
+            <a:r>
+              <a:rPr kumimoji="0" lang="en-US" sz="1400" b="0" i="0" u="none" strike="noStrike" kern="1200" cap="none" spc="0" normalizeH="0" baseline="0" noProof="0" dirty="0">
+                <a:ln>
+                  <a:noFill/>
+                </a:ln>
+                <a:solidFill>
+                  <a:prstClr val="black">
+                    <a:lumMod val="75000"/>
+                    <a:lumOff val="25000"/>
+                  </a:prstClr>
+                </a:solidFill>
+                <a:effectLst/>
+                <a:uLnTx/>
+                <a:uFillTx/>
+                <a:latin typeface="Abadi Extra Light" panose="020B0204020104020204" pitchFamily="34" charset="0"/>
+                <a:cs typeface="Ayuthaya" pitchFamily="2" charset="-34"/>
+              </a:rPr>
+              <a:t>          </a:t>
+            </a:r>
+            <a:r>
+              <a:rPr kumimoji="0" lang="en-US" sz="1400" b="1" i="0" u="none" strike="noStrike" kern="1200" cap="none" spc="0" normalizeH="0" baseline="0" noProof="0" dirty="0">
+                <a:ln>
+                  <a:noFill/>
+                </a:ln>
+                <a:solidFill>
+                  <a:srgbClr val="C00000"/>
+                </a:solidFill>
+                <a:effectLst/>
+                <a:uLnTx/>
+                <a:uFillTx/>
+                <a:latin typeface="Abadi Extra Light" panose="020B0204020104020204" pitchFamily="34" charset="0"/>
+                <a:cs typeface="Ayuthaya" pitchFamily="2" charset="-34"/>
+              </a:rPr>
+              <a:t>TendermintED25519Validator buyer</a:t>
+            </a:r>
+            <a:r>
+              <a:rPr kumimoji="0" lang="en-US" sz="1400" b="0" i="0" u="none" strike="noStrike" kern="1200" cap="none" spc="0" normalizeH="0" baseline="0" noProof="0" dirty="0">
+                <a:ln>
+                  <a:noFill/>
+                </a:ln>
+                <a:solidFill>
+                  <a:prstClr val="black">
+                    <a:lumMod val="75000"/>
+                    <a:lumOff val="25000"/>
+                  </a:prstClr>
+                </a:solidFill>
+                <a:effectLst/>
+                <a:uLnTx/>
+                <a:uFillTx/>
+                <a:latin typeface="Abadi Extra Light" panose="020B0204020104020204" pitchFamily="34" charset="0"/>
+                <a:cs typeface="Ayuthaya" pitchFamily="2" charset="-34"/>
+              </a:rPr>
+              <a:t>, </a:t>
+            </a:r>
+            <a:br>
+              <a:rPr kumimoji="0" lang="en-US" sz="1400" b="0" i="0" u="none" strike="noStrike" kern="1200" cap="none" spc="0" normalizeH="0" baseline="0" noProof="0" dirty="0">
+                <a:ln>
+                  <a:noFill/>
+                </a:ln>
+                <a:solidFill>
+                  <a:prstClr val="black">
+                    <a:lumMod val="75000"/>
+                    <a:lumOff val="25000"/>
+                  </a:prstClr>
+                </a:solidFill>
+                <a:effectLst/>
+                <a:uLnTx/>
+                <a:uFillTx/>
+                <a:latin typeface="Abadi Extra Light" panose="020B0204020104020204" pitchFamily="34" charset="0"/>
+                <a:cs typeface="Ayuthaya" pitchFamily="2" charset="-34"/>
+              </a:rPr>
+            </a:br>
+            <a:r>
+              <a:rPr kumimoji="0" lang="en-US" sz="1400" b="0" i="0" u="none" strike="noStrike" kern="1200" cap="none" spc="0" normalizeH="0" baseline="0" noProof="0" dirty="0">
+                <a:ln>
+                  <a:noFill/>
+                </a:ln>
+                <a:solidFill>
+                  <a:prstClr val="black">
+                    <a:lumMod val="75000"/>
+                    <a:lumOff val="25000"/>
+                  </a:prstClr>
+                </a:solidFill>
+                <a:effectLst/>
+                <a:uLnTx/>
+                <a:uFillTx/>
+                <a:latin typeface="Abadi Extra Light" panose="020B0204020104020204" pitchFamily="34" charset="0"/>
+                <a:cs typeface="Ayuthaya" pitchFamily="2" charset="-34"/>
+              </a:rPr>
+              <a:t>          O offer</a:t>
+            </a:r>
+            <a:r>
+              <a:rPr lang="en-US" sz="1400" dirty="0">
+                <a:solidFill>
+                  <a:srgbClr val="C00000"/>
+                </a:solidFill>
+                <a:latin typeface="Abadi Extra Light" panose="020B0204020104020204" pitchFamily="34" charset="0"/>
+              </a:rPr>
+              <a:t>)</a:t>
+            </a:r>
+            <a:endParaRPr lang="en-US" sz="1400" dirty="0">
+              <a:solidFill>
+                <a:schemeClr val="accent6">
+                  <a:lumMod val="75000"/>
+                </a:schemeClr>
+              </a:solidFill>
+            </a:endParaRPr>
+          </a:p>
+        </p:txBody>
+      </p:sp>
+      <p:sp>
+        <p:nvSpPr>
+          <p:cNvPr id="39" name="TextBox 38">
+            <a:extLst>
+              <a:ext uri="{FF2B5EF4-FFF2-40B4-BE49-F238E27FC236}">
+                <a16:creationId xmlns:a16="http://schemas.microsoft.com/office/drawing/2014/main" id="{A19CDBBC-A083-4DA7-937E-95C8892F6ADC}"/>
+              </a:ext>
+            </a:extLst>
+          </p:cNvPr>
+          <p:cNvSpPr txBox="1"/>
+          <p:nvPr/>
+        </p:nvSpPr>
+        <p:spPr>
+          <a:xfrm>
+            <a:off x="3260081" y="3791047"/>
+            <a:ext cx="944444" cy="340519"/>
+          </a:xfrm>
+          <a:prstGeom prst="roundRect">
+            <a:avLst/>
+          </a:prstGeom>
+          <a:solidFill>
+            <a:schemeClr val="accent6">
+              <a:lumMod val="20000"/>
+              <a:lumOff val="80000"/>
+            </a:schemeClr>
+          </a:solidFill>
+        </p:spPr>
+        <p:style>
+          <a:lnRef idx="2">
+            <a:schemeClr val="accent6"/>
+          </a:lnRef>
+          <a:fillRef idx="1">
+            <a:schemeClr val="lt1"/>
+          </a:fillRef>
+          <a:effectRef idx="0">
+            <a:schemeClr val="accent6"/>
+          </a:effectRef>
+          <a:fontRef idx="minor">
+            <a:schemeClr val="dk1"/>
+          </a:fontRef>
+        </p:style>
+        <p:txBody>
+          <a:bodyPr wrap="none" rtlCol="0">
+            <a:spAutoFit/>
+          </a:bodyPr>
+          <a:lstStyle/>
+          <a:p>
+            <a:r>
+              <a:rPr lang="en-US" sz="1400" dirty="0">
+                <a:solidFill>
+                  <a:schemeClr val="bg2">
+                    <a:lumMod val="10000"/>
+                  </a:schemeClr>
+                </a:solidFill>
+                <a:latin typeface="Abadi Extra Light" panose="020B0204020104020204" pitchFamily="34" charset="0"/>
+              </a:rPr>
+              <a:t>@Override</a:t>
+            </a:r>
+            <a:endParaRPr lang="en-US" sz="1400" dirty="0">
+              <a:solidFill>
+                <a:schemeClr val="bg2">
+                  <a:lumMod val="10000"/>
+                </a:schemeClr>
+              </a:solidFill>
+            </a:endParaRPr>
+          </a:p>
+        </p:txBody>
+      </p:sp>
+      <p:sp>
+        <p:nvSpPr>
+          <p:cNvPr id="41" name="TextBox 40">
+            <a:extLst>
+              <a:ext uri="{FF2B5EF4-FFF2-40B4-BE49-F238E27FC236}">
+                <a16:creationId xmlns:a16="http://schemas.microsoft.com/office/drawing/2014/main" id="{C9349635-BC5B-43B6-961A-4E3B4119C2C1}"/>
+              </a:ext>
+            </a:extLst>
+          </p:cNvPr>
+          <p:cNvSpPr txBox="1"/>
+          <p:nvPr/>
+        </p:nvSpPr>
+        <p:spPr>
+          <a:xfrm>
+            <a:off x="514772" y="4693507"/>
+            <a:ext cx="308640" cy="337542"/>
+          </a:xfrm>
+          <a:prstGeom prst="roundRect">
+            <a:avLst/>
+          </a:prstGeom>
+          <a:solidFill>
+            <a:schemeClr val="accent6">
+              <a:lumMod val="20000"/>
+              <a:lumOff val="80000"/>
+            </a:schemeClr>
+          </a:solidFill>
+          <a:ln>
+            <a:solidFill>
+              <a:schemeClr val="accent6">
+                <a:lumMod val="50000"/>
+              </a:schemeClr>
+            </a:solidFill>
+          </a:ln>
+        </p:spPr>
+        <p:style>
+          <a:lnRef idx="2">
+            <a:schemeClr val="accent3"/>
+          </a:lnRef>
+          <a:fillRef idx="1">
+            <a:schemeClr val="lt1"/>
+          </a:fillRef>
+          <a:effectRef idx="0">
+            <a:schemeClr val="accent3"/>
+          </a:effectRef>
+          <a:fontRef idx="minor">
+            <a:schemeClr val="dk1"/>
+          </a:fontRef>
+        </p:style>
+        <p:txBody>
+          <a:bodyPr wrap="square" rtlCol="0">
+            <a:spAutoFit/>
+          </a:bodyPr>
+          <a:lstStyle/>
+          <a:p>
+            <a:pPr algn="ctr"/>
+            <a:r>
+              <a:rPr lang="en-US" sz="1400" dirty="0">
+                <a:solidFill>
+                  <a:schemeClr val="tx1"/>
+                </a:solidFill>
+                <a:latin typeface="Abadi Extra Light" panose="020B0204020104020204" pitchFamily="34" charset="0"/>
+              </a:rPr>
+              <a:t>2</a:t>
+            </a:r>
+            <a:endParaRPr lang="en-US" sz="1400" dirty="0">
+              <a:solidFill>
+                <a:schemeClr val="tx1"/>
+              </a:solidFill>
+            </a:endParaRPr>
+          </a:p>
+        </p:txBody>
+      </p:sp>
+      <p:sp>
+        <p:nvSpPr>
+          <p:cNvPr id="42" name="TextBox 41">
+            <a:extLst>
+              <a:ext uri="{FF2B5EF4-FFF2-40B4-BE49-F238E27FC236}">
+                <a16:creationId xmlns:a16="http://schemas.microsoft.com/office/drawing/2014/main" id="{57AB89A3-A382-495B-A80A-B4B9F3E97913}"/>
+              </a:ext>
+            </a:extLst>
+          </p:cNvPr>
+          <p:cNvSpPr txBox="1"/>
+          <p:nvPr/>
+        </p:nvSpPr>
+        <p:spPr>
+          <a:xfrm>
+            <a:off x="4550636" y="5597782"/>
+            <a:ext cx="308640" cy="337542"/>
+          </a:xfrm>
+          <a:prstGeom prst="roundRect">
+            <a:avLst/>
+          </a:prstGeom>
+          <a:solidFill>
+            <a:schemeClr val="accent6">
+              <a:lumMod val="20000"/>
+              <a:lumOff val="80000"/>
+            </a:schemeClr>
+          </a:solidFill>
+          <a:ln>
+            <a:solidFill>
+              <a:schemeClr val="accent6">
+                <a:lumMod val="50000"/>
+              </a:schemeClr>
+            </a:solidFill>
+          </a:ln>
+        </p:spPr>
+        <p:style>
+          <a:lnRef idx="2">
+            <a:schemeClr val="accent3"/>
+          </a:lnRef>
+          <a:fillRef idx="1">
+            <a:schemeClr val="lt1"/>
+          </a:fillRef>
+          <a:effectRef idx="0">
+            <a:schemeClr val="accent3"/>
+          </a:effectRef>
+          <a:fontRef idx="minor">
+            <a:schemeClr val="dk1"/>
+          </a:fontRef>
+        </p:style>
+        <p:txBody>
+          <a:bodyPr wrap="square" rtlCol="0">
+            <a:spAutoFit/>
+          </a:bodyPr>
+          <a:lstStyle/>
+          <a:p>
+            <a:pPr algn="ctr"/>
+            <a:r>
+              <a:rPr lang="en-US" sz="1400" dirty="0">
+                <a:solidFill>
+                  <a:schemeClr val="tx1"/>
+                </a:solidFill>
+                <a:latin typeface="Abadi Extra Light" panose="020B0204020104020204" pitchFamily="34" charset="0"/>
+              </a:rPr>
+              <a:t>1</a:t>
+            </a:r>
+            <a:endParaRPr lang="en-US" sz="1400" dirty="0">
+              <a:solidFill>
+                <a:schemeClr val="tx1"/>
+              </a:solidFill>
+            </a:endParaRPr>
+          </a:p>
+        </p:txBody>
+      </p:sp>
+      <p:sp>
+        <p:nvSpPr>
+          <p:cNvPr id="43" name="TextBox 42">
+            <a:extLst>
+              <a:ext uri="{FF2B5EF4-FFF2-40B4-BE49-F238E27FC236}">
+                <a16:creationId xmlns:a16="http://schemas.microsoft.com/office/drawing/2014/main" id="{7752187A-3B8D-4F2F-9A1A-A5F2EAA00C86}"/>
+              </a:ext>
+            </a:extLst>
+          </p:cNvPr>
+          <p:cNvSpPr txBox="1"/>
+          <p:nvPr/>
+        </p:nvSpPr>
+        <p:spPr>
+          <a:xfrm>
+            <a:off x="4653038" y="3880136"/>
+            <a:ext cx="4163701" cy="340519"/>
+          </a:xfrm>
+          <a:prstGeom prst="roundRect">
+            <a:avLst/>
+          </a:prstGeom>
+        </p:spPr>
+        <p:style>
+          <a:lnRef idx="2">
+            <a:schemeClr val="accent6"/>
+          </a:lnRef>
+          <a:fillRef idx="1">
+            <a:schemeClr val="lt1"/>
+          </a:fillRef>
+          <a:effectRef idx="0">
+            <a:schemeClr val="accent6"/>
+          </a:effectRef>
+          <a:fontRef idx="minor">
+            <a:schemeClr val="dk1"/>
+          </a:fontRef>
+        </p:style>
+        <p:txBody>
+          <a:bodyPr wrap="square" rtlCol="0">
+            <a:spAutoFit/>
+          </a:bodyPr>
+          <a:lstStyle/>
+          <a:p>
+            <a:r>
+              <a:rPr lang="en-US" sz="1400" dirty="0">
+                <a:solidFill>
+                  <a:srgbClr val="C00000"/>
+                </a:solidFill>
+                <a:latin typeface="Abadi Extra Light" panose="020B0204020104020204" pitchFamily="34" charset="0"/>
+              </a:rPr>
+              <a:t>accept(</a:t>
+            </a:r>
+            <a:r>
+              <a:rPr kumimoji="0" lang="en-US" sz="1400" b="0" i="0" u="none" strike="noStrike" kern="1200" cap="none" spc="0" normalizeH="0" baseline="0" noProof="0" dirty="0" err="1">
+                <a:ln>
+                  <a:noFill/>
+                </a:ln>
+                <a:solidFill>
+                  <a:prstClr val="black">
+                    <a:lumMod val="75000"/>
+                    <a:lumOff val="25000"/>
+                  </a:prstClr>
+                </a:solidFill>
+                <a:effectLst/>
+                <a:uLnTx/>
+                <a:uFillTx/>
+                <a:latin typeface="Abadi Extra Light" panose="020B0204020104020204" pitchFamily="34" charset="0"/>
+                <a:cs typeface="Ayuthaya" pitchFamily="2" charset="-34"/>
+              </a:rPr>
+              <a:t>BigInteger</a:t>
+            </a:r>
+            <a:r>
+              <a:rPr kumimoji="0" lang="en-US" sz="1400" b="0" i="0" u="none" strike="noStrike" kern="1200" cap="none" spc="0" normalizeH="0" baseline="0" noProof="0" dirty="0">
+                <a:ln>
+                  <a:noFill/>
+                </a:ln>
+                <a:solidFill>
+                  <a:prstClr val="black">
+                    <a:lumMod val="75000"/>
+                    <a:lumOff val="25000"/>
+                  </a:prstClr>
+                </a:solidFill>
+                <a:effectLst/>
+                <a:uLnTx/>
+                <a:uFillTx/>
+                <a:latin typeface="Abadi Extra Light" panose="020B0204020104020204" pitchFamily="34" charset="0"/>
+                <a:cs typeface="Ayuthaya" pitchFamily="2" charset="-34"/>
+              </a:rPr>
+              <a:t>, </a:t>
+            </a:r>
+            <a:r>
+              <a:rPr lang="en-US" sz="1400" b="1" dirty="0">
+                <a:solidFill>
+                  <a:srgbClr val="FF0000"/>
+                </a:solidFill>
+                <a:latin typeface="Abadi Extra Light" panose="020B0204020104020204" pitchFamily="34" charset="0"/>
+                <a:cs typeface="Ayuthaya" pitchFamily="2" charset="-34"/>
+              </a:rPr>
+              <a:t>TendermintED25519Validator</a:t>
+            </a:r>
+            <a:r>
+              <a:rPr kumimoji="0" lang="en-US" sz="1400" b="0" i="0" u="none" strike="noStrike" kern="1200" cap="none" spc="0" normalizeH="0" baseline="0" noProof="0" dirty="0">
+                <a:ln>
+                  <a:noFill/>
+                </a:ln>
+                <a:solidFill>
+                  <a:prstClr val="black">
+                    <a:lumMod val="75000"/>
+                    <a:lumOff val="25000"/>
+                  </a:prstClr>
+                </a:solidFill>
+                <a:effectLst/>
+                <a:uLnTx/>
+                <a:uFillTx/>
+                <a:latin typeface="Abadi Extra Light" panose="020B0204020104020204" pitchFamily="34" charset="0"/>
+                <a:cs typeface="Ayuthaya" pitchFamily="2" charset="-34"/>
+              </a:rPr>
+              <a:t>, Offer</a:t>
+            </a:r>
+            <a:r>
+              <a:rPr lang="en-US" sz="1400" dirty="0">
+                <a:solidFill>
+                  <a:srgbClr val="C00000"/>
+                </a:solidFill>
+                <a:latin typeface="Abadi Extra Light" panose="020B0204020104020204" pitchFamily="34" charset="0"/>
+              </a:rPr>
+              <a:t>)</a:t>
+            </a:r>
+            <a:endParaRPr lang="en-US" sz="1400" dirty="0">
+              <a:solidFill>
+                <a:schemeClr val="accent6">
+                  <a:lumMod val="75000"/>
+                </a:schemeClr>
+              </a:solidFill>
+            </a:endParaRPr>
+          </a:p>
+        </p:txBody>
+      </p:sp>
+      <p:sp>
+        <p:nvSpPr>
+          <p:cNvPr id="44" name="TextBox 43">
+            <a:extLst>
+              <a:ext uri="{FF2B5EF4-FFF2-40B4-BE49-F238E27FC236}">
+                <a16:creationId xmlns:a16="http://schemas.microsoft.com/office/drawing/2014/main" id="{2C7053F8-E35C-4C4A-BE8E-83DA7FF68186}"/>
+              </a:ext>
+            </a:extLst>
+          </p:cNvPr>
+          <p:cNvSpPr txBox="1"/>
+          <p:nvPr/>
+        </p:nvSpPr>
+        <p:spPr>
+          <a:xfrm>
+            <a:off x="4498719" y="4168396"/>
+            <a:ext cx="308640" cy="337542"/>
+          </a:xfrm>
+          <a:prstGeom prst="roundRect">
+            <a:avLst/>
+          </a:prstGeom>
+          <a:solidFill>
+            <a:schemeClr val="accent6">
+              <a:lumMod val="20000"/>
+              <a:lumOff val="80000"/>
+            </a:schemeClr>
+          </a:solidFill>
+          <a:ln>
+            <a:solidFill>
+              <a:schemeClr val="accent6">
+                <a:lumMod val="50000"/>
+              </a:schemeClr>
+            </a:solidFill>
+          </a:ln>
+        </p:spPr>
+        <p:style>
+          <a:lnRef idx="2">
+            <a:schemeClr val="accent3"/>
+          </a:lnRef>
+          <a:fillRef idx="1">
+            <a:schemeClr val="lt1"/>
+          </a:fillRef>
+          <a:effectRef idx="0">
+            <a:schemeClr val="accent3"/>
+          </a:effectRef>
+          <a:fontRef idx="minor">
+            <a:schemeClr val="dk1"/>
+          </a:fontRef>
+        </p:style>
+        <p:txBody>
+          <a:bodyPr wrap="square" rtlCol="0">
+            <a:spAutoFit/>
+          </a:bodyPr>
+          <a:lstStyle/>
+          <a:p>
+            <a:pPr algn="ctr"/>
+            <a:r>
+              <a:rPr lang="en-US" sz="1400" dirty="0">
+                <a:solidFill>
+                  <a:schemeClr val="tx1"/>
+                </a:solidFill>
+                <a:latin typeface="Abadi Extra Light" panose="020B0204020104020204" pitchFamily="34" charset="0"/>
+              </a:rPr>
+              <a:t>2</a:t>
+            </a:r>
+            <a:endParaRPr lang="en-US" sz="1400" dirty="0">
+              <a:solidFill>
+                <a:schemeClr val="tx1"/>
+              </a:solidFill>
+            </a:endParaRPr>
+          </a:p>
+        </p:txBody>
+      </p:sp>
+      <p:sp>
+        <p:nvSpPr>
+          <p:cNvPr id="45" name="TextBox 44">
+            <a:extLst>
+              <a:ext uri="{FF2B5EF4-FFF2-40B4-BE49-F238E27FC236}">
+                <a16:creationId xmlns:a16="http://schemas.microsoft.com/office/drawing/2014/main" id="{125A4382-719B-46B6-9C03-099EEA2F90D0}"/>
+              </a:ext>
+            </a:extLst>
+          </p:cNvPr>
+          <p:cNvSpPr txBox="1"/>
+          <p:nvPr/>
+        </p:nvSpPr>
+        <p:spPr>
+          <a:xfrm>
+            <a:off x="5349563" y="4842624"/>
+            <a:ext cx="3029034" cy="307777"/>
+          </a:xfrm>
+          <a:prstGeom prst="rect">
+            <a:avLst/>
+          </a:prstGeom>
+          <a:noFill/>
+        </p:spPr>
+        <p:txBody>
+          <a:bodyPr wrap="none" rtlCol="0">
+            <a:spAutoFit/>
+          </a:bodyPr>
+          <a:lstStyle/>
+          <a:p>
+            <a:r>
+              <a:rPr lang="en-US" sz="1400" dirty="0" err="1">
+                <a:solidFill>
+                  <a:srgbClr val="FF00FF"/>
+                </a:solidFill>
+                <a:latin typeface="Abadi Extra Light" panose="020B0204020104020204" pitchFamily="34" charset="0"/>
+              </a:rPr>
+              <a:t>checkcast</a:t>
+            </a:r>
+            <a:r>
+              <a:rPr lang="en-US" sz="1400" dirty="0">
+                <a:solidFill>
+                  <a:srgbClr val="FF00FF"/>
+                </a:solidFill>
+                <a:latin typeface="Abadi Extra Light" panose="020B0204020104020204" pitchFamily="34" charset="0"/>
+              </a:rPr>
+              <a:t> TendermintED25519Validator</a:t>
+            </a:r>
+            <a:endParaRPr lang="en-US" sz="1400" dirty="0">
+              <a:solidFill>
+                <a:srgbClr val="FF00FF"/>
+              </a:solidFill>
+            </a:endParaRPr>
+          </a:p>
+        </p:txBody>
+      </p:sp>
+      <p:cxnSp>
+        <p:nvCxnSpPr>
+          <p:cNvPr id="46" name="Straight Connector 45">
+            <a:extLst>
+              <a:ext uri="{FF2B5EF4-FFF2-40B4-BE49-F238E27FC236}">
+                <a16:creationId xmlns:a16="http://schemas.microsoft.com/office/drawing/2014/main" id="{288772BC-A357-4D67-912F-E826B68E61CB}"/>
+              </a:ext>
+            </a:extLst>
+          </p:cNvPr>
+          <p:cNvCxnSpPr>
+            <a:cxnSpLocks/>
+          </p:cNvCxnSpPr>
+          <p:nvPr/>
+        </p:nvCxnSpPr>
+        <p:spPr>
+          <a:xfrm flipV="1">
+            <a:off x="5298809" y="4281419"/>
+            <a:ext cx="0" cy="960421"/>
+          </a:xfrm>
+          <a:prstGeom prst="line">
+            <a:avLst/>
+          </a:prstGeom>
+          <a:ln>
+            <a:solidFill>
+              <a:srgbClr val="7030A0"/>
+            </a:solidFill>
+            <a:headEnd type="none" w="med" len="med"/>
+            <a:tailEnd type="triangle" w="lg" len="lg"/>
+          </a:ln>
+        </p:spPr>
+        <p:style>
+          <a:lnRef idx="1">
+            <a:schemeClr val="accent5"/>
+          </a:lnRef>
+          <a:fillRef idx="0">
+            <a:schemeClr val="accent5"/>
+          </a:fillRef>
+          <a:effectRef idx="0">
+            <a:schemeClr val="accent5"/>
+          </a:effectRef>
+          <a:fontRef idx="minor">
+            <a:schemeClr val="tx1"/>
+          </a:fontRef>
+        </p:style>
+      </p:cxnSp>
+      <p:sp>
+        <p:nvSpPr>
+          <p:cNvPr id="47" name="TextBox 46">
+            <a:extLst>
+              <a:ext uri="{FF2B5EF4-FFF2-40B4-BE49-F238E27FC236}">
+                <a16:creationId xmlns:a16="http://schemas.microsoft.com/office/drawing/2014/main" id="{E3AF43ED-7C41-4DEA-A748-6F02ED01806E}"/>
+              </a:ext>
+            </a:extLst>
+          </p:cNvPr>
+          <p:cNvSpPr txBox="1"/>
+          <p:nvPr/>
+        </p:nvSpPr>
+        <p:spPr>
+          <a:xfrm>
+            <a:off x="4331150" y="3421193"/>
+            <a:ext cx="3544625" cy="307777"/>
+          </a:xfrm>
+          <a:prstGeom prst="rect">
+            <a:avLst/>
+          </a:prstGeom>
+          <a:noFill/>
+        </p:spPr>
+        <p:txBody>
+          <a:bodyPr wrap="none" rtlCol="0">
+            <a:spAutoFit/>
+          </a:bodyPr>
+          <a:lstStyle/>
+          <a:p>
+            <a:r>
+              <a:rPr lang="en-US" sz="1400" dirty="0" err="1">
+                <a:solidFill>
+                  <a:srgbClr val="0070C0"/>
+                </a:solidFill>
+                <a:latin typeface="Abadi Extra Light" panose="020B0204020104020204" pitchFamily="34" charset="0"/>
+              </a:rPr>
+              <a:t>TendermintValidators</a:t>
+            </a:r>
+            <a:r>
+              <a:rPr lang="en-US" sz="1400" dirty="0">
+                <a:solidFill>
+                  <a:srgbClr val="0070C0"/>
+                </a:solidFill>
+                <a:latin typeface="Abadi Extra Light" panose="020B0204020104020204" pitchFamily="34" charset="0"/>
+              </a:rPr>
+              <a:t> extends </a:t>
+            </a:r>
+            <a:r>
+              <a:rPr lang="en-US" sz="1400" dirty="0" err="1">
+                <a:solidFill>
+                  <a:srgbClr val="0070C0"/>
+                </a:solidFill>
+                <a:latin typeface="Abadi Extra Light" panose="020B0204020104020204" pitchFamily="34" charset="0"/>
+              </a:rPr>
+              <a:t>AbstractValidators</a:t>
+            </a:r>
+            <a:endParaRPr lang="en-US" sz="1400" dirty="0">
+              <a:solidFill>
+                <a:srgbClr val="0070C0"/>
+              </a:solidFill>
+            </a:endParaRPr>
+          </a:p>
+        </p:txBody>
+      </p:sp>
+      <p:sp>
+        <p:nvSpPr>
+          <p:cNvPr id="48" name="TextBox 47">
+            <a:extLst>
+              <a:ext uri="{FF2B5EF4-FFF2-40B4-BE49-F238E27FC236}">
+                <a16:creationId xmlns:a16="http://schemas.microsoft.com/office/drawing/2014/main" id="{E1A4E613-335C-4E5A-AE08-D61E18C8515C}"/>
+              </a:ext>
+            </a:extLst>
+          </p:cNvPr>
+          <p:cNvSpPr txBox="1"/>
+          <p:nvPr/>
+        </p:nvSpPr>
+        <p:spPr>
+          <a:xfrm>
+            <a:off x="5368229" y="4576445"/>
+            <a:ext cx="1042080" cy="307777"/>
+          </a:xfrm>
+          <a:prstGeom prst="rect">
+            <a:avLst/>
+          </a:prstGeom>
+          <a:noFill/>
+        </p:spPr>
+        <p:txBody>
+          <a:bodyPr wrap="none" rtlCol="0">
+            <a:spAutoFit/>
+          </a:bodyPr>
+          <a:lstStyle/>
+          <a:p>
+            <a:r>
+              <a:rPr lang="en-US" sz="1400" dirty="0" err="1">
+                <a:latin typeface="Abadi Extra Light" panose="020B0204020104020204" pitchFamily="34" charset="0"/>
+              </a:rPr>
+              <a:t>invokevirtual</a:t>
+            </a:r>
+            <a:endParaRPr lang="en-US" sz="1400" dirty="0"/>
+          </a:p>
+        </p:txBody>
+      </p:sp>
+      <p:cxnSp>
+        <p:nvCxnSpPr>
+          <p:cNvPr id="49" name="Straight Connector 48">
+            <a:extLst>
+              <a:ext uri="{FF2B5EF4-FFF2-40B4-BE49-F238E27FC236}">
+                <a16:creationId xmlns:a16="http://schemas.microsoft.com/office/drawing/2014/main" id="{F52D2858-525D-4B38-9240-2E449860EA6C}"/>
+              </a:ext>
+            </a:extLst>
+          </p:cNvPr>
+          <p:cNvCxnSpPr>
+            <a:cxnSpLocks/>
+          </p:cNvCxnSpPr>
+          <p:nvPr/>
+        </p:nvCxnSpPr>
+        <p:spPr>
+          <a:xfrm flipV="1">
+            <a:off x="8404474" y="2112721"/>
+            <a:ext cx="0" cy="1725602"/>
+          </a:xfrm>
+          <a:prstGeom prst="line">
+            <a:avLst/>
+          </a:prstGeom>
+          <a:ln>
+            <a:solidFill>
+              <a:srgbClr val="7030A0"/>
+            </a:solidFill>
+            <a:headEnd type="none" w="med" len="med"/>
+            <a:tailEnd type="triangle" w="lg" len="lg"/>
+          </a:ln>
+        </p:spPr>
+        <p:style>
+          <a:lnRef idx="1">
+            <a:schemeClr val="accent5"/>
+          </a:lnRef>
+          <a:fillRef idx="0">
+            <a:schemeClr val="accent5"/>
+          </a:fillRef>
+          <a:effectRef idx="0">
+            <a:schemeClr val="accent5"/>
+          </a:effectRef>
+          <a:fontRef idx="minor">
+            <a:schemeClr val="tx1"/>
+          </a:fontRef>
+        </p:style>
+      </p:cxnSp>
+      <p:sp>
+        <p:nvSpPr>
+          <p:cNvPr id="50" name="TextBox 49">
+            <a:extLst>
+              <a:ext uri="{FF2B5EF4-FFF2-40B4-BE49-F238E27FC236}">
+                <a16:creationId xmlns:a16="http://schemas.microsoft.com/office/drawing/2014/main" id="{04526901-C52B-497F-8403-8ECC8559C5EA}"/>
+              </a:ext>
+            </a:extLst>
+          </p:cNvPr>
+          <p:cNvSpPr txBox="1"/>
+          <p:nvPr/>
+        </p:nvSpPr>
+        <p:spPr>
+          <a:xfrm>
+            <a:off x="678517" y="1711511"/>
+            <a:ext cx="3310816" cy="340519"/>
+          </a:xfrm>
+          <a:prstGeom prst="roundRect">
+            <a:avLst/>
+          </a:prstGeom>
+        </p:spPr>
+        <p:style>
+          <a:lnRef idx="2">
+            <a:schemeClr val="accent6"/>
+          </a:lnRef>
+          <a:fillRef idx="1">
+            <a:schemeClr val="lt1"/>
+          </a:fillRef>
+          <a:effectRef idx="0">
+            <a:schemeClr val="accent6"/>
+          </a:effectRef>
+          <a:fontRef idx="minor">
+            <a:schemeClr val="dk1"/>
+          </a:fontRef>
+        </p:style>
+        <p:txBody>
+          <a:bodyPr wrap="none" rtlCol="0">
+            <a:spAutoFit/>
+          </a:bodyPr>
+          <a:lstStyle/>
+          <a:p>
+            <a:r>
+              <a:rPr lang="en-US" sz="1400" dirty="0">
+                <a:solidFill>
+                  <a:srgbClr val="C00000"/>
+                </a:solidFill>
+                <a:latin typeface="Abadi Extra Light" panose="020B0204020104020204" pitchFamily="34" charset="0"/>
+              </a:rPr>
+              <a:t>accept(</a:t>
+            </a:r>
+            <a:r>
+              <a:rPr kumimoji="0" lang="en-US" sz="1400" b="0" i="0" u="none" strike="noStrike" kern="1200" cap="none" spc="0" normalizeH="0" baseline="0" noProof="0" dirty="0" err="1">
+                <a:ln>
+                  <a:noFill/>
+                </a:ln>
+                <a:solidFill>
+                  <a:prstClr val="black">
+                    <a:lumMod val="75000"/>
+                    <a:lumOff val="25000"/>
+                  </a:prstClr>
+                </a:solidFill>
+                <a:effectLst/>
+                <a:uLnTx/>
+                <a:uFillTx/>
+                <a:latin typeface="Abadi Extra Light" panose="020B0204020104020204" pitchFamily="34" charset="0"/>
+                <a:cs typeface="Ayuthaya" pitchFamily="2" charset="-34"/>
+              </a:rPr>
+              <a:t>BigInteger</a:t>
+            </a:r>
+            <a:r>
+              <a:rPr kumimoji="0" lang="en-US" sz="1400" b="0" i="0" u="none" strike="noStrike" kern="1200" cap="none" spc="0" normalizeH="0" baseline="0" noProof="0" dirty="0">
+                <a:ln>
+                  <a:noFill/>
+                </a:ln>
+                <a:solidFill>
+                  <a:prstClr val="black">
+                    <a:lumMod val="75000"/>
+                    <a:lumOff val="25000"/>
+                  </a:prstClr>
+                </a:solidFill>
+                <a:effectLst/>
+                <a:uLnTx/>
+                <a:uFillTx/>
+                <a:latin typeface="Abadi Extra Light" panose="020B0204020104020204" pitchFamily="34" charset="0"/>
+                <a:cs typeface="Ayuthaya" pitchFamily="2" charset="-34"/>
+              </a:rPr>
+              <a:t> amount, </a:t>
+            </a:r>
+            <a:r>
+              <a:rPr kumimoji="0" lang="en-US" sz="1400" b="1" i="0" u="none" strike="noStrike" kern="1200" cap="none" spc="0" normalizeH="0" baseline="0" noProof="0" dirty="0">
+                <a:ln>
+                  <a:noFill/>
+                </a:ln>
+                <a:solidFill>
+                  <a:srgbClr val="C00000"/>
+                </a:solidFill>
+                <a:effectLst/>
+                <a:uLnTx/>
+                <a:uFillTx/>
+                <a:latin typeface="Abadi Extra Light" panose="020B0204020104020204" pitchFamily="34" charset="0"/>
+                <a:cs typeface="Ayuthaya" pitchFamily="2" charset="-34"/>
+              </a:rPr>
+              <a:t>S buyer</a:t>
+            </a:r>
+            <a:r>
+              <a:rPr kumimoji="0" lang="en-US" sz="1400" b="0" i="0" u="none" strike="noStrike" kern="1200" cap="none" spc="0" normalizeH="0" baseline="0" noProof="0" dirty="0">
+                <a:ln>
+                  <a:noFill/>
+                </a:ln>
+                <a:solidFill>
+                  <a:prstClr val="black">
+                    <a:lumMod val="75000"/>
+                    <a:lumOff val="25000"/>
+                  </a:prstClr>
+                </a:solidFill>
+                <a:effectLst/>
+                <a:uLnTx/>
+                <a:uFillTx/>
+                <a:latin typeface="Abadi Extra Light" panose="020B0204020104020204" pitchFamily="34" charset="0"/>
+                <a:cs typeface="Ayuthaya" pitchFamily="2" charset="-34"/>
+              </a:rPr>
+              <a:t>, O offer</a:t>
+            </a:r>
+            <a:r>
+              <a:rPr lang="en-US" sz="1400" dirty="0">
+                <a:solidFill>
+                  <a:srgbClr val="C00000"/>
+                </a:solidFill>
+                <a:latin typeface="Abadi Extra Light" panose="020B0204020104020204" pitchFamily="34" charset="0"/>
+              </a:rPr>
+              <a:t>)</a:t>
+            </a:r>
+            <a:endParaRPr lang="en-US" sz="1400" dirty="0">
+              <a:solidFill>
+                <a:schemeClr val="accent6">
+                  <a:lumMod val="75000"/>
+                </a:schemeClr>
+              </a:solidFill>
+            </a:endParaRPr>
+          </a:p>
+        </p:txBody>
+      </p:sp>
+      <p:sp>
+        <p:nvSpPr>
+          <p:cNvPr id="51" name="TextBox 50">
+            <a:extLst>
+              <a:ext uri="{FF2B5EF4-FFF2-40B4-BE49-F238E27FC236}">
+                <a16:creationId xmlns:a16="http://schemas.microsoft.com/office/drawing/2014/main" id="{66E8F754-353D-464E-B90A-C83317B771D4}"/>
+              </a:ext>
+            </a:extLst>
+          </p:cNvPr>
+          <p:cNvSpPr txBox="1"/>
+          <p:nvPr/>
+        </p:nvSpPr>
+        <p:spPr>
+          <a:xfrm>
+            <a:off x="521297" y="2003999"/>
+            <a:ext cx="308640" cy="337542"/>
+          </a:xfrm>
+          <a:prstGeom prst="roundRect">
+            <a:avLst/>
+          </a:prstGeom>
+          <a:solidFill>
+            <a:schemeClr val="accent6">
+              <a:lumMod val="20000"/>
+              <a:lumOff val="80000"/>
+            </a:schemeClr>
+          </a:solidFill>
+          <a:ln>
+            <a:solidFill>
+              <a:schemeClr val="accent6">
+                <a:lumMod val="50000"/>
+              </a:schemeClr>
+            </a:solidFill>
+          </a:ln>
+        </p:spPr>
+        <p:style>
+          <a:lnRef idx="2">
+            <a:schemeClr val="accent3"/>
+          </a:lnRef>
+          <a:fillRef idx="1">
+            <a:schemeClr val="lt1"/>
+          </a:fillRef>
+          <a:effectRef idx="0">
+            <a:schemeClr val="accent3"/>
+          </a:effectRef>
+          <a:fontRef idx="minor">
+            <a:schemeClr val="dk1"/>
+          </a:fontRef>
+        </p:style>
+        <p:txBody>
+          <a:bodyPr wrap="square" rtlCol="0">
+            <a:spAutoFit/>
+          </a:bodyPr>
+          <a:lstStyle/>
+          <a:p>
+            <a:pPr algn="ctr"/>
+            <a:r>
+              <a:rPr lang="en-US" sz="1400" dirty="0">
+                <a:solidFill>
+                  <a:schemeClr val="tx1"/>
+                </a:solidFill>
+                <a:latin typeface="Abadi Extra Light" panose="020B0204020104020204" pitchFamily="34" charset="0"/>
+              </a:rPr>
+              <a:t>1</a:t>
+            </a:r>
+            <a:endParaRPr lang="en-US" sz="1400" dirty="0">
+              <a:solidFill>
+                <a:schemeClr val="tx1"/>
+              </a:solidFill>
+            </a:endParaRPr>
+          </a:p>
+        </p:txBody>
+      </p:sp>
+      <p:sp>
+        <p:nvSpPr>
+          <p:cNvPr id="54" name="TextBox 53">
+            <a:extLst>
+              <a:ext uri="{FF2B5EF4-FFF2-40B4-BE49-F238E27FC236}">
+                <a16:creationId xmlns:a16="http://schemas.microsoft.com/office/drawing/2014/main" id="{0D364845-2C1F-4F9A-B562-1E061BBCBE31}"/>
+              </a:ext>
+            </a:extLst>
+          </p:cNvPr>
+          <p:cNvSpPr txBox="1"/>
+          <p:nvPr/>
+        </p:nvSpPr>
+        <p:spPr>
+          <a:xfrm>
+            <a:off x="654945" y="2937885"/>
+            <a:ext cx="3329521" cy="340519"/>
+          </a:xfrm>
+          <a:prstGeom prst="roundRect">
+            <a:avLst/>
+          </a:prstGeom>
+        </p:spPr>
+        <p:style>
+          <a:lnRef idx="2">
+            <a:schemeClr val="accent6"/>
+          </a:lnRef>
+          <a:fillRef idx="1">
+            <a:schemeClr val="lt1"/>
+          </a:fillRef>
+          <a:effectRef idx="0">
+            <a:schemeClr val="accent6"/>
+          </a:effectRef>
+          <a:fontRef idx="minor">
+            <a:schemeClr val="dk1"/>
+          </a:fontRef>
+        </p:style>
+        <p:txBody>
+          <a:bodyPr wrap="square" rtlCol="0">
+            <a:spAutoFit/>
+          </a:bodyPr>
+          <a:lstStyle/>
+          <a:p>
+            <a:r>
+              <a:rPr lang="en-US" sz="1400" dirty="0">
+                <a:solidFill>
+                  <a:srgbClr val="C00000"/>
+                </a:solidFill>
+                <a:latin typeface="Abadi Extra Light" panose="020B0204020104020204" pitchFamily="34" charset="0"/>
+              </a:rPr>
+              <a:t>accept(</a:t>
+            </a:r>
+            <a:r>
+              <a:rPr kumimoji="0" lang="en-US" sz="1400" b="0" i="0" u="none" strike="noStrike" kern="1200" cap="none" spc="0" normalizeH="0" baseline="0" noProof="0" dirty="0" err="1">
+                <a:ln>
+                  <a:noFill/>
+                </a:ln>
+                <a:solidFill>
+                  <a:prstClr val="black">
+                    <a:lumMod val="75000"/>
+                    <a:lumOff val="25000"/>
+                  </a:prstClr>
+                </a:solidFill>
+                <a:effectLst/>
+                <a:uLnTx/>
+                <a:uFillTx/>
+                <a:latin typeface="Abadi Extra Light" panose="020B0204020104020204" pitchFamily="34" charset="0"/>
+                <a:cs typeface="Ayuthaya" pitchFamily="2" charset="-34"/>
+              </a:rPr>
+              <a:t>BigInteger</a:t>
+            </a:r>
+            <a:r>
+              <a:rPr kumimoji="0" lang="en-US" sz="1400" b="0" i="0" u="none" strike="noStrike" kern="1200" cap="none" spc="0" normalizeH="0" baseline="0" noProof="0" dirty="0">
+                <a:ln>
+                  <a:noFill/>
+                </a:ln>
+                <a:solidFill>
+                  <a:prstClr val="black">
+                    <a:lumMod val="75000"/>
+                    <a:lumOff val="25000"/>
+                  </a:prstClr>
+                </a:solidFill>
+                <a:effectLst/>
+                <a:uLnTx/>
+                <a:uFillTx/>
+                <a:latin typeface="Abadi Extra Light" panose="020B0204020104020204" pitchFamily="34" charset="0"/>
+                <a:cs typeface="Ayuthaya" pitchFamily="2" charset="-34"/>
+              </a:rPr>
+              <a:t> amount, </a:t>
+            </a:r>
+            <a:r>
+              <a:rPr kumimoji="0" lang="en-US" sz="1400" b="1" i="0" u="none" strike="noStrike" kern="1200" cap="none" spc="0" normalizeH="0" baseline="0" noProof="0" dirty="0">
+                <a:ln>
+                  <a:noFill/>
+                </a:ln>
+                <a:solidFill>
+                  <a:srgbClr val="C00000"/>
+                </a:solidFill>
+                <a:effectLst/>
+                <a:uLnTx/>
+                <a:uFillTx/>
+                <a:latin typeface="Abadi Extra Light" panose="020B0204020104020204" pitchFamily="34" charset="0"/>
+                <a:cs typeface="Ayuthaya" pitchFamily="2" charset="-34"/>
+              </a:rPr>
+              <a:t>S buyer</a:t>
+            </a:r>
+            <a:r>
+              <a:rPr kumimoji="0" lang="en-US" sz="1400" b="0" i="0" u="none" strike="noStrike" kern="1200" cap="none" spc="0" normalizeH="0" baseline="0" noProof="0" dirty="0">
+                <a:ln>
+                  <a:noFill/>
+                </a:ln>
+                <a:solidFill>
+                  <a:prstClr val="black">
+                    <a:lumMod val="75000"/>
+                    <a:lumOff val="25000"/>
+                  </a:prstClr>
+                </a:solidFill>
+                <a:effectLst/>
+                <a:uLnTx/>
+                <a:uFillTx/>
+                <a:latin typeface="Abadi Extra Light" panose="020B0204020104020204" pitchFamily="34" charset="0"/>
+                <a:cs typeface="Ayuthaya" pitchFamily="2" charset="-34"/>
+              </a:rPr>
+              <a:t>, O offer</a:t>
+            </a:r>
+            <a:r>
+              <a:rPr lang="en-US" sz="1400" dirty="0">
+                <a:solidFill>
+                  <a:srgbClr val="C00000"/>
+                </a:solidFill>
+                <a:latin typeface="Abadi Extra Light" panose="020B0204020104020204" pitchFamily="34" charset="0"/>
+              </a:rPr>
+              <a:t>)</a:t>
+            </a:r>
+            <a:endParaRPr lang="en-US" sz="1400" dirty="0">
+              <a:solidFill>
+                <a:schemeClr val="accent6">
+                  <a:lumMod val="75000"/>
+                </a:schemeClr>
+              </a:solidFill>
+            </a:endParaRPr>
+          </a:p>
+        </p:txBody>
+      </p:sp>
+      <p:sp>
+        <p:nvSpPr>
+          <p:cNvPr id="57" name="TextBox 56">
+            <a:extLst>
+              <a:ext uri="{FF2B5EF4-FFF2-40B4-BE49-F238E27FC236}">
+                <a16:creationId xmlns:a16="http://schemas.microsoft.com/office/drawing/2014/main" id="{123E029E-720D-48DD-81B0-B65C08D3F584}"/>
+              </a:ext>
+            </a:extLst>
+          </p:cNvPr>
+          <p:cNvSpPr txBox="1"/>
+          <p:nvPr/>
+        </p:nvSpPr>
+        <p:spPr>
+          <a:xfrm>
+            <a:off x="491422" y="3273490"/>
+            <a:ext cx="1167594" cy="340519"/>
+          </a:xfrm>
+          <a:prstGeom prst="roundRect">
+            <a:avLst/>
+          </a:prstGeom>
+          <a:solidFill>
+            <a:schemeClr val="accent6">
+              <a:lumMod val="20000"/>
+              <a:lumOff val="80000"/>
+            </a:schemeClr>
+          </a:solidFill>
+          <a:ln>
+            <a:solidFill>
+              <a:schemeClr val="accent6">
+                <a:lumMod val="50000"/>
+              </a:schemeClr>
+            </a:solidFill>
+          </a:ln>
+        </p:spPr>
+        <p:style>
+          <a:lnRef idx="2">
+            <a:schemeClr val="accent3"/>
+          </a:lnRef>
+          <a:fillRef idx="1">
+            <a:schemeClr val="lt1"/>
+          </a:fillRef>
+          <a:effectRef idx="0">
+            <a:schemeClr val="accent3"/>
+          </a:effectRef>
+          <a:fontRef idx="minor">
+            <a:schemeClr val="dk1"/>
+          </a:fontRef>
+        </p:style>
+        <p:txBody>
+          <a:bodyPr wrap="square" rtlCol="0">
+            <a:spAutoFit/>
+          </a:bodyPr>
+          <a:lstStyle/>
+          <a:p>
+            <a:pPr algn="ctr"/>
+            <a:r>
+              <a:rPr lang="en-US" sz="1400" dirty="0">
+                <a:solidFill>
+                  <a:schemeClr val="tx1"/>
+                </a:solidFill>
+                <a:latin typeface="Abadi Extra Light" panose="020B0204020104020204" pitchFamily="34" charset="0"/>
+              </a:rPr>
+              <a:t>1inherited</a:t>
+            </a:r>
+            <a:endParaRPr lang="en-US" sz="1400" dirty="0">
+              <a:solidFill>
+                <a:schemeClr val="tx1"/>
+              </a:solidFill>
+            </a:endParaRPr>
+          </a:p>
+        </p:txBody>
+      </p:sp>
+      <p:sp>
+        <p:nvSpPr>
+          <p:cNvPr id="59" name="TextBox 58">
+            <a:extLst>
+              <a:ext uri="{FF2B5EF4-FFF2-40B4-BE49-F238E27FC236}">
+                <a16:creationId xmlns:a16="http://schemas.microsoft.com/office/drawing/2014/main" id="{56B5993F-4C3F-49BD-88BD-77F0A28BB07C}"/>
+              </a:ext>
+            </a:extLst>
+          </p:cNvPr>
+          <p:cNvSpPr txBox="1"/>
+          <p:nvPr/>
+        </p:nvSpPr>
+        <p:spPr>
+          <a:xfrm>
+            <a:off x="4328604" y="1357783"/>
+            <a:ext cx="1434816" cy="307777"/>
+          </a:xfrm>
+          <a:prstGeom prst="rect">
+            <a:avLst/>
+          </a:prstGeom>
+          <a:noFill/>
+        </p:spPr>
+        <p:txBody>
+          <a:bodyPr wrap="none" rtlCol="0">
+            <a:spAutoFit/>
+          </a:bodyPr>
+          <a:lstStyle/>
+          <a:p>
+            <a:r>
+              <a:rPr lang="en-US" sz="1400" dirty="0" err="1">
+                <a:solidFill>
+                  <a:srgbClr val="0070C0"/>
+                </a:solidFill>
+                <a:latin typeface="Abadi Extra Light" panose="020B0204020104020204" pitchFamily="34" charset="0"/>
+              </a:rPr>
+              <a:t>AbstractValidators</a:t>
+            </a:r>
+            <a:endParaRPr lang="en-US" sz="1400" dirty="0">
+              <a:solidFill>
+                <a:srgbClr val="0070C0"/>
+              </a:solidFill>
+            </a:endParaRPr>
+          </a:p>
+        </p:txBody>
+      </p:sp>
+      <p:sp>
+        <p:nvSpPr>
+          <p:cNvPr id="60" name="TextBox 59">
+            <a:extLst>
+              <a:ext uri="{FF2B5EF4-FFF2-40B4-BE49-F238E27FC236}">
+                <a16:creationId xmlns:a16="http://schemas.microsoft.com/office/drawing/2014/main" id="{60AC631A-5CEA-4F33-B241-DE9BE1448007}"/>
+              </a:ext>
+            </a:extLst>
+          </p:cNvPr>
+          <p:cNvSpPr txBox="1"/>
+          <p:nvPr/>
+        </p:nvSpPr>
+        <p:spPr>
+          <a:xfrm>
+            <a:off x="4653038" y="1738150"/>
+            <a:ext cx="4163703" cy="340519"/>
+          </a:xfrm>
+          <a:prstGeom prst="roundRect">
+            <a:avLst/>
+          </a:prstGeom>
+        </p:spPr>
+        <p:style>
+          <a:lnRef idx="2">
+            <a:schemeClr val="accent6"/>
+          </a:lnRef>
+          <a:fillRef idx="1">
+            <a:schemeClr val="lt1"/>
+          </a:fillRef>
+          <a:effectRef idx="0">
+            <a:schemeClr val="accent6"/>
+          </a:effectRef>
+          <a:fontRef idx="minor">
+            <a:schemeClr val="dk1"/>
+          </a:fontRef>
+        </p:style>
+        <p:txBody>
+          <a:bodyPr wrap="square" rtlCol="0">
+            <a:spAutoFit/>
+          </a:bodyPr>
+          <a:lstStyle/>
+          <a:p>
+            <a:r>
+              <a:rPr lang="en-US" sz="1400" dirty="0">
+                <a:solidFill>
+                  <a:srgbClr val="C00000"/>
+                </a:solidFill>
+                <a:latin typeface="Abadi Extra Light" panose="020B0204020104020204" pitchFamily="34" charset="0"/>
+              </a:rPr>
+              <a:t>accept(</a:t>
+            </a:r>
+            <a:r>
+              <a:rPr kumimoji="0" lang="en-US" sz="1400" b="0" i="0" u="none" strike="noStrike" kern="1200" cap="none" spc="0" normalizeH="0" baseline="0" noProof="0" dirty="0" err="1">
+                <a:ln>
+                  <a:noFill/>
+                </a:ln>
+                <a:solidFill>
+                  <a:prstClr val="black">
+                    <a:lumMod val="75000"/>
+                    <a:lumOff val="25000"/>
+                  </a:prstClr>
+                </a:solidFill>
+                <a:effectLst/>
+                <a:uLnTx/>
+                <a:uFillTx/>
+                <a:latin typeface="Abadi Extra Light" panose="020B0204020104020204" pitchFamily="34" charset="0"/>
+                <a:cs typeface="Ayuthaya" pitchFamily="2" charset="-34"/>
+              </a:rPr>
+              <a:t>BigInteger</a:t>
+            </a:r>
+            <a:r>
+              <a:rPr kumimoji="0" lang="en-US" sz="1400" b="0" i="0" u="none" strike="noStrike" kern="1200" cap="none" spc="0" normalizeH="0" baseline="0" noProof="0" dirty="0">
+                <a:ln>
+                  <a:noFill/>
+                </a:ln>
+                <a:solidFill>
+                  <a:prstClr val="black">
+                    <a:lumMod val="75000"/>
+                    <a:lumOff val="25000"/>
+                  </a:prstClr>
+                </a:solidFill>
+                <a:effectLst/>
+                <a:uLnTx/>
+                <a:uFillTx/>
+                <a:latin typeface="Abadi Extra Light" panose="020B0204020104020204" pitchFamily="34" charset="0"/>
+                <a:cs typeface="Ayuthaya" pitchFamily="2" charset="-34"/>
+              </a:rPr>
+              <a:t>, </a:t>
+            </a:r>
+            <a:r>
+              <a:rPr lang="en-US" sz="1400" b="1" dirty="0" err="1">
+                <a:solidFill>
+                  <a:srgbClr val="FF0000"/>
+                </a:solidFill>
+                <a:latin typeface="Abadi Extra Light" panose="020B0204020104020204" pitchFamily="34" charset="0"/>
+                <a:cs typeface="Ayuthaya" pitchFamily="2" charset="-34"/>
+              </a:rPr>
+              <a:t>PayableContract</a:t>
+            </a:r>
+            <a:r>
+              <a:rPr kumimoji="0" lang="en-US" sz="1400" b="0" i="0" u="none" strike="noStrike" kern="1200" cap="none" spc="0" normalizeH="0" baseline="0" noProof="0" dirty="0">
+                <a:ln>
+                  <a:noFill/>
+                </a:ln>
+                <a:solidFill>
+                  <a:prstClr val="black">
+                    <a:lumMod val="75000"/>
+                    <a:lumOff val="25000"/>
+                  </a:prstClr>
+                </a:solidFill>
+                <a:effectLst/>
+                <a:uLnTx/>
+                <a:uFillTx/>
+                <a:latin typeface="Abadi Extra Light" panose="020B0204020104020204" pitchFamily="34" charset="0"/>
+                <a:cs typeface="Ayuthaya" pitchFamily="2" charset="-34"/>
+              </a:rPr>
+              <a:t>, Offer</a:t>
+            </a:r>
+            <a:r>
+              <a:rPr lang="en-US" sz="1400" dirty="0">
+                <a:solidFill>
+                  <a:srgbClr val="C00000"/>
+                </a:solidFill>
+                <a:latin typeface="Abadi Extra Light" panose="020B0204020104020204" pitchFamily="34" charset="0"/>
+              </a:rPr>
+              <a:t>)</a:t>
+            </a:r>
+            <a:endParaRPr lang="en-US" sz="1400" dirty="0">
+              <a:solidFill>
+                <a:schemeClr val="accent6">
+                  <a:lumMod val="75000"/>
+                </a:schemeClr>
+              </a:solidFill>
+            </a:endParaRPr>
+          </a:p>
+        </p:txBody>
+      </p:sp>
+      <p:sp>
+        <p:nvSpPr>
+          <p:cNvPr id="62" name="TextBox 61">
+            <a:extLst>
+              <a:ext uri="{FF2B5EF4-FFF2-40B4-BE49-F238E27FC236}">
+                <a16:creationId xmlns:a16="http://schemas.microsoft.com/office/drawing/2014/main" id="{04AF23CD-CCB4-489F-BA0A-554ADC6EE20E}"/>
+              </a:ext>
+            </a:extLst>
+          </p:cNvPr>
+          <p:cNvSpPr txBox="1"/>
+          <p:nvPr/>
+        </p:nvSpPr>
+        <p:spPr>
+          <a:xfrm>
+            <a:off x="4496173" y="2034365"/>
+            <a:ext cx="308640" cy="337542"/>
+          </a:xfrm>
+          <a:prstGeom prst="roundRect">
+            <a:avLst/>
+          </a:prstGeom>
+          <a:solidFill>
+            <a:schemeClr val="accent6">
+              <a:lumMod val="20000"/>
+              <a:lumOff val="80000"/>
+            </a:schemeClr>
+          </a:solidFill>
+          <a:ln>
+            <a:solidFill>
+              <a:schemeClr val="accent6">
+                <a:lumMod val="50000"/>
+              </a:schemeClr>
+            </a:solidFill>
+          </a:ln>
+        </p:spPr>
+        <p:style>
+          <a:lnRef idx="2">
+            <a:schemeClr val="accent3"/>
+          </a:lnRef>
+          <a:fillRef idx="1">
+            <a:schemeClr val="lt1"/>
+          </a:fillRef>
+          <a:effectRef idx="0">
+            <a:schemeClr val="accent3"/>
+          </a:effectRef>
+          <a:fontRef idx="minor">
+            <a:schemeClr val="dk1"/>
+          </a:fontRef>
+        </p:style>
+        <p:txBody>
+          <a:bodyPr wrap="square" rtlCol="0">
+            <a:spAutoFit/>
+          </a:bodyPr>
+          <a:lstStyle/>
+          <a:p>
+            <a:pPr algn="ctr"/>
+            <a:r>
+              <a:rPr lang="en-US" sz="1400" dirty="0">
+                <a:solidFill>
+                  <a:schemeClr val="tx1"/>
+                </a:solidFill>
+                <a:latin typeface="Abadi Extra Light" panose="020B0204020104020204" pitchFamily="34" charset="0"/>
+              </a:rPr>
+              <a:t>1</a:t>
+            </a:r>
+            <a:endParaRPr lang="en-US" sz="1400" dirty="0">
+              <a:solidFill>
+                <a:schemeClr val="tx1"/>
+              </a:solidFill>
+            </a:endParaRPr>
+          </a:p>
+        </p:txBody>
+      </p:sp>
+      <p:sp>
+        <p:nvSpPr>
+          <p:cNvPr id="63" name="TextBox 62">
+            <a:extLst>
+              <a:ext uri="{FF2B5EF4-FFF2-40B4-BE49-F238E27FC236}">
+                <a16:creationId xmlns:a16="http://schemas.microsoft.com/office/drawing/2014/main" id="{E47D6402-DBE9-4D29-92B9-4342907B18B6}"/>
+              </a:ext>
+            </a:extLst>
+          </p:cNvPr>
+          <p:cNvSpPr txBox="1"/>
+          <p:nvPr/>
+        </p:nvSpPr>
+        <p:spPr>
+          <a:xfrm>
+            <a:off x="7238962" y="2619404"/>
+            <a:ext cx="1042080" cy="307777"/>
+          </a:xfrm>
+          <a:prstGeom prst="rect">
+            <a:avLst/>
+          </a:prstGeom>
+          <a:noFill/>
+        </p:spPr>
+        <p:txBody>
+          <a:bodyPr wrap="none" rtlCol="0">
+            <a:spAutoFit/>
+          </a:bodyPr>
+          <a:lstStyle/>
+          <a:p>
+            <a:r>
+              <a:rPr lang="en-US" sz="1400" dirty="0" err="1">
+                <a:latin typeface="Abadi Extra Light" panose="020B0204020104020204" pitchFamily="34" charset="0"/>
+              </a:rPr>
+              <a:t>invokevirtual</a:t>
+            </a:r>
+            <a:endParaRPr lang="en-US" sz="1400" dirty="0"/>
+          </a:p>
+        </p:txBody>
+      </p:sp>
+      <p:cxnSp>
+        <p:nvCxnSpPr>
+          <p:cNvPr id="66" name="Straight Connector 65">
+            <a:extLst>
+              <a:ext uri="{FF2B5EF4-FFF2-40B4-BE49-F238E27FC236}">
+                <a16:creationId xmlns:a16="http://schemas.microsoft.com/office/drawing/2014/main" id="{D3C032F5-49C4-41C6-9F8E-E1FB1CCF54BE}"/>
+              </a:ext>
+            </a:extLst>
+          </p:cNvPr>
+          <p:cNvCxnSpPr>
+            <a:cxnSpLocks/>
+          </p:cNvCxnSpPr>
+          <p:nvPr/>
+        </p:nvCxnSpPr>
+        <p:spPr>
+          <a:xfrm>
+            <a:off x="8910080" y="435162"/>
+            <a:ext cx="0" cy="5895922"/>
+          </a:xfrm>
+          <a:prstGeom prst="line">
+            <a:avLst/>
+          </a:prstGeom>
+        </p:spPr>
+        <p:style>
+          <a:lnRef idx="1">
+            <a:schemeClr val="accent1"/>
+          </a:lnRef>
+          <a:fillRef idx="0">
+            <a:schemeClr val="accent1"/>
+          </a:fillRef>
+          <a:effectRef idx="0">
+            <a:schemeClr val="accent1"/>
+          </a:effectRef>
+          <a:fontRef idx="minor">
+            <a:schemeClr val="tx1"/>
+          </a:fontRef>
+        </p:style>
+      </p:cxnSp>
+      <p:sp>
+        <p:nvSpPr>
+          <p:cNvPr id="68" name="TextBox 67">
+            <a:extLst>
+              <a:ext uri="{FF2B5EF4-FFF2-40B4-BE49-F238E27FC236}">
+                <a16:creationId xmlns:a16="http://schemas.microsoft.com/office/drawing/2014/main" id="{4DF80631-8A13-4DC6-BEAF-3BB19EA240E8}"/>
+              </a:ext>
+            </a:extLst>
+          </p:cNvPr>
+          <p:cNvSpPr txBox="1"/>
+          <p:nvPr/>
+        </p:nvSpPr>
+        <p:spPr>
+          <a:xfrm>
+            <a:off x="9983278" y="613647"/>
+            <a:ext cx="826380" cy="338554"/>
+          </a:xfrm>
+          <a:prstGeom prst="rect">
+            <a:avLst/>
+          </a:prstGeom>
+          <a:noFill/>
+        </p:spPr>
+        <p:txBody>
+          <a:bodyPr wrap="none" rtlCol="0">
+            <a:spAutoFit/>
+          </a:bodyPr>
+          <a:lstStyle/>
+          <a:p>
+            <a:r>
+              <a:rPr lang="en-US" sz="1600" b="1" dirty="0">
+                <a:latin typeface="Abadi Extra Light" panose="020B0204020104020204" pitchFamily="34" charset="0"/>
+              </a:rPr>
+              <a:t>Runtime</a:t>
+            </a:r>
+            <a:endParaRPr lang="en-US" sz="1600" b="1" dirty="0"/>
+          </a:p>
+        </p:txBody>
+      </p:sp>
+      <p:pic>
+        <p:nvPicPr>
+          <p:cNvPr id="69" name="Graphic 68" descr="Connections with solid fill">
+            <a:extLst>
+              <a:ext uri="{FF2B5EF4-FFF2-40B4-BE49-F238E27FC236}">
+                <a16:creationId xmlns:a16="http://schemas.microsoft.com/office/drawing/2014/main" id="{7FB1E42A-622D-40EF-B5FA-B008D9958F7C}"/>
+              </a:ext>
+            </a:extLst>
+          </p:cNvPr>
+          <p:cNvPicPr>
+            <a:picLocks noChangeAspect="1"/>
+          </p:cNvPicPr>
+          <p:nvPr/>
+        </p:nvPicPr>
+        <p:blipFill>
+          <a:blip r:embed="rId6">
+            <a:extLst>
+              <a:ext uri="{28A0092B-C50C-407E-A947-70E740481C1C}">
+                <a14:useLocalDpi xmlns:a14="http://schemas.microsoft.com/office/drawing/2010/main" val="0"/>
+              </a:ext>
+              <a:ext uri="{96DAC541-7B7A-43D3-8B79-37D633B846F1}">
+                <asvg:svgBlip xmlns:asvg="http://schemas.microsoft.com/office/drawing/2016/SVG/main" r:embed="rId7"/>
+              </a:ext>
+            </a:extLst>
+          </a:blip>
+          <a:stretch>
+            <a:fillRect/>
+          </a:stretch>
+        </p:blipFill>
+        <p:spPr>
+          <a:xfrm>
+            <a:off x="10864568" y="310330"/>
+            <a:ext cx="704277" cy="704277"/>
+          </a:xfrm>
+          <a:prstGeom prst="rect">
+            <a:avLst/>
+          </a:prstGeom>
+        </p:spPr>
+      </p:pic>
+      <p:pic>
+        <p:nvPicPr>
+          <p:cNvPr id="71" name="Graphic 70" descr="Programmer male with solid fill">
+            <a:extLst>
+              <a:ext uri="{FF2B5EF4-FFF2-40B4-BE49-F238E27FC236}">
+                <a16:creationId xmlns:a16="http://schemas.microsoft.com/office/drawing/2014/main" id="{00BC609A-D218-4E54-92B5-E403A0F3692A}"/>
+              </a:ext>
+            </a:extLst>
+          </p:cNvPr>
+          <p:cNvPicPr>
+            <a:picLocks noChangeAspect="1"/>
+          </p:cNvPicPr>
+          <p:nvPr/>
+        </p:nvPicPr>
+        <p:blipFill>
+          <a:blip r:embed="rId8">
+            <a:extLst>
+              <a:ext uri="{96DAC541-7B7A-43D3-8B79-37D633B846F1}">
+                <asvg:svgBlip xmlns:asvg="http://schemas.microsoft.com/office/drawing/2016/SVG/main" r:embed="rId9"/>
+              </a:ext>
+            </a:extLst>
+          </a:blip>
+          <a:stretch>
+            <a:fillRect/>
+          </a:stretch>
+        </p:blipFill>
+        <p:spPr>
+          <a:xfrm>
+            <a:off x="10136345" y="5233512"/>
+            <a:ext cx="583337" cy="583337"/>
+          </a:xfrm>
+          <a:prstGeom prst="rect">
+            <a:avLst/>
+          </a:prstGeom>
+        </p:spPr>
+      </p:pic>
+      <p:sp>
+        <p:nvSpPr>
+          <p:cNvPr id="72" name="TextBox 71">
+            <a:extLst>
+              <a:ext uri="{FF2B5EF4-FFF2-40B4-BE49-F238E27FC236}">
+                <a16:creationId xmlns:a16="http://schemas.microsoft.com/office/drawing/2014/main" id="{93393D08-02C5-41F6-BE30-C241A0078E63}"/>
+              </a:ext>
+            </a:extLst>
+          </p:cNvPr>
+          <p:cNvSpPr txBox="1"/>
+          <p:nvPr/>
+        </p:nvSpPr>
+        <p:spPr>
+          <a:xfrm>
+            <a:off x="9897524" y="5902665"/>
+            <a:ext cx="1186763" cy="306467"/>
+          </a:xfrm>
+          <a:prstGeom prst="roundRect">
+            <a:avLst/>
+          </a:prstGeom>
+          <a:solidFill>
+            <a:schemeClr val="accent5">
+              <a:lumMod val="20000"/>
+              <a:lumOff val="80000"/>
+            </a:schemeClr>
+          </a:solidFill>
+          <a:ln>
+            <a:solidFill>
+              <a:srgbClr val="0070C0"/>
+            </a:solidFill>
+          </a:ln>
+        </p:spPr>
+        <p:style>
+          <a:lnRef idx="2">
+            <a:schemeClr val="accent3"/>
+          </a:lnRef>
+          <a:fillRef idx="1">
+            <a:schemeClr val="lt1"/>
+          </a:fillRef>
+          <a:effectRef idx="0">
+            <a:schemeClr val="accent3"/>
+          </a:effectRef>
+          <a:fontRef idx="minor">
+            <a:schemeClr val="dk1"/>
+          </a:fontRef>
+        </p:style>
+        <p:txBody>
+          <a:bodyPr wrap="square" rtlCol="0">
+            <a:spAutoFit/>
+          </a:bodyPr>
+          <a:lstStyle/>
+          <a:p>
+            <a:pPr algn="ctr"/>
+            <a:r>
+              <a:rPr lang="en-US" sz="1200" dirty="0">
+                <a:solidFill>
+                  <a:srgbClr val="0070C0"/>
+                </a:solidFill>
+                <a:latin typeface="Abadi Extra Light" panose="020B0204020104020204" pitchFamily="34" charset="0"/>
+              </a:rPr>
+              <a:t>Validator</a:t>
+            </a:r>
+            <a:endParaRPr lang="en-US" sz="1200" dirty="0">
+              <a:solidFill>
+                <a:srgbClr val="0070C0"/>
+              </a:solidFill>
+            </a:endParaRPr>
+          </a:p>
+        </p:txBody>
+      </p:sp>
+      <p:sp>
+        <p:nvSpPr>
+          <p:cNvPr id="73" name="TextBox 72">
+            <a:extLst>
+              <a:ext uri="{FF2B5EF4-FFF2-40B4-BE49-F238E27FC236}">
+                <a16:creationId xmlns:a16="http://schemas.microsoft.com/office/drawing/2014/main" id="{33EA310D-6720-4694-8974-02AB270BBBEF}"/>
+              </a:ext>
+            </a:extLst>
+          </p:cNvPr>
+          <p:cNvSpPr txBox="1"/>
+          <p:nvPr/>
+        </p:nvSpPr>
+        <p:spPr>
+          <a:xfrm>
+            <a:off x="9426254" y="4330188"/>
+            <a:ext cx="2003517" cy="306467"/>
+          </a:xfrm>
+          <a:prstGeom prst="roundRect">
+            <a:avLst/>
+          </a:prstGeom>
+          <a:ln>
+            <a:solidFill>
+              <a:srgbClr val="7030A0"/>
+            </a:solidFill>
+          </a:ln>
+        </p:spPr>
+        <p:style>
+          <a:lnRef idx="2">
+            <a:schemeClr val="accent3"/>
+          </a:lnRef>
+          <a:fillRef idx="1">
+            <a:schemeClr val="lt1"/>
+          </a:fillRef>
+          <a:effectRef idx="0">
+            <a:schemeClr val="accent3"/>
+          </a:effectRef>
+          <a:fontRef idx="minor">
+            <a:schemeClr val="dk1"/>
+          </a:fontRef>
+        </p:style>
+        <p:txBody>
+          <a:bodyPr wrap="none" rtlCol="0">
+            <a:spAutoFit/>
+          </a:bodyPr>
+          <a:lstStyle/>
+          <a:p>
+            <a:r>
+              <a:rPr lang="en-US" sz="1200" dirty="0">
+                <a:solidFill>
+                  <a:srgbClr val="7030A0"/>
+                </a:solidFill>
+                <a:latin typeface="Abadi Extra Light" panose="020B0204020104020204" pitchFamily="34" charset="0"/>
+              </a:rPr>
+              <a:t>TendermintED25519Validator</a:t>
+            </a:r>
+            <a:endParaRPr lang="en-US" sz="1200" dirty="0">
+              <a:solidFill>
+                <a:srgbClr val="7030A0"/>
+              </a:solidFill>
+            </a:endParaRPr>
+          </a:p>
+        </p:txBody>
+      </p:sp>
+      <p:pic>
+        <p:nvPicPr>
+          <p:cNvPr id="75" name="Graphic 74" descr="Arrow Right with solid fill">
+            <a:extLst>
+              <a:ext uri="{FF2B5EF4-FFF2-40B4-BE49-F238E27FC236}">
+                <a16:creationId xmlns:a16="http://schemas.microsoft.com/office/drawing/2014/main" id="{669DDB06-D9EE-4074-8BD6-A1EAE17B6752}"/>
+              </a:ext>
+            </a:extLst>
+          </p:cNvPr>
+          <p:cNvPicPr>
+            <a:picLocks noChangeAspect="1"/>
+          </p:cNvPicPr>
+          <p:nvPr/>
+        </p:nvPicPr>
+        <p:blipFill>
+          <a:blip r:embed="rId10">
+            <a:extLst>
+              <a:ext uri="{28A0092B-C50C-407E-A947-70E740481C1C}">
+                <a14:useLocalDpi xmlns:a14="http://schemas.microsoft.com/office/drawing/2010/main" val="0"/>
+              </a:ext>
+              <a:ext uri="{96DAC541-7B7A-43D3-8B79-37D633B846F1}">
+                <asvg:svgBlip xmlns:asvg="http://schemas.microsoft.com/office/drawing/2016/SVG/main" r:embed="rId11"/>
+              </a:ext>
+            </a:extLst>
+          </a:blip>
+          <a:stretch>
+            <a:fillRect/>
+          </a:stretch>
+        </p:blipFill>
+        <p:spPr>
+          <a:xfrm rot="10800000">
+            <a:off x="8835551" y="5031049"/>
+            <a:ext cx="914400" cy="914400"/>
+          </a:xfrm>
+          <a:prstGeom prst="rect">
+            <a:avLst/>
+          </a:prstGeom>
+        </p:spPr>
+      </p:pic>
+      <p:pic>
+        <p:nvPicPr>
+          <p:cNvPr id="76" name="Graphic 75" descr="Arrow Right with solid fill">
+            <a:extLst>
+              <a:ext uri="{FF2B5EF4-FFF2-40B4-BE49-F238E27FC236}">
+                <a16:creationId xmlns:a16="http://schemas.microsoft.com/office/drawing/2014/main" id="{EE1AC106-3791-469D-8CB7-8CD3D6468A34}"/>
+              </a:ext>
+            </a:extLst>
+          </p:cNvPr>
+          <p:cNvPicPr>
+            <a:picLocks noChangeAspect="1"/>
+          </p:cNvPicPr>
+          <p:nvPr/>
+        </p:nvPicPr>
+        <p:blipFill>
+          <a:blip r:embed="rId12">
+            <a:extLst>
+              <a:ext uri="{28A0092B-C50C-407E-A947-70E740481C1C}">
+                <a14:useLocalDpi xmlns:a14="http://schemas.microsoft.com/office/drawing/2010/main" val="0"/>
+              </a:ext>
+              <a:ext uri="{96DAC541-7B7A-43D3-8B79-37D633B846F1}">
+                <asvg:svgBlip xmlns:asvg="http://schemas.microsoft.com/office/drawing/2016/SVG/main" r:embed="rId13"/>
+              </a:ext>
+            </a:extLst>
+          </a:blip>
+          <a:stretch>
+            <a:fillRect/>
+          </a:stretch>
+        </p:blipFill>
+        <p:spPr>
+          <a:xfrm>
+            <a:off x="8835551" y="4535683"/>
+            <a:ext cx="914400" cy="914400"/>
+          </a:xfrm>
+          <a:prstGeom prst="rect">
+            <a:avLst/>
+          </a:prstGeom>
+        </p:spPr>
+      </p:pic>
+      <p:pic>
+        <p:nvPicPr>
+          <p:cNvPr id="77" name="Graphic 76" descr="Programmer male with solid fill">
+            <a:extLst>
+              <a:ext uri="{FF2B5EF4-FFF2-40B4-BE49-F238E27FC236}">
+                <a16:creationId xmlns:a16="http://schemas.microsoft.com/office/drawing/2014/main" id="{6DA3C991-A76C-4EA6-B9F1-18682A081F20}"/>
+              </a:ext>
+            </a:extLst>
+          </p:cNvPr>
+          <p:cNvPicPr>
+            <a:picLocks noChangeAspect="1"/>
+          </p:cNvPicPr>
+          <p:nvPr/>
+        </p:nvPicPr>
+        <p:blipFill>
+          <a:blip r:embed="rId14">
+            <a:extLst>
+              <a:ext uri="{96DAC541-7B7A-43D3-8B79-37D633B846F1}">
+                <asvg:svgBlip xmlns:asvg="http://schemas.microsoft.com/office/drawing/2016/SVG/main" r:embed="rId15"/>
+              </a:ext>
+            </a:extLst>
+          </a:blip>
+          <a:stretch>
+            <a:fillRect/>
+          </a:stretch>
+        </p:blipFill>
+        <p:spPr>
+          <a:xfrm>
+            <a:off x="10136345" y="4646699"/>
+            <a:ext cx="583337" cy="583337"/>
+          </a:xfrm>
+          <a:prstGeom prst="rect">
+            <a:avLst/>
+          </a:prstGeom>
+        </p:spPr>
+      </p:pic>
+      <p:sp>
+        <p:nvSpPr>
+          <p:cNvPr id="78" name="Content Placeholder 15" descr="Arrow: Rotate right with solid fill">
+            <a:extLst>
+              <a:ext uri="{FF2B5EF4-FFF2-40B4-BE49-F238E27FC236}">
+                <a16:creationId xmlns:a16="http://schemas.microsoft.com/office/drawing/2014/main" id="{B6530062-4BF8-43CB-A4A1-0B2A34780E93}"/>
+              </a:ext>
+            </a:extLst>
+          </p:cNvPr>
+          <p:cNvSpPr/>
+          <p:nvPr/>
+        </p:nvSpPr>
+        <p:spPr>
+          <a:xfrm rot="5400000" flipH="1">
+            <a:off x="9642507" y="3815538"/>
+            <a:ext cx="343900" cy="564095"/>
+          </a:xfrm>
+          <a:custGeom>
+            <a:avLst/>
+            <a:gdLst>
+              <a:gd name="connsiteX0" fmla="*/ 714375 w 838200"/>
+              <a:gd name="connsiteY0" fmla="*/ 415404 h 644004"/>
+              <a:gd name="connsiteX1" fmla="*/ 666750 w 838200"/>
+              <a:gd name="connsiteY1" fmla="*/ 167754 h 644004"/>
+              <a:gd name="connsiteX2" fmla="*/ 425768 w 838200"/>
+              <a:gd name="connsiteY2" fmla="*/ 2972 h 644004"/>
+              <a:gd name="connsiteX3" fmla="*/ 134303 w 838200"/>
+              <a:gd name="connsiteY3" fmla="*/ 76314 h 644004"/>
+              <a:gd name="connsiteX4" fmla="*/ 0 w 838200"/>
+              <a:gd name="connsiteY4" fmla="*/ 318249 h 644004"/>
+              <a:gd name="connsiteX5" fmla="*/ 111443 w 838200"/>
+              <a:gd name="connsiteY5" fmla="*/ 144894 h 644004"/>
+              <a:gd name="connsiteX6" fmla="*/ 314325 w 838200"/>
+              <a:gd name="connsiteY6" fmla="*/ 109652 h 644004"/>
+              <a:gd name="connsiteX7" fmla="*/ 470535 w 838200"/>
+              <a:gd name="connsiteY7" fmla="*/ 231572 h 644004"/>
+              <a:gd name="connsiteX8" fmla="*/ 504825 w 838200"/>
+              <a:gd name="connsiteY8" fmla="*/ 415404 h 644004"/>
+              <a:gd name="connsiteX9" fmla="*/ 381000 w 838200"/>
+              <a:gd name="connsiteY9" fmla="*/ 415404 h 644004"/>
+              <a:gd name="connsiteX10" fmla="*/ 609600 w 838200"/>
+              <a:gd name="connsiteY10" fmla="*/ 644004 h 644004"/>
+              <a:gd name="connsiteX11" fmla="*/ 838200 w 838200"/>
+              <a:gd name="connsiteY11" fmla="*/ 415404 h 644004"/>
+              <a:gd name="connsiteX12" fmla="*/ 714375 w 838200"/>
+              <a:gd name="connsiteY12" fmla="*/ 415404 h 644004"/>
+            </a:gdLst>
+            <a:ahLst/>
+            <a:cxnLst>
+              <a:cxn ang="0">
+                <a:pos x="connsiteX0" y="connsiteY0"/>
+              </a:cxn>
+              <a:cxn ang="0">
+                <a:pos x="connsiteX1" y="connsiteY1"/>
+              </a:cxn>
+              <a:cxn ang="0">
+                <a:pos x="connsiteX2" y="connsiteY2"/>
+              </a:cxn>
+              <a:cxn ang="0">
+                <a:pos x="connsiteX3" y="connsiteY3"/>
+              </a:cxn>
+              <a:cxn ang="0">
+                <a:pos x="connsiteX4" y="connsiteY4"/>
+              </a:cxn>
+              <a:cxn ang="0">
+                <a:pos x="connsiteX5" y="connsiteY5"/>
+              </a:cxn>
+              <a:cxn ang="0">
+                <a:pos x="connsiteX6" y="connsiteY6"/>
+              </a:cxn>
+              <a:cxn ang="0">
+                <a:pos x="connsiteX7" y="connsiteY7"/>
+              </a:cxn>
+              <a:cxn ang="0">
+                <a:pos x="connsiteX8" y="connsiteY8"/>
+              </a:cxn>
+              <a:cxn ang="0">
+                <a:pos x="connsiteX9" y="connsiteY9"/>
+              </a:cxn>
+              <a:cxn ang="0">
+                <a:pos x="connsiteX10" y="connsiteY10"/>
+              </a:cxn>
+              <a:cxn ang="0">
+                <a:pos x="connsiteX11" y="connsiteY11"/>
+              </a:cxn>
+              <a:cxn ang="0">
+                <a:pos x="connsiteX12" y="connsiteY12"/>
+              </a:cxn>
+            </a:cxnLst>
+            <a:rect l="l" t="t" r="r" b="b"/>
+            <a:pathLst>
+              <a:path w="838200" h="644004">
+                <a:moveTo>
+                  <a:pt x="714375" y="415404"/>
+                </a:moveTo>
+                <a:cubicBezTo>
+                  <a:pt x="717233" y="326822"/>
+                  <a:pt x="714375" y="245859"/>
+                  <a:pt x="666750" y="167754"/>
+                </a:cubicBezTo>
+                <a:cubicBezTo>
+                  <a:pt x="613410" y="80124"/>
+                  <a:pt x="528638" y="15354"/>
+                  <a:pt x="425768" y="2972"/>
+                </a:cubicBezTo>
+                <a:cubicBezTo>
+                  <a:pt x="322898" y="-9411"/>
+                  <a:pt x="219075" y="17259"/>
+                  <a:pt x="134303" y="76314"/>
+                </a:cubicBezTo>
+                <a:cubicBezTo>
+                  <a:pt x="61913" y="129654"/>
+                  <a:pt x="0" y="225857"/>
+                  <a:pt x="0" y="318249"/>
+                </a:cubicBezTo>
+                <a:cubicBezTo>
+                  <a:pt x="11430" y="247764"/>
+                  <a:pt x="51435" y="184899"/>
+                  <a:pt x="111443" y="144894"/>
+                </a:cubicBezTo>
+                <a:cubicBezTo>
+                  <a:pt x="171450" y="104889"/>
+                  <a:pt x="244793" y="92507"/>
+                  <a:pt x="314325" y="109652"/>
+                </a:cubicBezTo>
+                <a:cubicBezTo>
+                  <a:pt x="380048" y="124892"/>
+                  <a:pt x="434340" y="175374"/>
+                  <a:pt x="470535" y="231572"/>
+                </a:cubicBezTo>
+                <a:cubicBezTo>
+                  <a:pt x="506730" y="287769"/>
+                  <a:pt x="504825" y="350634"/>
+                  <a:pt x="504825" y="415404"/>
+                </a:cubicBezTo>
+                <a:lnTo>
+                  <a:pt x="381000" y="415404"/>
+                </a:lnTo>
+                <a:lnTo>
+                  <a:pt x="609600" y="644004"/>
+                </a:lnTo>
+                <a:cubicBezTo>
+                  <a:pt x="609600" y="644004"/>
+                  <a:pt x="799148" y="454457"/>
+                  <a:pt x="838200" y="415404"/>
+                </a:cubicBezTo>
+                <a:lnTo>
+                  <a:pt x="714375" y="415404"/>
+                </a:lnTo>
+                <a:close/>
+              </a:path>
+            </a:pathLst>
+          </a:custGeom>
+          <a:solidFill>
+            <a:srgbClr val="00B050"/>
+          </a:solidFill>
+          <a:ln w="38100">
+            <a:noFill/>
+            <a:headEnd type="none" w="med" len="med"/>
+            <a:tailEnd type="arrow" w="med" len="med"/>
+          </a:ln>
+        </p:spPr>
+        <p:style>
+          <a:lnRef idx="3">
+            <a:schemeClr val="accent2"/>
+          </a:lnRef>
+          <a:fillRef idx="0">
+            <a:schemeClr val="accent2"/>
+          </a:fillRef>
+          <a:effectRef idx="2">
+            <a:schemeClr val="accent2"/>
+          </a:effectRef>
+          <a:fontRef idx="minor">
+            <a:schemeClr val="tx1"/>
+          </a:fontRef>
+        </p:style>
+        <p:txBody>
+          <a:bodyPr rtlCol="0" anchor="ctr"/>
+          <a:lstStyle/>
+          <a:p>
+            <a:endParaRPr lang="en-US"/>
+          </a:p>
+        </p:txBody>
+      </p:sp>
+      <p:pic>
+        <p:nvPicPr>
+          <p:cNvPr id="13" name="Graphic 12" descr="Checkmark with solid fill">
+            <a:extLst>
+              <a:ext uri="{FF2B5EF4-FFF2-40B4-BE49-F238E27FC236}">
+                <a16:creationId xmlns:a16="http://schemas.microsoft.com/office/drawing/2014/main" id="{AF849FEF-0256-4E8A-A723-284CBF6232D4}"/>
+              </a:ext>
+            </a:extLst>
+          </p:cNvPr>
+          <p:cNvPicPr>
+            <a:picLocks noChangeAspect="1"/>
+          </p:cNvPicPr>
+          <p:nvPr/>
+        </p:nvPicPr>
+        <p:blipFill>
+          <a:blip r:embed="rId16">
+            <a:extLst>
+              <a:ext uri="{28A0092B-C50C-407E-A947-70E740481C1C}">
+                <a14:useLocalDpi xmlns:a14="http://schemas.microsoft.com/office/drawing/2010/main" val="0"/>
+              </a:ext>
+              <a:ext uri="{96DAC541-7B7A-43D3-8B79-37D633B846F1}">
+                <asvg:svgBlip xmlns:asvg="http://schemas.microsoft.com/office/drawing/2016/SVG/main" r:embed="rId17"/>
+              </a:ext>
+            </a:extLst>
+          </a:blip>
+          <a:stretch>
+            <a:fillRect/>
+          </a:stretch>
+        </p:blipFill>
+        <p:spPr>
+          <a:xfrm>
+            <a:off x="10224912" y="3772029"/>
+            <a:ext cx="564094" cy="564094"/>
+          </a:xfrm>
+          <a:prstGeom prst="rect">
+            <a:avLst/>
+          </a:prstGeom>
+        </p:spPr>
+      </p:pic>
+    </p:spTree>
+    <p:extLst>
+      <p:ext uri="{BB962C8B-B14F-4D97-AF65-F5344CB8AC3E}">
+        <p14:creationId xmlns:p14="http://schemas.microsoft.com/office/powerpoint/2010/main" val="2086496592"/>
+      </p:ext>
+    </p:extLst>
+  </p:cSld>
+  <p:clrMapOvr>
+    <a:masterClrMapping/>
+  </p:clrMapOvr>
+</p:sld>
+</file>
+
+<file path=ppt/slides/slide9.xml><?xml version="1.0" encoding="utf-8"?>
+<p:sld xmlns:a="http://schemas.openxmlformats.org/drawingml/2006/main" xmlns:r="http://schemas.openxmlformats.org/officeDocument/2006/relationships" xmlns:p="http://schemas.openxmlformats.org/presentationml/2006/main">
+  <p:cSld>
+    <p:spTree>
+      <p:nvGrpSpPr>
+        <p:cNvPr id="1" name=""/>
+        <p:cNvGrpSpPr/>
+        <p:nvPr/>
+      </p:nvGrpSpPr>
+      <p:grpSpPr>
+        <a:xfrm>
+          <a:off x="0" y="0"/>
+          <a:ext cx="0" cy="0"/>
+          <a:chOff x="0" y="0"/>
+          <a:chExt cx="0" cy="0"/>
+        </a:xfrm>
+      </p:grpSpPr>
+      <p:cxnSp>
+        <p:nvCxnSpPr>
+          <p:cNvPr id="55" name="Straight Connector 54">
+            <a:extLst>
+              <a:ext uri="{FF2B5EF4-FFF2-40B4-BE49-F238E27FC236}">
+                <a16:creationId xmlns:a16="http://schemas.microsoft.com/office/drawing/2014/main" id="{56439B8A-1738-47C9-AEFD-5CB7E7321B7C}"/>
+              </a:ext>
+            </a:extLst>
+          </p:cNvPr>
+          <p:cNvCxnSpPr>
+            <a:cxnSpLocks/>
+          </p:cNvCxnSpPr>
+          <p:nvPr/>
+        </p:nvCxnSpPr>
+        <p:spPr>
+          <a:xfrm>
+            <a:off x="4205076" y="522726"/>
+            <a:ext cx="0" cy="5820409"/>
+          </a:xfrm>
+          <a:prstGeom prst="line">
+            <a:avLst/>
+          </a:prstGeom>
+        </p:spPr>
+        <p:style>
+          <a:lnRef idx="1">
+            <a:schemeClr val="accent1"/>
+          </a:lnRef>
+          <a:fillRef idx="0">
+            <a:schemeClr val="accent1"/>
+          </a:fillRef>
+          <a:effectRef idx="0">
+            <a:schemeClr val="accent1"/>
+          </a:effectRef>
+          <a:fontRef idx="minor">
+            <a:schemeClr val="tx1"/>
+          </a:fontRef>
+        </p:style>
+      </p:cxnSp>
+      <p:cxnSp>
+        <p:nvCxnSpPr>
+          <p:cNvPr id="58" name="Straight Connector 57">
+            <a:extLst>
+              <a:ext uri="{FF2B5EF4-FFF2-40B4-BE49-F238E27FC236}">
+                <a16:creationId xmlns:a16="http://schemas.microsoft.com/office/drawing/2014/main" id="{CF6209F8-4EA3-43D6-9429-B51AFFA8AC25}"/>
+              </a:ext>
+            </a:extLst>
+          </p:cNvPr>
+          <p:cNvCxnSpPr>
+            <a:cxnSpLocks/>
+          </p:cNvCxnSpPr>
+          <p:nvPr/>
+        </p:nvCxnSpPr>
+        <p:spPr>
+          <a:xfrm flipH="1" flipV="1">
+            <a:off x="1318554" y="1042572"/>
+            <a:ext cx="10585122" cy="23201"/>
+          </a:xfrm>
+          <a:prstGeom prst="line">
+            <a:avLst/>
+          </a:prstGeom>
+        </p:spPr>
+        <p:style>
+          <a:lnRef idx="1">
+            <a:schemeClr val="accent1"/>
+          </a:lnRef>
+          <a:fillRef idx="0">
+            <a:schemeClr val="accent1"/>
+          </a:fillRef>
+          <a:effectRef idx="0">
+            <a:schemeClr val="accent1"/>
+          </a:effectRef>
+          <a:fontRef idx="minor">
+            <a:schemeClr val="tx1"/>
+          </a:fontRef>
+        </p:style>
+      </p:cxnSp>
+      <p:sp>
+        <p:nvSpPr>
+          <p:cNvPr id="61" name="TextBox 60">
+            <a:extLst>
+              <a:ext uri="{FF2B5EF4-FFF2-40B4-BE49-F238E27FC236}">
+                <a16:creationId xmlns:a16="http://schemas.microsoft.com/office/drawing/2014/main" id="{3A181743-C60A-4A3D-AF5F-6D6FD113C151}"/>
+              </a:ext>
+            </a:extLst>
+          </p:cNvPr>
+          <p:cNvSpPr txBox="1"/>
+          <p:nvPr/>
+        </p:nvSpPr>
+        <p:spPr>
+          <a:xfrm>
+            <a:off x="5796034" y="626172"/>
+            <a:ext cx="822661" cy="307777"/>
+          </a:xfrm>
+          <a:prstGeom prst="rect">
+            <a:avLst/>
+          </a:prstGeom>
+          <a:noFill/>
+        </p:spPr>
+        <p:txBody>
+          <a:bodyPr wrap="none" rtlCol="0">
+            <a:spAutoFit/>
+          </a:bodyPr>
+          <a:lstStyle/>
+          <a:p>
+            <a:r>
+              <a:rPr lang="en-US" sz="1400" b="1" dirty="0">
+                <a:latin typeface="Abadi Extra Light" panose="020B0204020104020204" pitchFamily="34" charset="0"/>
+              </a:rPr>
+              <a:t>Bytecode</a:t>
+            </a:r>
+            <a:endParaRPr lang="en-US" sz="1400" b="1" dirty="0"/>
+          </a:p>
+        </p:txBody>
+      </p:sp>
+      <p:sp>
+        <p:nvSpPr>
+          <p:cNvPr id="145" name="TextBox 144">
+            <a:extLst>
+              <a:ext uri="{FF2B5EF4-FFF2-40B4-BE49-F238E27FC236}">
+                <a16:creationId xmlns:a16="http://schemas.microsoft.com/office/drawing/2014/main" id="{7C951330-1D4E-4904-9145-32EEDFCD35FB}"/>
+              </a:ext>
+            </a:extLst>
+          </p:cNvPr>
+          <p:cNvSpPr txBox="1"/>
+          <p:nvPr/>
+        </p:nvSpPr>
+        <p:spPr>
+          <a:xfrm>
+            <a:off x="4616883" y="5301567"/>
+            <a:ext cx="4109237" cy="340519"/>
+          </a:xfrm>
+          <a:prstGeom prst="roundRect">
+            <a:avLst/>
+          </a:prstGeom>
+        </p:spPr>
+        <p:style>
+          <a:lnRef idx="2">
+            <a:schemeClr val="accent6"/>
+          </a:lnRef>
+          <a:fillRef idx="1">
+            <a:schemeClr val="lt1"/>
+          </a:fillRef>
+          <a:effectRef idx="0">
+            <a:schemeClr val="accent6"/>
+          </a:effectRef>
+          <a:fontRef idx="minor">
+            <a:schemeClr val="dk1"/>
+          </a:fontRef>
+        </p:style>
+        <p:txBody>
+          <a:bodyPr wrap="square" rtlCol="0">
+            <a:spAutoFit/>
+          </a:bodyPr>
+          <a:lstStyle/>
+          <a:p>
+            <a:r>
+              <a:rPr lang="en-US" sz="1400" dirty="0">
+                <a:solidFill>
+                  <a:srgbClr val="C00000"/>
+                </a:solidFill>
+                <a:latin typeface="Abadi Extra Light" panose="020B0204020104020204" pitchFamily="34" charset="0"/>
+              </a:rPr>
+              <a:t>accept(</a:t>
+            </a:r>
+            <a:r>
+              <a:rPr kumimoji="0" lang="en-US" sz="1400" b="0" i="0" u="none" strike="noStrike" kern="1200" cap="none" spc="0" normalizeH="0" baseline="0" noProof="0" dirty="0" err="1">
+                <a:ln>
+                  <a:noFill/>
+                </a:ln>
+                <a:solidFill>
+                  <a:prstClr val="black">
+                    <a:lumMod val="75000"/>
+                    <a:lumOff val="25000"/>
+                  </a:prstClr>
+                </a:solidFill>
+                <a:effectLst/>
+                <a:uLnTx/>
+                <a:uFillTx/>
+                <a:latin typeface="Abadi Extra Light" panose="020B0204020104020204" pitchFamily="34" charset="0"/>
+                <a:cs typeface="Ayuthaya" pitchFamily="2" charset="-34"/>
+              </a:rPr>
+              <a:t>BigInteger</a:t>
+            </a:r>
+            <a:r>
+              <a:rPr kumimoji="0" lang="en-US" sz="1400" b="0" i="0" u="none" strike="noStrike" kern="1200" cap="none" spc="0" normalizeH="0" baseline="0" noProof="0" dirty="0">
+                <a:ln>
+                  <a:noFill/>
+                </a:ln>
+                <a:solidFill>
+                  <a:prstClr val="black">
+                    <a:lumMod val="75000"/>
+                    <a:lumOff val="25000"/>
+                  </a:prstClr>
+                </a:solidFill>
+                <a:effectLst/>
+                <a:uLnTx/>
+                <a:uFillTx/>
+                <a:latin typeface="Abadi Extra Light" panose="020B0204020104020204" pitchFamily="34" charset="0"/>
+                <a:cs typeface="Ayuthaya" pitchFamily="2" charset="-34"/>
+              </a:rPr>
+              <a:t>, </a:t>
+            </a:r>
+            <a:r>
+              <a:rPr lang="en-US" sz="1400" b="1" dirty="0" err="1">
+                <a:solidFill>
+                  <a:srgbClr val="FF0000"/>
+                </a:solidFill>
+                <a:latin typeface="Abadi Extra Light" panose="020B0204020104020204" pitchFamily="34" charset="0"/>
+                <a:cs typeface="Ayuthaya" pitchFamily="2" charset="-34"/>
+              </a:rPr>
+              <a:t>PayableContract</a:t>
+            </a:r>
+            <a:r>
+              <a:rPr kumimoji="0" lang="en-US" sz="1400" b="0" i="0" u="none" strike="noStrike" kern="1200" cap="none" spc="0" normalizeH="0" baseline="0" noProof="0" dirty="0">
+                <a:ln>
+                  <a:noFill/>
+                </a:ln>
+                <a:solidFill>
+                  <a:prstClr val="black">
+                    <a:lumMod val="75000"/>
+                    <a:lumOff val="25000"/>
+                  </a:prstClr>
+                </a:solidFill>
+                <a:effectLst/>
+                <a:uLnTx/>
+                <a:uFillTx/>
+                <a:latin typeface="Abadi Extra Light" panose="020B0204020104020204" pitchFamily="34" charset="0"/>
+                <a:cs typeface="Ayuthaya" pitchFamily="2" charset="-34"/>
+              </a:rPr>
+              <a:t>, Offer</a:t>
+            </a:r>
+            <a:r>
+              <a:rPr lang="en-US" sz="1400" dirty="0">
+                <a:solidFill>
+                  <a:srgbClr val="C00000"/>
+                </a:solidFill>
+                <a:latin typeface="Abadi Extra Light" panose="020B0204020104020204" pitchFamily="34" charset="0"/>
+              </a:rPr>
+              <a:t>)</a:t>
+            </a:r>
+            <a:endParaRPr lang="en-US" sz="1400" dirty="0">
+              <a:solidFill>
+                <a:schemeClr val="accent6">
+                  <a:lumMod val="75000"/>
+                </a:schemeClr>
+              </a:solidFill>
+            </a:endParaRPr>
+          </a:p>
+        </p:txBody>
+      </p:sp>
+      <p:pic>
+        <p:nvPicPr>
+          <p:cNvPr id="150" name="Graphic 149" descr="Binary with solid fill">
+            <a:extLst>
+              <a:ext uri="{FF2B5EF4-FFF2-40B4-BE49-F238E27FC236}">
+                <a16:creationId xmlns:a16="http://schemas.microsoft.com/office/drawing/2014/main" id="{CDFA61DD-BB0E-4657-901E-A3E094B5140F}"/>
+              </a:ext>
+            </a:extLst>
+          </p:cNvPr>
+          <p:cNvPicPr>
+            <a:picLocks noChangeAspect="1"/>
+          </p:cNvPicPr>
+          <p:nvPr/>
+        </p:nvPicPr>
+        <p:blipFill>
+          <a:blip r:embed="rId2">
+            <a:extLst>
+              <a:ext uri="{96DAC541-7B7A-43D3-8B79-37D633B846F1}">
+                <asvg:svgBlip xmlns:asvg="http://schemas.microsoft.com/office/drawing/2016/SVG/main" r:embed="rId3"/>
+              </a:ext>
+            </a:extLst>
+          </a:blip>
+          <a:stretch>
+            <a:fillRect/>
+          </a:stretch>
+        </p:blipFill>
+        <p:spPr>
+          <a:xfrm>
+            <a:off x="6782379" y="435162"/>
+            <a:ext cx="583337" cy="583337"/>
+          </a:xfrm>
+          <a:prstGeom prst="rect">
+            <a:avLst/>
+          </a:prstGeom>
+        </p:spPr>
+      </p:pic>
+      <p:sp>
+        <p:nvSpPr>
+          <p:cNvPr id="42" name="TextBox 41">
+            <a:extLst>
+              <a:ext uri="{FF2B5EF4-FFF2-40B4-BE49-F238E27FC236}">
+                <a16:creationId xmlns:a16="http://schemas.microsoft.com/office/drawing/2014/main" id="{57AB89A3-A382-495B-A80A-B4B9F3E97913}"/>
+              </a:ext>
+            </a:extLst>
+          </p:cNvPr>
+          <p:cNvSpPr txBox="1"/>
+          <p:nvPr/>
+        </p:nvSpPr>
+        <p:spPr>
+          <a:xfrm>
+            <a:off x="4460018" y="5597782"/>
+            <a:ext cx="308640" cy="337542"/>
+          </a:xfrm>
+          <a:prstGeom prst="roundRect">
+            <a:avLst/>
+          </a:prstGeom>
+          <a:solidFill>
+            <a:schemeClr val="accent6">
+              <a:lumMod val="20000"/>
+              <a:lumOff val="80000"/>
+            </a:schemeClr>
+          </a:solidFill>
+          <a:ln>
+            <a:solidFill>
+              <a:schemeClr val="accent6">
+                <a:lumMod val="50000"/>
+              </a:schemeClr>
+            </a:solidFill>
+          </a:ln>
+        </p:spPr>
+        <p:style>
+          <a:lnRef idx="2">
+            <a:schemeClr val="accent3"/>
+          </a:lnRef>
+          <a:fillRef idx="1">
+            <a:schemeClr val="lt1"/>
+          </a:fillRef>
+          <a:effectRef idx="0">
+            <a:schemeClr val="accent3"/>
+          </a:effectRef>
+          <a:fontRef idx="minor">
+            <a:schemeClr val="dk1"/>
+          </a:fontRef>
+        </p:style>
+        <p:txBody>
+          <a:bodyPr wrap="square" rtlCol="0">
+            <a:spAutoFit/>
+          </a:bodyPr>
+          <a:lstStyle/>
+          <a:p>
+            <a:pPr algn="ctr"/>
+            <a:r>
+              <a:rPr lang="en-US" sz="1400" dirty="0">
+                <a:solidFill>
+                  <a:schemeClr val="tx1"/>
+                </a:solidFill>
+                <a:latin typeface="Abadi Extra Light" panose="020B0204020104020204" pitchFamily="34" charset="0"/>
+              </a:rPr>
+              <a:t>1</a:t>
+            </a:r>
+            <a:endParaRPr lang="en-US" sz="1400" dirty="0">
+              <a:solidFill>
+                <a:schemeClr val="tx1"/>
+              </a:solidFill>
+            </a:endParaRPr>
+          </a:p>
+        </p:txBody>
+      </p:sp>
+      <p:sp>
+        <p:nvSpPr>
+          <p:cNvPr id="43" name="TextBox 42">
+            <a:extLst>
+              <a:ext uri="{FF2B5EF4-FFF2-40B4-BE49-F238E27FC236}">
+                <a16:creationId xmlns:a16="http://schemas.microsoft.com/office/drawing/2014/main" id="{7752187A-3B8D-4F2F-9A1A-A5F2EAA00C86}"/>
+              </a:ext>
+            </a:extLst>
+          </p:cNvPr>
+          <p:cNvSpPr txBox="1"/>
+          <p:nvPr/>
+        </p:nvSpPr>
+        <p:spPr>
+          <a:xfrm>
+            <a:off x="4562420" y="3880136"/>
+            <a:ext cx="4163701" cy="340519"/>
+          </a:xfrm>
+          <a:prstGeom prst="roundRect">
+            <a:avLst/>
+          </a:prstGeom>
+        </p:spPr>
+        <p:style>
+          <a:lnRef idx="2">
+            <a:schemeClr val="accent6"/>
+          </a:lnRef>
+          <a:fillRef idx="1">
+            <a:schemeClr val="lt1"/>
+          </a:fillRef>
+          <a:effectRef idx="0">
+            <a:schemeClr val="accent6"/>
+          </a:effectRef>
+          <a:fontRef idx="minor">
+            <a:schemeClr val="dk1"/>
+          </a:fontRef>
+        </p:style>
+        <p:txBody>
+          <a:bodyPr wrap="square" rtlCol="0">
+            <a:spAutoFit/>
+          </a:bodyPr>
+          <a:lstStyle/>
+          <a:p>
+            <a:r>
+              <a:rPr lang="en-US" sz="1400" dirty="0">
+                <a:solidFill>
+                  <a:srgbClr val="C00000"/>
+                </a:solidFill>
+                <a:latin typeface="Abadi Extra Light" panose="020B0204020104020204" pitchFamily="34" charset="0"/>
+              </a:rPr>
+              <a:t>accept(</a:t>
+            </a:r>
+            <a:r>
+              <a:rPr kumimoji="0" lang="en-US" sz="1400" b="0" i="0" u="none" strike="noStrike" kern="1200" cap="none" spc="0" normalizeH="0" baseline="0" noProof="0" dirty="0" err="1">
+                <a:ln>
+                  <a:noFill/>
+                </a:ln>
+                <a:solidFill>
+                  <a:prstClr val="black">
+                    <a:lumMod val="75000"/>
+                    <a:lumOff val="25000"/>
+                  </a:prstClr>
+                </a:solidFill>
+                <a:effectLst/>
+                <a:uLnTx/>
+                <a:uFillTx/>
+                <a:latin typeface="Abadi Extra Light" panose="020B0204020104020204" pitchFamily="34" charset="0"/>
+                <a:cs typeface="Ayuthaya" pitchFamily="2" charset="-34"/>
+              </a:rPr>
+              <a:t>BigInteger</a:t>
+            </a:r>
+            <a:r>
+              <a:rPr kumimoji="0" lang="en-US" sz="1400" b="0" i="0" u="none" strike="noStrike" kern="1200" cap="none" spc="0" normalizeH="0" baseline="0" noProof="0" dirty="0">
+                <a:ln>
+                  <a:noFill/>
+                </a:ln>
+                <a:solidFill>
+                  <a:prstClr val="black">
+                    <a:lumMod val="75000"/>
+                    <a:lumOff val="25000"/>
+                  </a:prstClr>
+                </a:solidFill>
+                <a:effectLst/>
+                <a:uLnTx/>
+                <a:uFillTx/>
+                <a:latin typeface="Abadi Extra Light" panose="020B0204020104020204" pitchFamily="34" charset="0"/>
+                <a:cs typeface="Ayuthaya" pitchFamily="2" charset="-34"/>
+              </a:rPr>
+              <a:t>, </a:t>
+            </a:r>
+            <a:r>
+              <a:rPr lang="en-US" sz="1400" b="1" dirty="0">
+                <a:solidFill>
+                  <a:srgbClr val="FF0000"/>
+                </a:solidFill>
+                <a:latin typeface="Abadi Extra Light" panose="020B0204020104020204" pitchFamily="34" charset="0"/>
+                <a:cs typeface="Ayuthaya" pitchFamily="2" charset="-34"/>
+              </a:rPr>
+              <a:t>TendermintED25519Validator</a:t>
+            </a:r>
+            <a:r>
+              <a:rPr kumimoji="0" lang="en-US" sz="1400" b="0" i="0" u="none" strike="noStrike" kern="1200" cap="none" spc="0" normalizeH="0" baseline="0" noProof="0" dirty="0">
+                <a:ln>
+                  <a:noFill/>
+                </a:ln>
+                <a:solidFill>
+                  <a:prstClr val="black">
+                    <a:lumMod val="75000"/>
+                    <a:lumOff val="25000"/>
+                  </a:prstClr>
+                </a:solidFill>
+                <a:effectLst/>
+                <a:uLnTx/>
+                <a:uFillTx/>
+                <a:latin typeface="Abadi Extra Light" panose="020B0204020104020204" pitchFamily="34" charset="0"/>
+                <a:cs typeface="Ayuthaya" pitchFamily="2" charset="-34"/>
+              </a:rPr>
+              <a:t>, Offer</a:t>
+            </a:r>
+            <a:r>
+              <a:rPr lang="en-US" sz="1400" dirty="0">
+                <a:solidFill>
+                  <a:srgbClr val="C00000"/>
+                </a:solidFill>
+                <a:latin typeface="Abadi Extra Light" panose="020B0204020104020204" pitchFamily="34" charset="0"/>
+              </a:rPr>
+              <a:t>)</a:t>
+            </a:r>
+            <a:endParaRPr lang="en-US" sz="1400" dirty="0">
+              <a:solidFill>
+                <a:schemeClr val="accent6">
+                  <a:lumMod val="75000"/>
+                </a:schemeClr>
+              </a:solidFill>
+            </a:endParaRPr>
+          </a:p>
+        </p:txBody>
+      </p:sp>
+      <p:sp>
+        <p:nvSpPr>
+          <p:cNvPr id="44" name="TextBox 43">
+            <a:extLst>
+              <a:ext uri="{FF2B5EF4-FFF2-40B4-BE49-F238E27FC236}">
+                <a16:creationId xmlns:a16="http://schemas.microsoft.com/office/drawing/2014/main" id="{2C7053F8-E35C-4C4A-BE8E-83DA7FF68186}"/>
+              </a:ext>
+            </a:extLst>
+          </p:cNvPr>
+          <p:cNvSpPr txBox="1"/>
+          <p:nvPr/>
+        </p:nvSpPr>
+        <p:spPr>
+          <a:xfrm>
+            <a:off x="4408101" y="4168396"/>
+            <a:ext cx="308640" cy="337542"/>
+          </a:xfrm>
+          <a:prstGeom prst="roundRect">
+            <a:avLst/>
+          </a:prstGeom>
+          <a:solidFill>
+            <a:schemeClr val="accent6">
+              <a:lumMod val="20000"/>
+              <a:lumOff val="80000"/>
+            </a:schemeClr>
+          </a:solidFill>
+          <a:ln>
+            <a:solidFill>
+              <a:schemeClr val="accent6">
+                <a:lumMod val="50000"/>
+              </a:schemeClr>
+            </a:solidFill>
+          </a:ln>
+        </p:spPr>
+        <p:style>
+          <a:lnRef idx="2">
+            <a:schemeClr val="accent3"/>
+          </a:lnRef>
+          <a:fillRef idx="1">
+            <a:schemeClr val="lt1"/>
+          </a:fillRef>
+          <a:effectRef idx="0">
+            <a:schemeClr val="accent3"/>
+          </a:effectRef>
+          <a:fontRef idx="minor">
+            <a:schemeClr val="dk1"/>
+          </a:fontRef>
+        </p:style>
+        <p:txBody>
+          <a:bodyPr wrap="square" rtlCol="0">
+            <a:spAutoFit/>
+          </a:bodyPr>
+          <a:lstStyle/>
+          <a:p>
+            <a:pPr algn="ctr"/>
+            <a:r>
+              <a:rPr lang="en-US" sz="1400" dirty="0">
+                <a:solidFill>
+                  <a:schemeClr val="tx1"/>
+                </a:solidFill>
+                <a:latin typeface="Abadi Extra Light" panose="020B0204020104020204" pitchFamily="34" charset="0"/>
+              </a:rPr>
+              <a:t>2</a:t>
+            </a:r>
+            <a:endParaRPr lang="en-US" sz="1400" dirty="0">
+              <a:solidFill>
+                <a:schemeClr val="tx1"/>
+              </a:solidFill>
+            </a:endParaRPr>
+          </a:p>
+        </p:txBody>
+      </p:sp>
+      <p:sp>
+        <p:nvSpPr>
+          <p:cNvPr id="45" name="TextBox 44">
+            <a:extLst>
+              <a:ext uri="{FF2B5EF4-FFF2-40B4-BE49-F238E27FC236}">
+                <a16:creationId xmlns:a16="http://schemas.microsoft.com/office/drawing/2014/main" id="{125A4382-719B-46B6-9C03-099EEA2F90D0}"/>
+              </a:ext>
+            </a:extLst>
+          </p:cNvPr>
+          <p:cNvSpPr txBox="1"/>
+          <p:nvPr/>
+        </p:nvSpPr>
+        <p:spPr>
+          <a:xfrm>
+            <a:off x="5258945" y="4842624"/>
+            <a:ext cx="3029034" cy="307777"/>
+          </a:xfrm>
+          <a:prstGeom prst="rect">
+            <a:avLst/>
+          </a:prstGeom>
+          <a:noFill/>
+        </p:spPr>
+        <p:txBody>
+          <a:bodyPr wrap="none" rtlCol="0">
+            <a:spAutoFit/>
+          </a:bodyPr>
+          <a:lstStyle/>
+          <a:p>
+            <a:r>
+              <a:rPr lang="en-US" sz="1400" dirty="0" err="1">
+                <a:solidFill>
+                  <a:srgbClr val="FF00FF"/>
+                </a:solidFill>
+                <a:latin typeface="Abadi Extra Light" panose="020B0204020104020204" pitchFamily="34" charset="0"/>
+              </a:rPr>
+              <a:t>checkcast</a:t>
+            </a:r>
+            <a:r>
+              <a:rPr lang="en-US" sz="1400" dirty="0">
+                <a:solidFill>
+                  <a:srgbClr val="FF00FF"/>
+                </a:solidFill>
+                <a:latin typeface="Abadi Extra Light" panose="020B0204020104020204" pitchFamily="34" charset="0"/>
+              </a:rPr>
+              <a:t> TendermintED25519Validator</a:t>
+            </a:r>
+            <a:endParaRPr lang="en-US" sz="1400" dirty="0">
+              <a:solidFill>
+                <a:srgbClr val="FF00FF"/>
+              </a:solidFill>
+            </a:endParaRPr>
+          </a:p>
+        </p:txBody>
+      </p:sp>
+      <p:cxnSp>
+        <p:nvCxnSpPr>
+          <p:cNvPr id="46" name="Straight Connector 45">
+            <a:extLst>
+              <a:ext uri="{FF2B5EF4-FFF2-40B4-BE49-F238E27FC236}">
+                <a16:creationId xmlns:a16="http://schemas.microsoft.com/office/drawing/2014/main" id="{288772BC-A357-4D67-912F-E826B68E61CB}"/>
+              </a:ext>
+            </a:extLst>
+          </p:cNvPr>
+          <p:cNvCxnSpPr>
+            <a:cxnSpLocks/>
+          </p:cNvCxnSpPr>
+          <p:nvPr/>
+        </p:nvCxnSpPr>
+        <p:spPr>
+          <a:xfrm flipV="1">
+            <a:off x="5208191" y="4281419"/>
+            <a:ext cx="0" cy="960421"/>
+          </a:xfrm>
+          <a:prstGeom prst="line">
+            <a:avLst/>
+          </a:prstGeom>
+          <a:ln>
+            <a:solidFill>
+              <a:srgbClr val="7030A0"/>
+            </a:solidFill>
+            <a:headEnd type="none" w="med" len="med"/>
+            <a:tailEnd type="triangle" w="lg" len="lg"/>
+          </a:ln>
+        </p:spPr>
+        <p:style>
+          <a:lnRef idx="1">
+            <a:schemeClr val="accent5"/>
+          </a:lnRef>
+          <a:fillRef idx="0">
+            <a:schemeClr val="accent5"/>
+          </a:fillRef>
+          <a:effectRef idx="0">
+            <a:schemeClr val="accent5"/>
+          </a:effectRef>
+          <a:fontRef idx="minor">
+            <a:schemeClr val="tx1"/>
+          </a:fontRef>
+        </p:style>
+      </p:cxnSp>
+      <p:sp>
+        <p:nvSpPr>
+          <p:cNvPr id="47" name="TextBox 46">
+            <a:extLst>
+              <a:ext uri="{FF2B5EF4-FFF2-40B4-BE49-F238E27FC236}">
+                <a16:creationId xmlns:a16="http://schemas.microsoft.com/office/drawing/2014/main" id="{E3AF43ED-7C41-4DEA-A748-6F02ED01806E}"/>
+              </a:ext>
+            </a:extLst>
+          </p:cNvPr>
+          <p:cNvSpPr txBox="1"/>
+          <p:nvPr/>
+        </p:nvSpPr>
+        <p:spPr>
+          <a:xfrm>
+            <a:off x="4240532" y="3421193"/>
+            <a:ext cx="3544625" cy="307777"/>
+          </a:xfrm>
+          <a:prstGeom prst="rect">
+            <a:avLst/>
+          </a:prstGeom>
+          <a:noFill/>
+        </p:spPr>
+        <p:txBody>
+          <a:bodyPr wrap="none" rtlCol="0">
+            <a:spAutoFit/>
+          </a:bodyPr>
+          <a:lstStyle/>
+          <a:p>
+            <a:r>
+              <a:rPr lang="en-US" sz="1400" dirty="0" err="1">
+                <a:solidFill>
+                  <a:srgbClr val="0070C0"/>
+                </a:solidFill>
+                <a:latin typeface="Abadi Extra Light" panose="020B0204020104020204" pitchFamily="34" charset="0"/>
+              </a:rPr>
+              <a:t>TendermintValidators</a:t>
+            </a:r>
+            <a:r>
+              <a:rPr lang="en-US" sz="1400" dirty="0">
+                <a:solidFill>
+                  <a:srgbClr val="0070C0"/>
+                </a:solidFill>
+                <a:latin typeface="Abadi Extra Light" panose="020B0204020104020204" pitchFamily="34" charset="0"/>
+              </a:rPr>
+              <a:t> extends </a:t>
+            </a:r>
+            <a:r>
+              <a:rPr lang="en-US" sz="1400" dirty="0" err="1">
+                <a:solidFill>
+                  <a:srgbClr val="0070C0"/>
+                </a:solidFill>
+                <a:latin typeface="Abadi Extra Light" panose="020B0204020104020204" pitchFamily="34" charset="0"/>
+              </a:rPr>
+              <a:t>AbstractValidators</a:t>
+            </a:r>
+            <a:endParaRPr lang="en-US" sz="1400" dirty="0">
+              <a:solidFill>
+                <a:srgbClr val="0070C0"/>
+              </a:solidFill>
+            </a:endParaRPr>
+          </a:p>
+        </p:txBody>
+      </p:sp>
+      <p:sp>
+        <p:nvSpPr>
+          <p:cNvPr id="48" name="TextBox 47">
+            <a:extLst>
+              <a:ext uri="{FF2B5EF4-FFF2-40B4-BE49-F238E27FC236}">
+                <a16:creationId xmlns:a16="http://schemas.microsoft.com/office/drawing/2014/main" id="{E1A4E613-335C-4E5A-AE08-D61E18C8515C}"/>
+              </a:ext>
+            </a:extLst>
+          </p:cNvPr>
+          <p:cNvSpPr txBox="1"/>
+          <p:nvPr/>
+        </p:nvSpPr>
+        <p:spPr>
+          <a:xfrm>
+            <a:off x="5277611" y="4576445"/>
+            <a:ext cx="1042080" cy="307777"/>
+          </a:xfrm>
+          <a:prstGeom prst="rect">
+            <a:avLst/>
+          </a:prstGeom>
+          <a:noFill/>
+        </p:spPr>
+        <p:txBody>
+          <a:bodyPr wrap="none" rtlCol="0">
+            <a:spAutoFit/>
+          </a:bodyPr>
+          <a:lstStyle/>
+          <a:p>
+            <a:r>
+              <a:rPr lang="en-US" sz="1400" dirty="0" err="1">
+                <a:latin typeface="Abadi Extra Light" panose="020B0204020104020204" pitchFamily="34" charset="0"/>
+              </a:rPr>
+              <a:t>invokevirtual</a:t>
+            </a:r>
+            <a:endParaRPr lang="en-US" sz="1400" dirty="0"/>
+          </a:p>
+        </p:txBody>
+      </p:sp>
+      <p:cxnSp>
+        <p:nvCxnSpPr>
+          <p:cNvPr id="49" name="Straight Connector 48">
+            <a:extLst>
+              <a:ext uri="{FF2B5EF4-FFF2-40B4-BE49-F238E27FC236}">
+                <a16:creationId xmlns:a16="http://schemas.microsoft.com/office/drawing/2014/main" id="{F52D2858-525D-4B38-9240-2E449860EA6C}"/>
+              </a:ext>
+            </a:extLst>
+          </p:cNvPr>
+          <p:cNvCxnSpPr>
+            <a:cxnSpLocks/>
+          </p:cNvCxnSpPr>
+          <p:nvPr/>
+        </p:nvCxnSpPr>
+        <p:spPr>
+          <a:xfrm flipV="1">
+            <a:off x="8313856" y="2112721"/>
+            <a:ext cx="0" cy="1725602"/>
+          </a:xfrm>
+          <a:prstGeom prst="line">
+            <a:avLst/>
+          </a:prstGeom>
+          <a:ln>
+            <a:solidFill>
+              <a:srgbClr val="7030A0"/>
+            </a:solidFill>
+            <a:headEnd type="none" w="med" len="med"/>
+            <a:tailEnd type="triangle" w="lg" len="lg"/>
+          </a:ln>
+        </p:spPr>
+        <p:style>
+          <a:lnRef idx="1">
+            <a:schemeClr val="accent5"/>
+          </a:lnRef>
+          <a:fillRef idx="0">
+            <a:schemeClr val="accent5"/>
+          </a:fillRef>
+          <a:effectRef idx="0">
+            <a:schemeClr val="accent5"/>
+          </a:effectRef>
+          <a:fontRef idx="minor">
+            <a:schemeClr val="tx1"/>
+          </a:fontRef>
+        </p:style>
+      </p:cxnSp>
+      <p:sp>
+        <p:nvSpPr>
+          <p:cNvPr id="59" name="TextBox 58">
+            <a:extLst>
+              <a:ext uri="{FF2B5EF4-FFF2-40B4-BE49-F238E27FC236}">
+                <a16:creationId xmlns:a16="http://schemas.microsoft.com/office/drawing/2014/main" id="{56B5993F-4C3F-49BD-88BD-77F0A28BB07C}"/>
+              </a:ext>
+            </a:extLst>
+          </p:cNvPr>
+          <p:cNvSpPr txBox="1"/>
+          <p:nvPr/>
+        </p:nvSpPr>
+        <p:spPr>
+          <a:xfrm>
+            <a:off x="4237986" y="1357783"/>
+            <a:ext cx="1434816" cy="307777"/>
+          </a:xfrm>
+          <a:prstGeom prst="rect">
+            <a:avLst/>
+          </a:prstGeom>
+          <a:noFill/>
+        </p:spPr>
+        <p:txBody>
+          <a:bodyPr wrap="none" rtlCol="0">
+            <a:spAutoFit/>
+          </a:bodyPr>
+          <a:lstStyle/>
+          <a:p>
+            <a:r>
+              <a:rPr lang="en-US" sz="1400" dirty="0" err="1">
+                <a:solidFill>
+                  <a:srgbClr val="0070C0"/>
+                </a:solidFill>
+                <a:latin typeface="Abadi Extra Light" panose="020B0204020104020204" pitchFamily="34" charset="0"/>
+              </a:rPr>
+              <a:t>AbstractValidators</a:t>
+            </a:r>
+            <a:endParaRPr lang="en-US" sz="1400" dirty="0">
+              <a:solidFill>
+                <a:srgbClr val="0070C0"/>
+              </a:solidFill>
+            </a:endParaRPr>
+          </a:p>
+        </p:txBody>
+      </p:sp>
+      <p:sp>
+        <p:nvSpPr>
+          <p:cNvPr id="60" name="TextBox 59">
+            <a:extLst>
+              <a:ext uri="{FF2B5EF4-FFF2-40B4-BE49-F238E27FC236}">
+                <a16:creationId xmlns:a16="http://schemas.microsoft.com/office/drawing/2014/main" id="{60AC631A-5CEA-4F33-B241-DE9BE1448007}"/>
+              </a:ext>
+            </a:extLst>
+          </p:cNvPr>
+          <p:cNvSpPr txBox="1"/>
+          <p:nvPr/>
+        </p:nvSpPr>
+        <p:spPr>
+          <a:xfrm>
+            <a:off x="4562420" y="1738150"/>
+            <a:ext cx="4163703" cy="340519"/>
+          </a:xfrm>
+          <a:prstGeom prst="roundRect">
+            <a:avLst/>
+          </a:prstGeom>
+        </p:spPr>
+        <p:style>
+          <a:lnRef idx="2">
+            <a:schemeClr val="accent6"/>
+          </a:lnRef>
+          <a:fillRef idx="1">
+            <a:schemeClr val="lt1"/>
+          </a:fillRef>
+          <a:effectRef idx="0">
+            <a:schemeClr val="accent6"/>
+          </a:effectRef>
+          <a:fontRef idx="minor">
+            <a:schemeClr val="dk1"/>
+          </a:fontRef>
+        </p:style>
+        <p:txBody>
+          <a:bodyPr wrap="square" rtlCol="0">
+            <a:spAutoFit/>
+          </a:bodyPr>
+          <a:lstStyle/>
+          <a:p>
+            <a:r>
+              <a:rPr lang="en-US" sz="1400" dirty="0">
+                <a:solidFill>
+                  <a:srgbClr val="C00000"/>
+                </a:solidFill>
+                <a:latin typeface="Abadi Extra Light" panose="020B0204020104020204" pitchFamily="34" charset="0"/>
+              </a:rPr>
+              <a:t>accept(</a:t>
+            </a:r>
+            <a:r>
+              <a:rPr kumimoji="0" lang="en-US" sz="1400" b="0" i="0" u="none" strike="noStrike" kern="1200" cap="none" spc="0" normalizeH="0" baseline="0" noProof="0" dirty="0" err="1">
+                <a:ln>
+                  <a:noFill/>
+                </a:ln>
+                <a:solidFill>
+                  <a:prstClr val="black">
+                    <a:lumMod val="75000"/>
+                    <a:lumOff val="25000"/>
+                  </a:prstClr>
+                </a:solidFill>
+                <a:effectLst/>
+                <a:uLnTx/>
+                <a:uFillTx/>
+                <a:latin typeface="Abadi Extra Light" panose="020B0204020104020204" pitchFamily="34" charset="0"/>
+                <a:cs typeface="Ayuthaya" pitchFamily="2" charset="-34"/>
+              </a:rPr>
+              <a:t>BigInteger</a:t>
+            </a:r>
+            <a:r>
+              <a:rPr kumimoji="0" lang="en-US" sz="1400" b="0" i="0" u="none" strike="noStrike" kern="1200" cap="none" spc="0" normalizeH="0" baseline="0" noProof="0" dirty="0">
+                <a:ln>
+                  <a:noFill/>
+                </a:ln>
+                <a:solidFill>
+                  <a:prstClr val="black">
+                    <a:lumMod val="75000"/>
+                    <a:lumOff val="25000"/>
+                  </a:prstClr>
+                </a:solidFill>
+                <a:effectLst/>
+                <a:uLnTx/>
+                <a:uFillTx/>
+                <a:latin typeface="Abadi Extra Light" panose="020B0204020104020204" pitchFamily="34" charset="0"/>
+                <a:cs typeface="Ayuthaya" pitchFamily="2" charset="-34"/>
+              </a:rPr>
+              <a:t>, </a:t>
+            </a:r>
+            <a:r>
+              <a:rPr lang="en-US" sz="1400" b="1" dirty="0" err="1">
+                <a:solidFill>
+                  <a:srgbClr val="FF0000"/>
+                </a:solidFill>
+                <a:latin typeface="Abadi Extra Light" panose="020B0204020104020204" pitchFamily="34" charset="0"/>
+                <a:cs typeface="Ayuthaya" pitchFamily="2" charset="-34"/>
+              </a:rPr>
+              <a:t>PayableContract</a:t>
+            </a:r>
+            <a:r>
+              <a:rPr kumimoji="0" lang="en-US" sz="1400" b="0" i="0" u="none" strike="noStrike" kern="1200" cap="none" spc="0" normalizeH="0" baseline="0" noProof="0" dirty="0">
+                <a:ln>
+                  <a:noFill/>
+                </a:ln>
+                <a:solidFill>
+                  <a:prstClr val="black">
+                    <a:lumMod val="75000"/>
+                    <a:lumOff val="25000"/>
+                  </a:prstClr>
+                </a:solidFill>
+                <a:effectLst/>
+                <a:uLnTx/>
+                <a:uFillTx/>
+                <a:latin typeface="Abadi Extra Light" panose="020B0204020104020204" pitchFamily="34" charset="0"/>
+                <a:cs typeface="Ayuthaya" pitchFamily="2" charset="-34"/>
+              </a:rPr>
+              <a:t>, Offer</a:t>
+            </a:r>
+            <a:r>
+              <a:rPr lang="en-US" sz="1400" dirty="0">
+                <a:solidFill>
+                  <a:srgbClr val="C00000"/>
+                </a:solidFill>
+                <a:latin typeface="Abadi Extra Light" panose="020B0204020104020204" pitchFamily="34" charset="0"/>
+              </a:rPr>
+              <a:t>)</a:t>
+            </a:r>
+            <a:endParaRPr lang="en-US" sz="1400" dirty="0">
+              <a:solidFill>
+                <a:schemeClr val="accent6">
+                  <a:lumMod val="75000"/>
+                </a:schemeClr>
+              </a:solidFill>
+            </a:endParaRPr>
+          </a:p>
+        </p:txBody>
+      </p:sp>
+      <p:sp>
+        <p:nvSpPr>
+          <p:cNvPr id="62" name="TextBox 61">
+            <a:extLst>
+              <a:ext uri="{FF2B5EF4-FFF2-40B4-BE49-F238E27FC236}">
+                <a16:creationId xmlns:a16="http://schemas.microsoft.com/office/drawing/2014/main" id="{04AF23CD-CCB4-489F-BA0A-554ADC6EE20E}"/>
+              </a:ext>
+            </a:extLst>
+          </p:cNvPr>
+          <p:cNvSpPr txBox="1"/>
+          <p:nvPr/>
+        </p:nvSpPr>
+        <p:spPr>
+          <a:xfrm>
+            <a:off x="4405555" y="2034365"/>
+            <a:ext cx="308640" cy="337542"/>
+          </a:xfrm>
+          <a:prstGeom prst="roundRect">
+            <a:avLst/>
+          </a:prstGeom>
+          <a:solidFill>
+            <a:schemeClr val="accent6">
+              <a:lumMod val="20000"/>
+              <a:lumOff val="80000"/>
+            </a:schemeClr>
+          </a:solidFill>
+          <a:ln>
+            <a:solidFill>
+              <a:schemeClr val="accent6">
+                <a:lumMod val="50000"/>
+              </a:schemeClr>
+            </a:solidFill>
+          </a:ln>
+        </p:spPr>
+        <p:style>
+          <a:lnRef idx="2">
+            <a:schemeClr val="accent3"/>
+          </a:lnRef>
+          <a:fillRef idx="1">
+            <a:schemeClr val="lt1"/>
+          </a:fillRef>
+          <a:effectRef idx="0">
+            <a:schemeClr val="accent3"/>
+          </a:effectRef>
+          <a:fontRef idx="minor">
+            <a:schemeClr val="dk1"/>
+          </a:fontRef>
+        </p:style>
+        <p:txBody>
+          <a:bodyPr wrap="square" rtlCol="0">
+            <a:spAutoFit/>
+          </a:bodyPr>
+          <a:lstStyle/>
+          <a:p>
+            <a:pPr algn="ctr"/>
+            <a:r>
+              <a:rPr lang="en-US" sz="1400" dirty="0">
+                <a:solidFill>
+                  <a:schemeClr val="tx1"/>
+                </a:solidFill>
+                <a:latin typeface="Abadi Extra Light" panose="020B0204020104020204" pitchFamily="34" charset="0"/>
+              </a:rPr>
+              <a:t>1</a:t>
+            </a:r>
+            <a:endParaRPr lang="en-US" sz="1400" dirty="0">
+              <a:solidFill>
+                <a:schemeClr val="tx1"/>
+              </a:solidFill>
+            </a:endParaRPr>
+          </a:p>
+        </p:txBody>
+      </p:sp>
+      <p:sp>
+        <p:nvSpPr>
+          <p:cNvPr id="63" name="TextBox 62">
+            <a:extLst>
+              <a:ext uri="{FF2B5EF4-FFF2-40B4-BE49-F238E27FC236}">
+                <a16:creationId xmlns:a16="http://schemas.microsoft.com/office/drawing/2014/main" id="{E47D6402-DBE9-4D29-92B9-4342907B18B6}"/>
+              </a:ext>
+            </a:extLst>
+          </p:cNvPr>
+          <p:cNvSpPr txBox="1"/>
+          <p:nvPr/>
+        </p:nvSpPr>
+        <p:spPr>
+          <a:xfrm>
+            <a:off x="7267464" y="2620243"/>
+            <a:ext cx="1042080" cy="307777"/>
+          </a:xfrm>
+          <a:prstGeom prst="rect">
+            <a:avLst/>
+          </a:prstGeom>
+          <a:noFill/>
+        </p:spPr>
+        <p:txBody>
+          <a:bodyPr wrap="none" rtlCol="0">
+            <a:spAutoFit/>
+          </a:bodyPr>
+          <a:lstStyle/>
+          <a:p>
+            <a:r>
+              <a:rPr lang="en-US" sz="1400" dirty="0" err="1">
+                <a:latin typeface="Abadi Extra Light" panose="020B0204020104020204" pitchFamily="34" charset="0"/>
+              </a:rPr>
+              <a:t>invokevirtual</a:t>
+            </a:r>
+            <a:endParaRPr lang="en-US" sz="1400" dirty="0"/>
+          </a:p>
+        </p:txBody>
+      </p:sp>
+      <p:cxnSp>
+        <p:nvCxnSpPr>
+          <p:cNvPr id="66" name="Straight Connector 65">
+            <a:extLst>
+              <a:ext uri="{FF2B5EF4-FFF2-40B4-BE49-F238E27FC236}">
+                <a16:creationId xmlns:a16="http://schemas.microsoft.com/office/drawing/2014/main" id="{D3C032F5-49C4-41C6-9F8E-E1FB1CCF54BE}"/>
+              </a:ext>
+            </a:extLst>
+          </p:cNvPr>
+          <p:cNvCxnSpPr>
+            <a:cxnSpLocks/>
+          </p:cNvCxnSpPr>
+          <p:nvPr/>
+        </p:nvCxnSpPr>
+        <p:spPr>
+          <a:xfrm>
+            <a:off x="8910080" y="435162"/>
+            <a:ext cx="0" cy="5895922"/>
+          </a:xfrm>
+          <a:prstGeom prst="line">
+            <a:avLst/>
+          </a:prstGeom>
+        </p:spPr>
+        <p:style>
+          <a:lnRef idx="1">
+            <a:schemeClr val="accent1"/>
+          </a:lnRef>
+          <a:fillRef idx="0">
+            <a:schemeClr val="accent1"/>
+          </a:fillRef>
+          <a:effectRef idx="0">
+            <a:schemeClr val="accent1"/>
+          </a:effectRef>
+          <a:fontRef idx="minor">
+            <a:schemeClr val="tx1"/>
+          </a:fontRef>
+        </p:style>
+      </p:cxnSp>
+      <p:sp>
+        <p:nvSpPr>
+          <p:cNvPr id="68" name="TextBox 67">
+            <a:extLst>
+              <a:ext uri="{FF2B5EF4-FFF2-40B4-BE49-F238E27FC236}">
+                <a16:creationId xmlns:a16="http://schemas.microsoft.com/office/drawing/2014/main" id="{4DF80631-8A13-4DC6-BEAF-3BB19EA240E8}"/>
+              </a:ext>
+            </a:extLst>
+          </p:cNvPr>
+          <p:cNvSpPr txBox="1"/>
+          <p:nvPr/>
+        </p:nvSpPr>
+        <p:spPr>
+          <a:xfrm>
+            <a:off x="9776614" y="626172"/>
+            <a:ext cx="826380" cy="338554"/>
+          </a:xfrm>
+          <a:prstGeom prst="rect">
+            <a:avLst/>
+          </a:prstGeom>
+          <a:noFill/>
+        </p:spPr>
+        <p:txBody>
+          <a:bodyPr wrap="none" rtlCol="0">
+            <a:spAutoFit/>
+          </a:bodyPr>
+          <a:lstStyle/>
+          <a:p>
+            <a:r>
+              <a:rPr lang="en-US" sz="1600" b="1" dirty="0">
+                <a:latin typeface="Abadi Extra Light" panose="020B0204020104020204" pitchFamily="34" charset="0"/>
+              </a:rPr>
+              <a:t>Runtime</a:t>
+            </a:r>
+            <a:endParaRPr lang="en-US" sz="1600" b="1" dirty="0"/>
+          </a:p>
+        </p:txBody>
+      </p:sp>
+      <p:pic>
+        <p:nvPicPr>
+          <p:cNvPr id="69" name="Graphic 68" descr="Connections with solid fill">
+            <a:extLst>
+              <a:ext uri="{FF2B5EF4-FFF2-40B4-BE49-F238E27FC236}">
+                <a16:creationId xmlns:a16="http://schemas.microsoft.com/office/drawing/2014/main" id="{7FB1E42A-622D-40EF-B5FA-B008D9958F7C}"/>
+              </a:ext>
+            </a:extLst>
+          </p:cNvPr>
+          <p:cNvPicPr>
+            <a:picLocks noChangeAspect="1"/>
+          </p:cNvPicPr>
+          <p:nvPr/>
+        </p:nvPicPr>
+        <p:blipFill>
+          <a:blip r:embed="rId4">
+            <a:extLst>
+              <a:ext uri="{28A0092B-C50C-407E-A947-70E740481C1C}">
+                <a14:useLocalDpi xmlns:a14="http://schemas.microsoft.com/office/drawing/2010/main" val="0"/>
+              </a:ext>
+              <a:ext uri="{96DAC541-7B7A-43D3-8B79-37D633B846F1}">
+                <asvg:svgBlip xmlns:asvg="http://schemas.microsoft.com/office/drawing/2016/SVG/main" r:embed="rId5"/>
+              </a:ext>
+            </a:extLst>
+          </a:blip>
+          <a:stretch>
+            <a:fillRect/>
+          </a:stretch>
+        </p:blipFill>
+        <p:spPr>
+          <a:xfrm>
+            <a:off x="10657904" y="322855"/>
+            <a:ext cx="704277" cy="704277"/>
+          </a:xfrm>
+          <a:prstGeom prst="rect">
+            <a:avLst/>
+          </a:prstGeom>
+        </p:spPr>
+      </p:pic>
+      <p:pic>
+        <p:nvPicPr>
+          <p:cNvPr id="71" name="Graphic 70" descr="Programmer male with solid fill">
+            <a:extLst>
+              <a:ext uri="{FF2B5EF4-FFF2-40B4-BE49-F238E27FC236}">
+                <a16:creationId xmlns:a16="http://schemas.microsoft.com/office/drawing/2014/main" id="{00BC609A-D218-4E54-92B5-E403A0F3692A}"/>
+              </a:ext>
+            </a:extLst>
+          </p:cNvPr>
+          <p:cNvPicPr>
+            <a:picLocks noChangeAspect="1"/>
+          </p:cNvPicPr>
+          <p:nvPr/>
+        </p:nvPicPr>
+        <p:blipFill>
+          <a:blip r:embed="rId6">
+            <a:extLst>
+              <a:ext uri="{96DAC541-7B7A-43D3-8B79-37D633B846F1}">
+                <asvg:svgBlip xmlns:asvg="http://schemas.microsoft.com/office/drawing/2016/SVG/main" r:embed="rId7"/>
+              </a:ext>
+            </a:extLst>
+          </a:blip>
+          <a:stretch>
+            <a:fillRect/>
+          </a:stretch>
+        </p:blipFill>
+        <p:spPr>
+          <a:xfrm>
+            <a:off x="10136345" y="5233512"/>
+            <a:ext cx="583337" cy="583337"/>
+          </a:xfrm>
+          <a:prstGeom prst="rect">
+            <a:avLst/>
+          </a:prstGeom>
+        </p:spPr>
+      </p:pic>
+      <p:sp>
+        <p:nvSpPr>
+          <p:cNvPr id="72" name="TextBox 71">
+            <a:extLst>
+              <a:ext uri="{FF2B5EF4-FFF2-40B4-BE49-F238E27FC236}">
+                <a16:creationId xmlns:a16="http://schemas.microsoft.com/office/drawing/2014/main" id="{93393D08-02C5-41F6-BE30-C241A0078E63}"/>
+              </a:ext>
+            </a:extLst>
+          </p:cNvPr>
+          <p:cNvSpPr txBox="1"/>
+          <p:nvPr/>
+        </p:nvSpPr>
+        <p:spPr>
+          <a:xfrm>
+            <a:off x="9897524" y="5902665"/>
+            <a:ext cx="1186763" cy="306467"/>
+          </a:xfrm>
+          <a:prstGeom prst="roundRect">
+            <a:avLst/>
+          </a:prstGeom>
+          <a:solidFill>
+            <a:schemeClr val="accent5">
+              <a:lumMod val="20000"/>
+              <a:lumOff val="80000"/>
+            </a:schemeClr>
+          </a:solidFill>
+          <a:ln>
+            <a:solidFill>
+              <a:srgbClr val="0070C0"/>
+            </a:solidFill>
+          </a:ln>
+        </p:spPr>
+        <p:style>
+          <a:lnRef idx="2">
+            <a:schemeClr val="accent3"/>
+          </a:lnRef>
+          <a:fillRef idx="1">
+            <a:schemeClr val="lt1"/>
+          </a:fillRef>
+          <a:effectRef idx="0">
+            <a:schemeClr val="accent3"/>
+          </a:effectRef>
+          <a:fontRef idx="minor">
+            <a:schemeClr val="dk1"/>
+          </a:fontRef>
+        </p:style>
+        <p:txBody>
+          <a:bodyPr wrap="square" rtlCol="0">
+            <a:spAutoFit/>
+          </a:bodyPr>
+          <a:lstStyle/>
+          <a:p>
+            <a:pPr algn="ctr"/>
+            <a:r>
+              <a:rPr lang="en-US" sz="1200" dirty="0">
+                <a:solidFill>
+                  <a:srgbClr val="0070C0"/>
+                </a:solidFill>
+                <a:latin typeface="Abadi Extra Light" panose="020B0204020104020204" pitchFamily="34" charset="0"/>
+              </a:rPr>
+              <a:t>Validator</a:t>
+            </a:r>
+            <a:endParaRPr lang="en-US" sz="1200" dirty="0">
+              <a:solidFill>
+                <a:srgbClr val="0070C0"/>
+              </a:solidFill>
+            </a:endParaRPr>
+          </a:p>
+        </p:txBody>
+      </p:sp>
+      <p:sp>
+        <p:nvSpPr>
+          <p:cNvPr id="73" name="TextBox 72">
+            <a:extLst>
+              <a:ext uri="{FF2B5EF4-FFF2-40B4-BE49-F238E27FC236}">
+                <a16:creationId xmlns:a16="http://schemas.microsoft.com/office/drawing/2014/main" id="{33EA310D-6720-4694-8974-02AB270BBBEF}"/>
+              </a:ext>
+            </a:extLst>
+          </p:cNvPr>
+          <p:cNvSpPr txBox="1"/>
+          <p:nvPr/>
+        </p:nvSpPr>
+        <p:spPr>
+          <a:xfrm>
+            <a:off x="9426254" y="4330188"/>
+            <a:ext cx="2003517" cy="306467"/>
+          </a:xfrm>
+          <a:prstGeom prst="roundRect">
+            <a:avLst/>
+          </a:prstGeom>
+          <a:ln>
+            <a:solidFill>
+              <a:srgbClr val="7030A0"/>
+            </a:solidFill>
+          </a:ln>
+        </p:spPr>
+        <p:style>
+          <a:lnRef idx="2">
+            <a:schemeClr val="accent3"/>
+          </a:lnRef>
+          <a:fillRef idx="1">
+            <a:schemeClr val="lt1"/>
+          </a:fillRef>
+          <a:effectRef idx="0">
+            <a:schemeClr val="accent3"/>
+          </a:effectRef>
+          <a:fontRef idx="minor">
+            <a:schemeClr val="dk1"/>
+          </a:fontRef>
+        </p:style>
+        <p:txBody>
+          <a:bodyPr wrap="none" rtlCol="0">
+            <a:spAutoFit/>
+          </a:bodyPr>
+          <a:lstStyle/>
+          <a:p>
+            <a:r>
+              <a:rPr lang="en-US" sz="1200" dirty="0">
+                <a:solidFill>
+                  <a:srgbClr val="7030A0"/>
+                </a:solidFill>
+                <a:latin typeface="Abadi Extra Light" panose="020B0204020104020204" pitchFamily="34" charset="0"/>
+              </a:rPr>
+              <a:t>TendermintED25519Validator</a:t>
+            </a:r>
+            <a:endParaRPr lang="en-US" sz="1200" dirty="0">
+              <a:solidFill>
+                <a:srgbClr val="7030A0"/>
+              </a:solidFill>
+            </a:endParaRPr>
+          </a:p>
+        </p:txBody>
+      </p:sp>
+      <p:pic>
+        <p:nvPicPr>
+          <p:cNvPr id="75" name="Graphic 74" descr="Arrow Right with solid fill">
+            <a:extLst>
+              <a:ext uri="{FF2B5EF4-FFF2-40B4-BE49-F238E27FC236}">
+                <a16:creationId xmlns:a16="http://schemas.microsoft.com/office/drawing/2014/main" id="{669DDB06-D9EE-4074-8BD6-A1EAE17B6752}"/>
+              </a:ext>
+            </a:extLst>
+          </p:cNvPr>
+          <p:cNvPicPr>
+            <a:picLocks noChangeAspect="1"/>
+          </p:cNvPicPr>
+          <p:nvPr/>
+        </p:nvPicPr>
+        <p:blipFill>
+          <a:blip r:embed="rId8">
+            <a:extLst>
+              <a:ext uri="{28A0092B-C50C-407E-A947-70E740481C1C}">
+                <a14:useLocalDpi xmlns:a14="http://schemas.microsoft.com/office/drawing/2010/main" val="0"/>
+              </a:ext>
+              <a:ext uri="{96DAC541-7B7A-43D3-8B79-37D633B846F1}">
+                <asvg:svgBlip xmlns:asvg="http://schemas.microsoft.com/office/drawing/2016/SVG/main" r:embed="rId9"/>
+              </a:ext>
+            </a:extLst>
+          </a:blip>
+          <a:stretch>
+            <a:fillRect/>
+          </a:stretch>
+        </p:blipFill>
+        <p:spPr>
+          <a:xfrm rot="10800000">
+            <a:off x="8726120" y="5007089"/>
+            <a:ext cx="914400" cy="914400"/>
+          </a:xfrm>
+          <a:prstGeom prst="rect">
+            <a:avLst/>
+          </a:prstGeom>
+        </p:spPr>
+      </p:pic>
+      <p:pic>
+        <p:nvPicPr>
+          <p:cNvPr id="76" name="Graphic 75" descr="Arrow Right with solid fill">
+            <a:extLst>
+              <a:ext uri="{FF2B5EF4-FFF2-40B4-BE49-F238E27FC236}">
+                <a16:creationId xmlns:a16="http://schemas.microsoft.com/office/drawing/2014/main" id="{EE1AC106-3791-469D-8CB7-8CD3D6468A34}"/>
+              </a:ext>
+            </a:extLst>
+          </p:cNvPr>
+          <p:cNvPicPr>
+            <a:picLocks noChangeAspect="1"/>
+          </p:cNvPicPr>
+          <p:nvPr/>
+        </p:nvPicPr>
+        <p:blipFill>
+          <a:blip r:embed="rId10">
+            <a:extLst>
+              <a:ext uri="{28A0092B-C50C-407E-A947-70E740481C1C}">
+                <a14:useLocalDpi xmlns:a14="http://schemas.microsoft.com/office/drawing/2010/main" val="0"/>
+              </a:ext>
+              <a:ext uri="{96DAC541-7B7A-43D3-8B79-37D633B846F1}">
+                <asvg:svgBlip xmlns:asvg="http://schemas.microsoft.com/office/drawing/2016/SVG/main" r:embed="rId11"/>
+              </a:ext>
+            </a:extLst>
+          </a:blip>
+          <a:stretch>
+            <a:fillRect/>
+          </a:stretch>
+        </p:blipFill>
+        <p:spPr>
+          <a:xfrm>
+            <a:off x="8694443" y="4543351"/>
+            <a:ext cx="914400" cy="914400"/>
+          </a:xfrm>
+          <a:prstGeom prst="rect">
+            <a:avLst/>
+          </a:prstGeom>
+        </p:spPr>
+      </p:pic>
+      <p:pic>
+        <p:nvPicPr>
+          <p:cNvPr id="77" name="Graphic 76" descr="Programmer male with solid fill">
+            <a:extLst>
+              <a:ext uri="{FF2B5EF4-FFF2-40B4-BE49-F238E27FC236}">
+                <a16:creationId xmlns:a16="http://schemas.microsoft.com/office/drawing/2014/main" id="{6DA3C991-A76C-4EA6-B9F1-18682A081F20}"/>
+              </a:ext>
+            </a:extLst>
+          </p:cNvPr>
+          <p:cNvPicPr>
+            <a:picLocks noChangeAspect="1"/>
+          </p:cNvPicPr>
+          <p:nvPr/>
+        </p:nvPicPr>
+        <p:blipFill>
+          <a:blip r:embed="rId12">
+            <a:extLst>
+              <a:ext uri="{96DAC541-7B7A-43D3-8B79-37D633B846F1}">
+                <asvg:svgBlip xmlns:asvg="http://schemas.microsoft.com/office/drawing/2016/SVG/main" r:embed="rId13"/>
+              </a:ext>
+            </a:extLst>
+          </a:blip>
+          <a:stretch>
+            <a:fillRect/>
+          </a:stretch>
+        </p:blipFill>
+        <p:spPr>
+          <a:xfrm>
+            <a:off x="10136345" y="4646699"/>
+            <a:ext cx="583337" cy="583337"/>
+          </a:xfrm>
+          <a:prstGeom prst="rect">
+            <a:avLst/>
+          </a:prstGeom>
+        </p:spPr>
+      </p:pic>
+      <p:sp>
+        <p:nvSpPr>
+          <p:cNvPr id="78" name="Content Placeholder 15" descr="Arrow: Rotate right with solid fill">
+            <a:extLst>
+              <a:ext uri="{FF2B5EF4-FFF2-40B4-BE49-F238E27FC236}">
+                <a16:creationId xmlns:a16="http://schemas.microsoft.com/office/drawing/2014/main" id="{B6530062-4BF8-43CB-A4A1-0B2A34780E93}"/>
+              </a:ext>
+            </a:extLst>
+          </p:cNvPr>
+          <p:cNvSpPr/>
+          <p:nvPr/>
+        </p:nvSpPr>
+        <p:spPr>
+          <a:xfrm rot="5400000" flipH="1">
+            <a:off x="9642507" y="3815538"/>
+            <a:ext cx="343900" cy="564095"/>
+          </a:xfrm>
+          <a:custGeom>
+            <a:avLst/>
+            <a:gdLst>
+              <a:gd name="connsiteX0" fmla="*/ 714375 w 838200"/>
+              <a:gd name="connsiteY0" fmla="*/ 415404 h 644004"/>
+              <a:gd name="connsiteX1" fmla="*/ 666750 w 838200"/>
+              <a:gd name="connsiteY1" fmla="*/ 167754 h 644004"/>
+              <a:gd name="connsiteX2" fmla="*/ 425768 w 838200"/>
+              <a:gd name="connsiteY2" fmla="*/ 2972 h 644004"/>
+              <a:gd name="connsiteX3" fmla="*/ 134303 w 838200"/>
+              <a:gd name="connsiteY3" fmla="*/ 76314 h 644004"/>
+              <a:gd name="connsiteX4" fmla="*/ 0 w 838200"/>
+              <a:gd name="connsiteY4" fmla="*/ 318249 h 644004"/>
+              <a:gd name="connsiteX5" fmla="*/ 111443 w 838200"/>
+              <a:gd name="connsiteY5" fmla="*/ 144894 h 644004"/>
+              <a:gd name="connsiteX6" fmla="*/ 314325 w 838200"/>
+              <a:gd name="connsiteY6" fmla="*/ 109652 h 644004"/>
+              <a:gd name="connsiteX7" fmla="*/ 470535 w 838200"/>
+              <a:gd name="connsiteY7" fmla="*/ 231572 h 644004"/>
+              <a:gd name="connsiteX8" fmla="*/ 504825 w 838200"/>
+              <a:gd name="connsiteY8" fmla="*/ 415404 h 644004"/>
+              <a:gd name="connsiteX9" fmla="*/ 381000 w 838200"/>
+              <a:gd name="connsiteY9" fmla="*/ 415404 h 644004"/>
+              <a:gd name="connsiteX10" fmla="*/ 609600 w 838200"/>
+              <a:gd name="connsiteY10" fmla="*/ 644004 h 644004"/>
+              <a:gd name="connsiteX11" fmla="*/ 838200 w 838200"/>
+              <a:gd name="connsiteY11" fmla="*/ 415404 h 644004"/>
+              <a:gd name="connsiteX12" fmla="*/ 714375 w 838200"/>
+              <a:gd name="connsiteY12" fmla="*/ 415404 h 644004"/>
+            </a:gdLst>
+            <a:ahLst/>
+            <a:cxnLst>
+              <a:cxn ang="0">
+                <a:pos x="connsiteX0" y="connsiteY0"/>
+              </a:cxn>
+              <a:cxn ang="0">
+                <a:pos x="connsiteX1" y="connsiteY1"/>
+              </a:cxn>
+              <a:cxn ang="0">
+                <a:pos x="connsiteX2" y="connsiteY2"/>
+              </a:cxn>
+              <a:cxn ang="0">
+                <a:pos x="connsiteX3" y="connsiteY3"/>
+              </a:cxn>
+              <a:cxn ang="0">
+                <a:pos x="connsiteX4" y="connsiteY4"/>
+              </a:cxn>
+              <a:cxn ang="0">
+                <a:pos x="connsiteX5" y="connsiteY5"/>
+              </a:cxn>
+              <a:cxn ang="0">
+                <a:pos x="connsiteX6" y="connsiteY6"/>
+              </a:cxn>
+              <a:cxn ang="0">
+                <a:pos x="connsiteX7" y="connsiteY7"/>
+              </a:cxn>
+              <a:cxn ang="0">
+                <a:pos x="connsiteX8" y="connsiteY8"/>
+              </a:cxn>
+              <a:cxn ang="0">
+                <a:pos x="connsiteX9" y="connsiteY9"/>
+              </a:cxn>
+              <a:cxn ang="0">
+                <a:pos x="connsiteX10" y="connsiteY10"/>
+              </a:cxn>
+              <a:cxn ang="0">
+                <a:pos x="connsiteX11" y="connsiteY11"/>
+              </a:cxn>
+              <a:cxn ang="0">
+                <a:pos x="connsiteX12" y="connsiteY12"/>
+              </a:cxn>
+            </a:cxnLst>
+            <a:rect l="l" t="t" r="r" b="b"/>
+            <a:pathLst>
+              <a:path w="838200" h="644004">
+                <a:moveTo>
+                  <a:pt x="714375" y="415404"/>
+                </a:moveTo>
+                <a:cubicBezTo>
+                  <a:pt x="717233" y="326822"/>
+                  <a:pt x="714375" y="245859"/>
+                  <a:pt x="666750" y="167754"/>
+                </a:cubicBezTo>
+                <a:cubicBezTo>
+                  <a:pt x="613410" y="80124"/>
+                  <a:pt x="528638" y="15354"/>
+                  <a:pt x="425768" y="2972"/>
+                </a:cubicBezTo>
+                <a:cubicBezTo>
+                  <a:pt x="322898" y="-9411"/>
+                  <a:pt x="219075" y="17259"/>
+                  <a:pt x="134303" y="76314"/>
+                </a:cubicBezTo>
+                <a:cubicBezTo>
+                  <a:pt x="61913" y="129654"/>
+                  <a:pt x="0" y="225857"/>
+                  <a:pt x="0" y="318249"/>
+                </a:cubicBezTo>
+                <a:cubicBezTo>
+                  <a:pt x="11430" y="247764"/>
+                  <a:pt x="51435" y="184899"/>
+                  <a:pt x="111443" y="144894"/>
+                </a:cubicBezTo>
+                <a:cubicBezTo>
+                  <a:pt x="171450" y="104889"/>
+                  <a:pt x="244793" y="92507"/>
+                  <a:pt x="314325" y="109652"/>
+                </a:cubicBezTo>
+                <a:cubicBezTo>
+                  <a:pt x="380048" y="124892"/>
+                  <a:pt x="434340" y="175374"/>
+                  <a:pt x="470535" y="231572"/>
+                </a:cubicBezTo>
+                <a:cubicBezTo>
+                  <a:pt x="506730" y="287769"/>
+                  <a:pt x="504825" y="350634"/>
+                  <a:pt x="504825" y="415404"/>
+                </a:cubicBezTo>
+                <a:lnTo>
+                  <a:pt x="381000" y="415404"/>
+                </a:lnTo>
+                <a:lnTo>
+                  <a:pt x="609600" y="644004"/>
+                </a:lnTo>
+                <a:cubicBezTo>
+                  <a:pt x="609600" y="644004"/>
+                  <a:pt x="799148" y="454457"/>
+                  <a:pt x="838200" y="415404"/>
+                </a:cubicBezTo>
+                <a:lnTo>
+                  <a:pt x="714375" y="415404"/>
+                </a:lnTo>
+                <a:close/>
+              </a:path>
+            </a:pathLst>
+          </a:custGeom>
+          <a:solidFill>
+            <a:srgbClr val="00B050"/>
+          </a:solidFill>
+          <a:ln w="38100">
+            <a:noFill/>
+            <a:headEnd type="none" w="med" len="med"/>
+            <a:tailEnd type="arrow" w="med" len="med"/>
+          </a:ln>
+        </p:spPr>
+        <p:style>
+          <a:lnRef idx="3">
+            <a:schemeClr val="accent2"/>
+          </a:lnRef>
+          <a:fillRef idx="0">
+            <a:schemeClr val="accent2"/>
+          </a:fillRef>
+          <a:effectRef idx="2">
+            <a:schemeClr val="accent2"/>
+          </a:effectRef>
+          <a:fontRef idx="minor">
+            <a:schemeClr val="tx1"/>
+          </a:fontRef>
+        </p:style>
+        <p:txBody>
+          <a:bodyPr rtlCol="0" anchor="ctr"/>
+          <a:lstStyle/>
+          <a:p>
+            <a:endParaRPr lang="en-US"/>
+          </a:p>
+        </p:txBody>
+      </p:sp>
+      <p:pic>
+        <p:nvPicPr>
+          <p:cNvPr id="13" name="Graphic 12" descr="Checkmark with solid fill">
+            <a:extLst>
+              <a:ext uri="{FF2B5EF4-FFF2-40B4-BE49-F238E27FC236}">
+                <a16:creationId xmlns:a16="http://schemas.microsoft.com/office/drawing/2014/main" id="{AF849FEF-0256-4E8A-A723-284CBF6232D4}"/>
+              </a:ext>
+            </a:extLst>
+          </p:cNvPr>
+          <p:cNvPicPr>
+            <a:picLocks noChangeAspect="1"/>
+          </p:cNvPicPr>
+          <p:nvPr/>
+        </p:nvPicPr>
+        <p:blipFill>
+          <a:blip r:embed="rId14">
+            <a:extLst>
+              <a:ext uri="{28A0092B-C50C-407E-A947-70E740481C1C}">
+                <a14:useLocalDpi xmlns:a14="http://schemas.microsoft.com/office/drawing/2010/main" val="0"/>
+              </a:ext>
+              <a:ext uri="{96DAC541-7B7A-43D3-8B79-37D633B846F1}">
+                <asvg:svgBlip xmlns:asvg="http://schemas.microsoft.com/office/drawing/2016/SVG/main" r:embed="rId15"/>
+              </a:ext>
+            </a:extLst>
+          </a:blip>
+          <a:stretch>
+            <a:fillRect/>
+          </a:stretch>
+        </p:blipFill>
+        <p:spPr>
+          <a:xfrm>
+            <a:off x="10224912" y="3772029"/>
+            <a:ext cx="564094" cy="564094"/>
+          </a:xfrm>
+          <a:prstGeom prst="rect">
+            <a:avLst/>
+          </a:prstGeom>
+        </p:spPr>
+      </p:pic>
+      <p:sp>
+        <p:nvSpPr>
+          <p:cNvPr id="52" name="TextBox 51">
+            <a:extLst>
+              <a:ext uri="{FF2B5EF4-FFF2-40B4-BE49-F238E27FC236}">
+                <a16:creationId xmlns:a16="http://schemas.microsoft.com/office/drawing/2014/main" id="{75055A51-835A-4F1D-9225-4769BAEE243B}"/>
+              </a:ext>
+            </a:extLst>
+          </p:cNvPr>
+          <p:cNvSpPr txBox="1"/>
+          <p:nvPr/>
+        </p:nvSpPr>
+        <p:spPr>
+          <a:xfrm>
+            <a:off x="1954197" y="610747"/>
+            <a:ext cx="826380" cy="338554"/>
+          </a:xfrm>
+          <a:prstGeom prst="rect">
+            <a:avLst/>
+          </a:prstGeom>
+          <a:noFill/>
+        </p:spPr>
+        <p:txBody>
+          <a:bodyPr wrap="none" rtlCol="0">
+            <a:spAutoFit/>
+          </a:bodyPr>
+          <a:lstStyle/>
+          <a:p>
+            <a:r>
+              <a:rPr lang="en-US" sz="1600" b="1" dirty="0">
+                <a:latin typeface="Abadi Extra Light" panose="020B0204020104020204" pitchFamily="34" charset="0"/>
+              </a:rPr>
+              <a:t>Runtime</a:t>
+            </a:r>
+            <a:endParaRPr lang="en-US" sz="1600" b="1" dirty="0"/>
+          </a:p>
+        </p:txBody>
+      </p:sp>
+      <p:pic>
+        <p:nvPicPr>
+          <p:cNvPr id="53" name="Graphic 52" descr="Connections with solid fill">
+            <a:extLst>
+              <a:ext uri="{FF2B5EF4-FFF2-40B4-BE49-F238E27FC236}">
+                <a16:creationId xmlns:a16="http://schemas.microsoft.com/office/drawing/2014/main" id="{93881628-4206-4FB1-A81B-94AEA547CD43}"/>
+              </a:ext>
+            </a:extLst>
+          </p:cNvPr>
+          <p:cNvPicPr>
+            <a:picLocks noChangeAspect="1"/>
+          </p:cNvPicPr>
+          <p:nvPr/>
+        </p:nvPicPr>
+        <p:blipFill>
+          <a:blip r:embed="rId4">
+            <a:extLst>
+              <a:ext uri="{28A0092B-C50C-407E-A947-70E740481C1C}">
+                <a14:useLocalDpi xmlns:a14="http://schemas.microsoft.com/office/drawing/2010/main" val="0"/>
+              </a:ext>
+              <a:ext uri="{96DAC541-7B7A-43D3-8B79-37D633B846F1}">
+                <asvg:svgBlip xmlns:asvg="http://schemas.microsoft.com/office/drawing/2016/SVG/main" r:embed="rId5"/>
+              </a:ext>
+            </a:extLst>
+          </a:blip>
+          <a:stretch>
+            <a:fillRect/>
+          </a:stretch>
+        </p:blipFill>
+        <p:spPr>
+          <a:xfrm>
+            <a:off x="2835487" y="307430"/>
+            <a:ext cx="704277" cy="704277"/>
+          </a:xfrm>
+          <a:prstGeom prst="rect">
+            <a:avLst/>
+          </a:prstGeom>
+        </p:spPr>
+      </p:pic>
+      <p:pic>
+        <p:nvPicPr>
+          <p:cNvPr id="65" name="Graphic 64" descr="Programmer male with solid fill">
+            <a:extLst>
+              <a:ext uri="{FF2B5EF4-FFF2-40B4-BE49-F238E27FC236}">
+                <a16:creationId xmlns:a16="http://schemas.microsoft.com/office/drawing/2014/main" id="{BDC846CB-756D-4E0A-BFC7-3FF59067C21F}"/>
+              </a:ext>
+            </a:extLst>
+          </p:cNvPr>
+          <p:cNvPicPr>
+            <a:picLocks noChangeAspect="1"/>
+          </p:cNvPicPr>
+          <p:nvPr/>
+        </p:nvPicPr>
+        <p:blipFill>
+          <a:blip r:embed="rId16">
+            <a:extLst>
+              <a:ext uri="{96DAC541-7B7A-43D3-8B79-37D633B846F1}">
+                <asvg:svgBlip xmlns:asvg="http://schemas.microsoft.com/office/drawing/2016/SVG/main" r:embed="rId17"/>
+              </a:ext>
+            </a:extLst>
+          </a:blip>
+          <a:stretch>
+            <a:fillRect/>
+          </a:stretch>
+        </p:blipFill>
+        <p:spPr>
+          <a:xfrm>
+            <a:off x="2640546" y="5233512"/>
+            <a:ext cx="583337" cy="583337"/>
+          </a:xfrm>
+          <a:prstGeom prst="rect">
+            <a:avLst/>
+          </a:prstGeom>
+        </p:spPr>
+      </p:pic>
+      <p:sp>
+        <p:nvSpPr>
+          <p:cNvPr id="67" name="TextBox 66">
+            <a:extLst>
+              <a:ext uri="{FF2B5EF4-FFF2-40B4-BE49-F238E27FC236}">
+                <a16:creationId xmlns:a16="http://schemas.microsoft.com/office/drawing/2014/main" id="{C922BDEA-E2B3-4D42-8E75-B4EBE263510E}"/>
+              </a:ext>
+            </a:extLst>
+          </p:cNvPr>
+          <p:cNvSpPr txBox="1"/>
+          <p:nvPr/>
+        </p:nvSpPr>
+        <p:spPr>
+          <a:xfrm>
+            <a:off x="2401725" y="5902665"/>
+            <a:ext cx="1186763" cy="306467"/>
+          </a:xfrm>
+          <a:prstGeom prst="roundRect">
+            <a:avLst/>
+          </a:prstGeom>
+          <a:solidFill>
+            <a:schemeClr val="accent2">
+              <a:lumMod val="20000"/>
+              <a:lumOff val="80000"/>
+            </a:schemeClr>
+          </a:solidFill>
+          <a:ln>
+            <a:solidFill>
+              <a:srgbClr val="FF0000"/>
+            </a:solidFill>
+          </a:ln>
+        </p:spPr>
+        <p:style>
+          <a:lnRef idx="2">
+            <a:schemeClr val="accent3"/>
+          </a:lnRef>
+          <a:fillRef idx="1">
+            <a:schemeClr val="lt1"/>
+          </a:fillRef>
+          <a:effectRef idx="0">
+            <a:schemeClr val="accent3"/>
+          </a:effectRef>
+          <a:fontRef idx="minor">
+            <a:schemeClr val="dk1"/>
+          </a:fontRef>
+        </p:style>
+        <p:txBody>
+          <a:bodyPr wrap="square" rtlCol="0">
+            <a:spAutoFit/>
+          </a:bodyPr>
+          <a:lstStyle/>
+          <a:p>
+            <a:pPr algn="ctr"/>
+            <a:r>
+              <a:rPr lang="en-US" sz="1200" dirty="0">
+                <a:solidFill>
+                  <a:srgbClr val="FF0000"/>
+                </a:solidFill>
+                <a:latin typeface="Abadi Extra Light" panose="020B0204020104020204" pitchFamily="34" charset="0"/>
+              </a:rPr>
+              <a:t>Attacker</a:t>
+            </a:r>
+            <a:endParaRPr lang="en-US" sz="1200" dirty="0">
+              <a:solidFill>
+                <a:srgbClr val="FF0000"/>
+              </a:solidFill>
+            </a:endParaRPr>
+          </a:p>
+        </p:txBody>
+      </p:sp>
+      <p:sp>
+        <p:nvSpPr>
+          <p:cNvPr id="70" name="TextBox 69">
+            <a:extLst>
+              <a:ext uri="{FF2B5EF4-FFF2-40B4-BE49-F238E27FC236}">
+                <a16:creationId xmlns:a16="http://schemas.microsoft.com/office/drawing/2014/main" id="{59760691-8679-41D3-BB85-5438F4DE74A5}"/>
+              </a:ext>
+            </a:extLst>
+          </p:cNvPr>
+          <p:cNvSpPr txBox="1"/>
+          <p:nvPr/>
+        </p:nvSpPr>
+        <p:spPr>
+          <a:xfrm>
+            <a:off x="1930455" y="4330188"/>
+            <a:ext cx="2003517" cy="306467"/>
+          </a:xfrm>
+          <a:prstGeom prst="roundRect">
+            <a:avLst/>
+          </a:prstGeom>
+          <a:ln>
+            <a:solidFill>
+              <a:srgbClr val="7030A0"/>
+            </a:solidFill>
+          </a:ln>
+        </p:spPr>
+        <p:style>
+          <a:lnRef idx="2">
+            <a:schemeClr val="accent3"/>
+          </a:lnRef>
+          <a:fillRef idx="1">
+            <a:schemeClr val="lt1"/>
+          </a:fillRef>
+          <a:effectRef idx="0">
+            <a:schemeClr val="accent3"/>
+          </a:effectRef>
+          <a:fontRef idx="minor">
+            <a:schemeClr val="dk1"/>
+          </a:fontRef>
+        </p:style>
+        <p:txBody>
+          <a:bodyPr wrap="none" rtlCol="0">
+            <a:spAutoFit/>
+          </a:bodyPr>
+          <a:lstStyle/>
+          <a:p>
+            <a:r>
+              <a:rPr lang="en-US" sz="1200" dirty="0">
+                <a:solidFill>
+                  <a:srgbClr val="7030A0"/>
+                </a:solidFill>
+                <a:latin typeface="Abadi Extra Light" panose="020B0204020104020204" pitchFamily="34" charset="0"/>
+              </a:rPr>
+              <a:t>TendermintED25519Validator</a:t>
+            </a:r>
+            <a:endParaRPr lang="en-US" sz="1200" dirty="0">
+              <a:solidFill>
+                <a:srgbClr val="7030A0"/>
+              </a:solidFill>
+            </a:endParaRPr>
+          </a:p>
+        </p:txBody>
+      </p:sp>
+      <p:pic>
+        <p:nvPicPr>
+          <p:cNvPr id="74" name="Graphic 73" descr="Arrow Right with solid fill">
+            <a:extLst>
+              <a:ext uri="{FF2B5EF4-FFF2-40B4-BE49-F238E27FC236}">
+                <a16:creationId xmlns:a16="http://schemas.microsoft.com/office/drawing/2014/main" id="{1AAE668E-E452-440B-8FB3-67EA3AB98EC2}"/>
+              </a:ext>
+            </a:extLst>
+          </p:cNvPr>
+          <p:cNvPicPr>
+            <a:picLocks noChangeAspect="1"/>
+          </p:cNvPicPr>
+          <p:nvPr/>
+        </p:nvPicPr>
+        <p:blipFill>
+          <a:blip r:embed="rId18">
+            <a:extLst>
+              <a:ext uri="{28A0092B-C50C-407E-A947-70E740481C1C}">
+                <a14:useLocalDpi xmlns:a14="http://schemas.microsoft.com/office/drawing/2010/main" val="0"/>
+              </a:ext>
+              <a:ext uri="{96DAC541-7B7A-43D3-8B79-37D633B846F1}">
+                <asvg:svgBlip xmlns:asvg="http://schemas.microsoft.com/office/drawing/2016/SVG/main" r:embed="rId19"/>
+              </a:ext>
+            </a:extLst>
+          </a:blip>
+          <a:stretch>
+            <a:fillRect/>
+          </a:stretch>
+        </p:blipFill>
+        <p:spPr>
+          <a:xfrm>
+            <a:off x="3526805" y="5047118"/>
+            <a:ext cx="914400" cy="914400"/>
+          </a:xfrm>
+          <a:prstGeom prst="rect">
+            <a:avLst/>
+          </a:prstGeom>
+        </p:spPr>
+      </p:pic>
+      <p:pic>
+        <p:nvPicPr>
+          <p:cNvPr id="79" name="Graphic 78" descr="Arrow Right with solid fill">
+            <a:extLst>
+              <a:ext uri="{FF2B5EF4-FFF2-40B4-BE49-F238E27FC236}">
+                <a16:creationId xmlns:a16="http://schemas.microsoft.com/office/drawing/2014/main" id="{B31FE599-AA82-4CE2-A1E2-405B0CEE6BE7}"/>
+              </a:ext>
+            </a:extLst>
+          </p:cNvPr>
+          <p:cNvPicPr>
+            <a:picLocks noChangeAspect="1"/>
+          </p:cNvPicPr>
+          <p:nvPr/>
+        </p:nvPicPr>
+        <p:blipFill>
+          <a:blip r:embed="rId10">
+            <a:extLst>
+              <a:ext uri="{28A0092B-C50C-407E-A947-70E740481C1C}">
+                <a14:useLocalDpi xmlns:a14="http://schemas.microsoft.com/office/drawing/2010/main" val="0"/>
+              </a:ext>
+              <a:ext uri="{96DAC541-7B7A-43D3-8B79-37D633B846F1}">
+                <asvg:svgBlip xmlns:asvg="http://schemas.microsoft.com/office/drawing/2016/SVG/main" r:embed="rId11"/>
+              </a:ext>
+            </a:extLst>
+          </a:blip>
+          <a:stretch>
+            <a:fillRect/>
+          </a:stretch>
+        </p:blipFill>
+        <p:spPr>
+          <a:xfrm rot="10800000">
+            <a:off x="3548026" y="4549889"/>
+            <a:ext cx="914400" cy="914400"/>
+          </a:xfrm>
+          <a:prstGeom prst="rect">
+            <a:avLst/>
+          </a:prstGeom>
+        </p:spPr>
+      </p:pic>
+      <p:pic>
+        <p:nvPicPr>
+          <p:cNvPr id="80" name="Graphic 79" descr="Programmer male with solid fill">
+            <a:extLst>
+              <a:ext uri="{FF2B5EF4-FFF2-40B4-BE49-F238E27FC236}">
+                <a16:creationId xmlns:a16="http://schemas.microsoft.com/office/drawing/2014/main" id="{B698E5CE-1086-4984-A5F3-3E6CF812C254}"/>
+              </a:ext>
+            </a:extLst>
+          </p:cNvPr>
+          <p:cNvPicPr>
+            <a:picLocks noChangeAspect="1"/>
+          </p:cNvPicPr>
+          <p:nvPr/>
+        </p:nvPicPr>
+        <p:blipFill>
+          <a:blip r:embed="rId12">
+            <a:extLst>
+              <a:ext uri="{96DAC541-7B7A-43D3-8B79-37D633B846F1}">
+                <asvg:svgBlip xmlns:asvg="http://schemas.microsoft.com/office/drawing/2016/SVG/main" r:embed="rId13"/>
+              </a:ext>
+            </a:extLst>
+          </a:blip>
+          <a:stretch>
+            <a:fillRect/>
+          </a:stretch>
+        </p:blipFill>
+        <p:spPr>
+          <a:xfrm>
+            <a:off x="2640546" y="4646699"/>
+            <a:ext cx="583337" cy="583337"/>
+          </a:xfrm>
+          <a:prstGeom prst="rect">
+            <a:avLst/>
+          </a:prstGeom>
+        </p:spPr>
+      </p:pic>
+      <p:pic>
+        <p:nvPicPr>
+          <p:cNvPr id="6" name="Graphic 5" descr="Close with solid fill">
+            <a:extLst>
+              <a:ext uri="{FF2B5EF4-FFF2-40B4-BE49-F238E27FC236}">
+                <a16:creationId xmlns:a16="http://schemas.microsoft.com/office/drawing/2014/main" id="{8A2D3223-5D3C-4645-87A3-A77617402F94}"/>
+              </a:ext>
+            </a:extLst>
+          </p:cNvPr>
+          <p:cNvPicPr>
+            <a:picLocks noChangeAspect="1"/>
+          </p:cNvPicPr>
+          <p:nvPr/>
+        </p:nvPicPr>
+        <p:blipFill>
+          <a:blip r:embed="rId20">
+            <a:extLst>
+              <a:ext uri="{28A0092B-C50C-407E-A947-70E740481C1C}">
+                <a14:useLocalDpi xmlns:a14="http://schemas.microsoft.com/office/drawing/2010/main" val="0"/>
+              </a:ext>
+              <a:ext uri="{96DAC541-7B7A-43D3-8B79-37D633B846F1}">
+                <asvg:svgBlip xmlns:asvg="http://schemas.microsoft.com/office/drawing/2016/SVG/main" r:embed="rId21"/>
+              </a:ext>
+            </a:extLst>
+          </a:blip>
+          <a:stretch>
+            <a:fillRect/>
+          </a:stretch>
+        </p:blipFill>
+        <p:spPr>
+          <a:xfrm>
+            <a:off x="2649111" y="3740011"/>
+            <a:ext cx="608646" cy="608646"/>
+          </a:xfrm>
+          <a:prstGeom prst="rect">
+            <a:avLst/>
+          </a:prstGeom>
+        </p:spPr>
+      </p:pic>
+    </p:spTree>
+    <p:extLst>
+      <p:ext uri="{BB962C8B-B14F-4D97-AF65-F5344CB8AC3E}">
+        <p14:creationId xmlns:p14="http://schemas.microsoft.com/office/powerpoint/2010/main" val="1579472584"/>
       </p:ext>
     </p:extLst>
   </p:cSld>

--- a/cluster_computing/figures/figures.pptx
+++ b/cluster_computing/figures/figures.pptx
@@ -267,7 +267,7 @@
           <a:p>
             <a:fld id="{B7BC47D5-11D3-41CE-A91C-521573FB6130}" type="datetimeFigureOut">
               <a:rPr lang="en-US" smtClean="0"/>
-              <a:t>2022-02-24</a:t>
+              <a:t>2022-05-02</a:t>
             </a:fld>
             <a:endParaRPr lang="en-US"/>
           </a:p>
@@ -465,7 +465,7 @@
           <a:p>
             <a:fld id="{B7BC47D5-11D3-41CE-A91C-521573FB6130}" type="datetimeFigureOut">
               <a:rPr lang="en-US" smtClean="0"/>
-              <a:t>2022-02-24</a:t>
+              <a:t>2022-05-02</a:t>
             </a:fld>
             <a:endParaRPr lang="en-US"/>
           </a:p>
@@ -673,7 +673,7 @@
           <a:p>
             <a:fld id="{B7BC47D5-11D3-41CE-A91C-521573FB6130}" type="datetimeFigureOut">
               <a:rPr lang="en-US" smtClean="0"/>
-              <a:t>2022-02-24</a:t>
+              <a:t>2022-05-02</a:t>
             </a:fld>
             <a:endParaRPr lang="en-US"/>
           </a:p>
@@ -871,7 +871,7 @@
           <a:p>
             <a:fld id="{B7BC47D5-11D3-41CE-A91C-521573FB6130}" type="datetimeFigureOut">
               <a:rPr lang="en-US" smtClean="0"/>
-              <a:t>2022-02-24</a:t>
+              <a:t>2022-05-02</a:t>
             </a:fld>
             <a:endParaRPr lang="en-US"/>
           </a:p>
@@ -1146,7 +1146,7 @@
           <a:p>
             <a:fld id="{B7BC47D5-11D3-41CE-A91C-521573FB6130}" type="datetimeFigureOut">
               <a:rPr lang="en-US" smtClean="0"/>
-              <a:t>2022-02-24</a:t>
+              <a:t>2022-05-02</a:t>
             </a:fld>
             <a:endParaRPr lang="en-US"/>
           </a:p>
@@ -1411,7 +1411,7 @@
           <a:p>
             <a:fld id="{B7BC47D5-11D3-41CE-A91C-521573FB6130}" type="datetimeFigureOut">
               <a:rPr lang="en-US" smtClean="0"/>
-              <a:t>2022-02-24</a:t>
+              <a:t>2022-05-02</a:t>
             </a:fld>
             <a:endParaRPr lang="en-US"/>
           </a:p>
@@ -1823,7 +1823,7 @@
           <a:p>
             <a:fld id="{B7BC47D5-11D3-41CE-A91C-521573FB6130}" type="datetimeFigureOut">
               <a:rPr lang="en-US" smtClean="0"/>
-              <a:t>2022-02-24</a:t>
+              <a:t>2022-05-02</a:t>
             </a:fld>
             <a:endParaRPr lang="en-US"/>
           </a:p>
@@ -1964,7 +1964,7 @@
           <a:p>
             <a:fld id="{B7BC47D5-11D3-41CE-A91C-521573FB6130}" type="datetimeFigureOut">
               <a:rPr lang="en-US" smtClean="0"/>
-              <a:t>2022-02-24</a:t>
+              <a:t>2022-05-02</a:t>
             </a:fld>
             <a:endParaRPr lang="en-US"/>
           </a:p>
@@ -2077,7 +2077,7 @@
           <a:p>
             <a:fld id="{B7BC47D5-11D3-41CE-A91C-521573FB6130}" type="datetimeFigureOut">
               <a:rPr lang="en-US" smtClean="0"/>
-              <a:t>2022-02-24</a:t>
+              <a:t>2022-05-02</a:t>
             </a:fld>
             <a:endParaRPr lang="en-US"/>
           </a:p>
@@ -2388,7 +2388,7 @@
           <a:p>
             <a:fld id="{B7BC47D5-11D3-41CE-A91C-521573FB6130}" type="datetimeFigureOut">
               <a:rPr lang="en-US" smtClean="0"/>
-              <a:t>2022-02-24</a:t>
+              <a:t>2022-05-02</a:t>
             </a:fld>
             <a:endParaRPr lang="en-US"/>
           </a:p>
@@ -2676,7 +2676,7 @@
           <a:p>
             <a:fld id="{B7BC47D5-11D3-41CE-A91C-521573FB6130}" type="datetimeFigureOut">
               <a:rPr lang="en-US" smtClean="0"/>
-              <a:t>2022-02-24</a:t>
+              <a:t>2022-05-02</a:t>
             </a:fld>
             <a:endParaRPr lang="en-US"/>
           </a:p>
@@ -2917,7 +2917,7 @@
           <a:p>
             <a:fld id="{B7BC47D5-11D3-41CE-A91C-521573FB6130}" type="datetimeFigureOut">
               <a:rPr lang="en-US" smtClean="0"/>
-              <a:t>2022-02-24</a:t>
+              <a:t>2022-05-02</a:t>
             </a:fld>
             <a:endParaRPr lang="en-US"/>
           </a:p>
@@ -5162,7 +5162,7 @@
         <p:spPr>
           <a:xfrm>
             <a:off x="5359817" y="4303219"/>
-            <a:ext cx="6281720" cy="353943"/>
+            <a:ext cx="6534802" cy="353943"/>
           </a:xfrm>
           <a:prstGeom prst="rect">
             <a:avLst/>
@@ -5319,7 +5319,7 @@
                 <a:latin typeface="Abadi Extra Light" panose="020B0204020104020204" pitchFamily="34" charset="0"/>
                 <a:cs typeface="Ayuthaya" pitchFamily="2" charset="-34"/>
               </a:rPr>
-              <a:t>, O offer )</a:t>
+              <a:t>, Offer offer )</a:t>
             </a:r>
             <a:endParaRPr lang="en-US" dirty="0"/>
           </a:p>
